--- a/sessions/03-probability_decision_trees/making_figs.pptx
+++ b/sessions/03-probability_decision_trees/making_figs.pptx
@@ -128,7 +128,7 @@
   <pc:docChgLst>
     <pc:chgData name="Alton Russell, Prof." userId="06708d83-fc2b-4190-b0c8-dc9a4695075b" providerId="ADAL" clId="{642D8EB8-F0D6-3842-8490-0CD7867CF0A1}"/>
     <pc:docChg chg="undo custSel addSld modSld">
-      <pc:chgData name="Alton Russell, Prof." userId="06708d83-fc2b-4190-b0c8-dc9a4695075b" providerId="ADAL" clId="{642D8EB8-F0D6-3842-8490-0CD7867CF0A1}" dt="2023-01-04T00:42:58.774" v="118" actId="1035"/>
+      <pc:chgData name="Alton Russell, Prof." userId="06708d83-fc2b-4190-b0c8-dc9a4695075b" providerId="ADAL" clId="{642D8EB8-F0D6-3842-8490-0CD7867CF0A1}" dt="2023-01-05T20:07:51.185" v="120" actId="20577"/>
       <pc:docMkLst>
         <pc:docMk/>
       </pc:docMkLst>
@@ -227,13 +227,13 @@
         </pc:picChg>
       </pc:sldChg>
       <pc:sldChg chg="addSp delSp modSp new mod">
-        <pc:chgData name="Alton Russell, Prof." userId="06708d83-fc2b-4190-b0c8-dc9a4695075b" providerId="ADAL" clId="{642D8EB8-F0D6-3842-8490-0CD7867CF0A1}" dt="2023-01-04T00:42:58.774" v="118" actId="1035"/>
+        <pc:chgData name="Alton Russell, Prof." userId="06708d83-fc2b-4190-b0c8-dc9a4695075b" providerId="ADAL" clId="{642D8EB8-F0D6-3842-8490-0CD7867CF0A1}" dt="2023-01-05T20:07:51.185" v="120" actId="20577"/>
         <pc:sldMkLst>
           <pc:docMk/>
           <pc:sldMk cId="956310125" sldId="259"/>
         </pc:sldMkLst>
         <pc:spChg chg="mod">
-          <ac:chgData name="Alton Russell, Prof." userId="06708d83-fc2b-4190-b0c8-dc9a4695075b" providerId="ADAL" clId="{642D8EB8-F0D6-3842-8490-0CD7867CF0A1}" dt="2023-01-04T00:42:52.047" v="115" actId="1038"/>
+          <ac:chgData name="Alton Russell, Prof." userId="06708d83-fc2b-4190-b0c8-dc9a4695075b" providerId="ADAL" clId="{642D8EB8-F0D6-3842-8490-0CD7867CF0A1}" dt="2023-01-05T20:07:51.185" v="120" actId="20577"/>
           <ac:spMkLst>
             <pc:docMk/>
             <pc:sldMk cId="956310125" sldId="259"/>
@@ -425,7 +425,7 @@
           <a:p>
             <a:fld id="{D68DD99B-8D91-A844-BA3A-B2A40D21540E}" type="datetimeFigureOut">
               <a:rPr lang="en-US" smtClean="0"/>
-              <a:t>1/3/23</a:t>
+              <a:t>1/5/23</a:t>
             </a:fld>
             <a:endParaRPr lang="en-US"/>
           </a:p>
@@ -623,7 +623,7 @@
           <a:p>
             <a:fld id="{D68DD99B-8D91-A844-BA3A-B2A40D21540E}" type="datetimeFigureOut">
               <a:rPr lang="en-US" smtClean="0"/>
-              <a:t>1/3/23</a:t>
+              <a:t>1/5/23</a:t>
             </a:fld>
             <a:endParaRPr lang="en-US"/>
           </a:p>
@@ -831,7 +831,7 @@
           <a:p>
             <a:fld id="{D68DD99B-8D91-A844-BA3A-B2A40D21540E}" type="datetimeFigureOut">
               <a:rPr lang="en-US" smtClean="0"/>
-              <a:t>1/3/23</a:t>
+              <a:t>1/5/23</a:t>
             </a:fld>
             <a:endParaRPr lang="en-US"/>
           </a:p>
@@ -1029,7 +1029,7 @@
           <a:p>
             <a:fld id="{D68DD99B-8D91-A844-BA3A-B2A40D21540E}" type="datetimeFigureOut">
               <a:rPr lang="en-US" smtClean="0"/>
-              <a:t>1/3/23</a:t>
+              <a:t>1/5/23</a:t>
             </a:fld>
             <a:endParaRPr lang="en-US"/>
           </a:p>
@@ -1304,7 +1304,7 @@
           <a:p>
             <a:fld id="{D68DD99B-8D91-A844-BA3A-B2A40D21540E}" type="datetimeFigureOut">
               <a:rPr lang="en-US" smtClean="0"/>
-              <a:t>1/3/23</a:t>
+              <a:t>1/5/23</a:t>
             </a:fld>
             <a:endParaRPr lang="en-US"/>
           </a:p>
@@ -1569,7 +1569,7 @@
           <a:p>
             <a:fld id="{D68DD99B-8D91-A844-BA3A-B2A40D21540E}" type="datetimeFigureOut">
               <a:rPr lang="en-US" smtClean="0"/>
-              <a:t>1/3/23</a:t>
+              <a:t>1/5/23</a:t>
             </a:fld>
             <a:endParaRPr lang="en-US"/>
           </a:p>
@@ -1981,7 +1981,7 @@
           <a:p>
             <a:fld id="{D68DD99B-8D91-A844-BA3A-B2A40D21540E}" type="datetimeFigureOut">
               <a:rPr lang="en-US" smtClean="0"/>
-              <a:t>1/3/23</a:t>
+              <a:t>1/5/23</a:t>
             </a:fld>
             <a:endParaRPr lang="en-US"/>
           </a:p>
@@ -2122,7 +2122,7 @@
           <a:p>
             <a:fld id="{D68DD99B-8D91-A844-BA3A-B2A40D21540E}" type="datetimeFigureOut">
               <a:rPr lang="en-US" smtClean="0"/>
-              <a:t>1/3/23</a:t>
+              <a:t>1/5/23</a:t>
             </a:fld>
             <a:endParaRPr lang="en-US"/>
           </a:p>
@@ -2235,7 +2235,7 @@
           <a:p>
             <a:fld id="{D68DD99B-8D91-A844-BA3A-B2A40D21540E}" type="datetimeFigureOut">
               <a:rPr lang="en-US" smtClean="0"/>
-              <a:t>1/3/23</a:t>
+              <a:t>1/5/23</a:t>
             </a:fld>
             <a:endParaRPr lang="en-US"/>
           </a:p>
@@ -2546,7 +2546,7 @@
           <a:p>
             <a:fld id="{D68DD99B-8D91-A844-BA3A-B2A40D21540E}" type="datetimeFigureOut">
               <a:rPr lang="en-US" smtClean="0"/>
-              <a:t>1/3/23</a:t>
+              <a:t>1/5/23</a:t>
             </a:fld>
             <a:endParaRPr lang="en-US"/>
           </a:p>
@@ -2834,7 +2834,7 @@
           <a:p>
             <a:fld id="{D68DD99B-8D91-A844-BA3A-B2A40D21540E}" type="datetimeFigureOut">
               <a:rPr lang="en-US" smtClean="0"/>
-              <a:t>1/3/23</a:t>
+              <a:t>1/5/23</a:t>
             </a:fld>
             <a:endParaRPr lang="en-US"/>
           </a:p>
@@ -3075,7 +3075,7 @@
           <a:p>
             <a:fld id="{D68DD99B-8D91-A844-BA3A-B2A40D21540E}" type="datetimeFigureOut">
               <a:rPr lang="en-US" smtClean="0"/>
-              <a:t>1/3/23</a:t>
+              <a:t>1/5/23</a:t>
             </a:fld>
             <a:endParaRPr lang="en-US"/>
           </a:p>
@@ -4561,7 +4561,7 @@
             </a:pPr>
             <a:r>
               <a:rPr lang="en-US" dirty="0"/>
-              <a:t>Change node</a:t>
+              <a:t>Chance node</a:t>
             </a:r>
           </a:p>
           <a:p>

--- a/sessions/03-probability_decision_trees/making_figs.pptx
+++ b/sessions/03-probability_decision_trees/making_figs.pptx
@@ -9,6 +9,10 @@
     <p:sldId id="257" r:id="rId3"/>
     <p:sldId id="258" r:id="rId4"/>
     <p:sldId id="259" r:id="rId5"/>
+    <p:sldId id="260" r:id="rId6"/>
+    <p:sldId id="263" r:id="rId7"/>
+    <p:sldId id="261" r:id="rId8"/>
+    <p:sldId id="262" r:id="rId9"/>
   </p:sldIdLst>
   <p:sldSz cx="12192000" cy="6858000"/>
   <p:notesSz cx="6858000" cy="9144000"/>
@@ -118,7 +122,7 @@
 <file path=ppt/revisionInfo.xml><?xml version="1.0" encoding="utf-8"?>
 <p1510:revInfo xmlns:a="http://schemas.openxmlformats.org/drawingml/2006/main" xmlns:r="http://schemas.openxmlformats.org/officeDocument/2006/relationships" xmlns:p1510="http://schemas.microsoft.com/office/powerpoint/2015/10/main">
   <p1510:revLst>
-    <p1510:client id="{642D8EB8-F0D6-3842-8490-0CD7867CF0A1}" v="4" dt="2023-01-04T00:42:41.301"/>
+    <p1510:client id="{642D8EB8-F0D6-3842-8490-0CD7867CF0A1}" v="55" dt="2023-01-07T16:25:16.096"/>
   </p1510:revLst>
 </p1510:revInfo>
 </file>
@@ -128,7 +132,7 @@
   <pc:docChgLst>
     <pc:chgData name="Alton Russell, Prof." userId="06708d83-fc2b-4190-b0c8-dc9a4695075b" providerId="ADAL" clId="{642D8EB8-F0D6-3842-8490-0CD7867CF0A1}"/>
     <pc:docChg chg="undo custSel addSld modSld">
-      <pc:chgData name="Alton Russell, Prof." userId="06708d83-fc2b-4190-b0c8-dc9a4695075b" providerId="ADAL" clId="{642D8EB8-F0D6-3842-8490-0CD7867CF0A1}" dt="2023-01-05T20:07:51.185" v="120" actId="20577"/>
+      <pc:chgData name="Alton Russell, Prof." userId="06708d83-fc2b-4190-b0c8-dc9a4695075b" providerId="ADAL" clId="{642D8EB8-F0D6-3842-8490-0CD7867CF0A1}" dt="2023-01-07T16:25:38.600" v="555" actId="20577"/>
       <pc:docMkLst>
         <pc:docMk/>
       </pc:docMkLst>
@@ -227,13 +231,13 @@
         </pc:picChg>
       </pc:sldChg>
       <pc:sldChg chg="addSp delSp modSp new mod">
-        <pc:chgData name="Alton Russell, Prof." userId="06708d83-fc2b-4190-b0c8-dc9a4695075b" providerId="ADAL" clId="{642D8EB8-F0D6-3842-8490-0CD7867CF0A1}" dt="2023-01-05T20:07:51.185" v="120" actId="20577"/>
+        <pc:chgData name="Alton Russell, Prof." userId="06708d83-fc2b-4190-b0c8-dc9a4695075b" providerId="ADAL" clId="{642D8EB8-F0D6-3842-8490-0CD7867CF0A1}" dt="2023-01-06T14:27:32.467" v="153" actId="20577"/>
         <pc:sldMkLst>
           <pc:docMk/>
           <pc:sldMk cId="956310125" sldId="259"/>
         </pc:sldMkLst>
         <pc:spChg chg="mod">
-          <ac:chgData name="Alton Russell, Prof." userId="06708d83-fc2b-4190-b0c8-dc9a4695075b" providerId="ADAL" clId="{642D8EB8-F0D6-3842-8490-0CD7867CF0A1}" dt="2023-01-05T20:07:51.185" v="120" actId="20577"/>
+          <ac:chgData name="Alton Russell, Prof." userId="06708d83-fc2b-4190-b0c8-dc9a4695075b" providerId="ADAL" clId="{642D8EB8-F0D6-3842-8490-0CD7867CF0A1}" dt="2023-01-06T14:27:32.467" v="153" actId="20577"/>
           <ac:spMkLst>
             <pc:docMk/>
             <pc:sldMk cId="956310125" sldId="259"/>
@@ -272,6 +276,450 @@
             <ac:spMk id="7" creationId="{A9A20E79-BA64-B29F-34A4-BCCC44511DCC}"/>
           </ac:spMkLst>
         </pc:spChg>
+        <pc:cxnChg chg="add mod">
+          <ac:chgData name="Alton Russell, Prof." userId="06708d83-fc2b-4190-b0c8-dc9a4695075b" providerId="ADAL" clId="{642D8EB8-F0D6-3842-8490-0CD7867CF0A1}" dt="2023-01-06T14:25:09.309" v="128" actId="1582"/>
+          <ac:cxnSpMkLst>
+            <pc:docMk/>
+            <pc:sldMk cId="956310125" sldId="259"/>
+            <ac:cxnSpMk id="8" creationId="{60A706F4-09E8-9268-45E9-F0A0DE1E551B}"/>
+          </ac:cxnSpMkLst>
+        </pc:cxnChg>
+      </pc:sldChg>
+      <pc:sldChg chg="addSp delSp modSp new mod">
+        <pc:chgData name="Alton Russell, Prof." userId="06708d83-fc2b-4190-b0c8-dc9a4695075b" providerId="ADAL" clId="{642D8EB8-F0D6-3842-8490-0CD7867CF0A1}" dt="2023-01-07T16:25:38.600" v="555" actId="20577"/>
+        <pc:sldMkLst>
+          <pc:docMk/>
+          <pc:sldMk cId="2309766482" sldId="260"/>
+        </pc:sldMkLst>
+        <pc:spChg chg="del mod">
+          <ac:chgData name="Alton Russell, Prof." userId="06708d83-fc2b-4190-b0c8-dc9a4695075b" providerId="ADAL" clId="{642D8EB8-F0D6-3842-8490-0CD7867CF0A1}" dt="2023-01-07T15:39:20.463" v="399" actId="478"/>
+          <ac:spMkLst>
+            <pc:docMk/>
+            <pc:sldMk cId="2309766482" sldId="260"/>
+            <ac:spMk id="2" creationId="{261D9DFE-ED16-B9F4-C64E-0CEE87A39892}"/>
+          </ac:spMkLst>
+        </pc:spChg>
+        <pc:spChg chg="del">
+          <ac:chgData name="Alton Russell, Prof." userId="06708d83-fc2b-4190-b0c8-dc9a4695075b" providerId="ADAL" clId="{642D8EB8-F0D6-3842-8490-0CD7867CF0A1}" dt="2023-01-07T15:29:07.325" v="198" actId="478"/>
+          <ac:spMkLst>
+            <pc:docMk/>
+            <pc:sldMk cId="2309766482" sldId="260"/>
+            <ac:spMk id="3" creationId="{04902649-4756-3582-324E-5EEC593C0944}"/>
+          </ac:spMkLst>
+        </pc:spChg>
+        <pc:spChg chg="add mod">
+          <ac:chgData name="Alton Russell, Prof." userId="06708d83-fc2b-4190-b0c8-dc9a4695075b" providerId="ADAL" clId="{642D8EB8-F0D6-3842-8490-0CD7867CF0A1}" dt="2023-01-07T15:39:30.644" v="401" actId="1076"/>
+          <ac:spMkLst>
+            <pc:docMk/>
+            <pc:sldMk cId="2309766482" sldId="260"/>
+            <ac:spMk id="4" creationId="{0AEFF8DC-6AA8-E2AF-559A-CF6DFEB8D823}"/>
+          </ac:spMkLst>
+        </pc:spChg>
+        <pc:spChg chg="add mod">
+          <ac:chgData name="Alton Russell, Prof." userId="06708d83-fc2b-4190-b0c8-dc9a4695075b" providerId="ADAL" clId="{642D8EB8-F0D6-3842-8490-0CD7867CF0A1}" dt="2023-01-07T15:39:30.644" v="401" actId="1076"/>
+          <ac:spMkLst>
+            <pc:docMk/>
+            <pc:sldMk cId="2309766482" sldId="260"/>
+            <ac:spMk id="18" creationId="{96041ABA-C2CD-538E-EEF0-6C98DDC99B5B}"/>
+          </ac:spMkLst>
+        </pc:spChg>
+        <pc:spChg chg="add mod">
+          <ac:chgData name="Alton Russell, Prof." userId="06708d83-fc2b-4190-b0c8-dc9a4695075b" providerId="ADAL" clId="{642D8EB8-F0D6-3842-8490-0CD7867CF0A1}" dt="2023-01-07T16:25:14.035" v="540" actId="1076"/>
+          <ac:spMkLst>
+            <pc:docMk/>
+            <pc:sldMk cId="2309766482" sldId="260"/>
+            <ac:spMk id="23" creationId="{6A020D0D-A0D7-B0B1-CBDF-C7D17919B19D}"/>
+          </ac:spMkLst>
+        </pc:spChg>
+        <pc:spChg chg="add mod">
+          <ac:chgData name="Alton Russell, Prof." userId="06708d83-fc2b-4190-b0c8-dc9a4695075b" providerId="ADAL" clId="{642D8EB8-F0D6-3842-8490-0CD7867CF0A1}" dt="2023-01-07T15:39:30.644" v="401" actId="1076"/>
+          <ac:spMkLst>
+            <pc:docMk/>
+            <pc:sldMk cId="2309766482" sldId="260"/>
+            <ac:spMk id="24" creationId="{DC7D80D2-68F2-9E07-88E8-C97C4B56DCC6}"/>
+          </ac:spMkLst>
+        </pc:spChg>
+        <pc:spChg chg="add mod">
+          <ac:chgData name="Alton Russell, Prof." userId="06708d83-fc2b-4190-b0c8-dc9a4695075b" providerId="ADAL" clId="{642D8EB8-F0D6-3842-8490-0CD7867CF0A1}" dt="2023-01-07T15:39:30.644" v="401" actId="1076"/>
+          <ac:spMkLst>
+            <pc:docMk/>
+            <pc:sldMk cId="2309766482" sldId="260"/>
+            <ac:spMk id="31" creationId="{D7FDF5FC-28B8-7D75-7DD9-E46D9EFFDCA7}"/>
+          </ac:spMkLst>
+        </pc:spChg>
+        <pc:spChg chg="add del mod">
+          <ac:chgData name="Alton Russell, Prof." userId="06708d83-fc2b-4190-b0c8-dc9a4695075b" providerId="ADAL" clId="{642D8EB8-F0D6-3842-8490-0CD7867CF0A1}" dt="2023-01-07T15:31:25.973" v="243" actId="478"/>
+          <ac:spMkLst>
+            <pc:docMk/>
+            <pc:sldMk cId="2309766482" sldId="260"/>
+            <ac:spMk id="32" creationId="{599CFBDD-5CD9-3A62-DDDE-77DE8045A201}"/>
+          </ac:spMkLst>
+        </pc:spChg>
+        <pc:spChg chg="add del mod">
+          <ac:chgData name="Alton Russell, Prof." userId="06708d83-fc2b-4190-b0c8-dc9a4695075b" providerId="ADAL" clId="{642D8EB8-F0D6-3842-8490-0CD7867CF0A1}" dt="2023-01-07T15:32:24.393" v="258"/>
+          <ac:spMkLst>
+            <pc:docMk/>
+            <pc:sldMk cId="2309766482" sldId="260"/>
+            <ac:spMk id="37" creationId="{46C8813C-7523-6535-872C-EA2CE8FDDAC7}"/>
+          </ac:spMkLst>
+        </pc:spChg>
+        <pc:spChg chg="add mod">
+          <ac:chgData name="Alton Russell, Prof." userId="06708d83-fc2b-4190-b0c8-dc9a4695075b" providerId="ADAL" clId="{642D8EB8-F0D6-3842-8490-0CD7867CF0A1}" dt="2023-01-07T15:39:30.644" v="401" actId="1076"/>
+          <ac:spMkLst>
+            <pc:docMk/>
+            <pc:sldMk cId="2309766482" sldId="260"/>
+            <ac:spMk id="38" creationId="{7A6E0CB4-D251-9E4F-B244-0BFD5A1ED493}"/>
+          </ac:spMkLst>
+        </pc:spChg>
+        <pc:spChg chg="add mod">
+          <ac:chgData name="Alton Russell, Prof." userId="06708d83-fc2b-4190-b0c8-dc9a4695075b" providerId="ADAL" clId="{642D8EB8-F0D6-3842-8490-0CD7867CF0A1}" dt="2023-01-07T15:39:30.644" v="401" actId="1076"/>
+          <ac:spMkLst>
+            <pc:docMk/>
+            <pc:sldMk cId="2309766482" sldId="260"/>
+            <ac:spMk id="39" creationId="{449B3CB1-DD73-F26C-5A8F-5528EA1CBC5D}"/>
+          </ac:spMkLst>
+        </pc:spChg>
+        <pc:spChg chg="add mod">
+          <ac:chgData name="Alton Russell, Prof." userId="06708d83-fc2b-4190-b0c8-dc9a4695075b" providerId="ADAL" clId="{642D8EB8-F0D6-3842-8490-0CD7867CF0A1}" dt="2023-01-07T15:39:30.644" v="401" actId="1076"/>
+          <ac:spMkLst>
+            <pc:docMk/>
+            <pc:sldMk cId="2309766482" sldId="260"/>
+            <ac:spMk id="43" creationId="{11B6612D-8547-708B-3B4D-85FA82633D78}"/>
+          </ac:spMkLst>
+        </pc:spChg>
+        <pc:spChg chg="add mod">
+          <ac:chgData name="Alton Russell, Prof." userId="06708d83-fc2b-4190-b0c8-dc9a4695075b" providerId="ADAL" clId="{642D8EB8-F0D6-3842-8490-0CD7867CF0A1}" dt="2023-01-07T15:39:57.347" v="409" actId="1037"/>
+          <ac:spMkLst>
+            <pc:docMk/>
+            <pc:sldMk cId="2309766482" sldId="260"/>
+            <ac:spMk id="46" creationId="{E23698C7-6B6D-FE49-BE47-23279347B6BA}"/>
+          </ac:spMkLst>
+        </pc:spChg>
+        <pc:spChg chg="add mod">
+          <ac:chgData name="Alton Russell, Prof." userId="06708d83-fc2b-4190-b0c8-dc9a4695075b" providerId="ADAL" clId="{642D8EB8-F0D6-3842-8490-0CD7867CF0A1}" dt="2023-01-07T15:39:30.644" v="401" actId="1076"/>
+          <ac:spMkLst>
+            <pc:docMk/>
+            <pc:sldMk cId="2309766482" sldId="260"/>
+            <ac:spMk id="51" creationId="{2193AE10-9DFC-6CEE-54A8-9714953D1988}"/>
+          </ac:spMkLst>
+        </pc:spChg>
+        <pc:spChg chg="add del mod">
+          <ac:chgData name="Alton Russell, Prof." userId="06708d83-fc2b-4190-b0c8-dc9a4695075b" providerId="ADAL" clId="{642D8EB8-F0D6-3842-8490-0CD7867CF0A1}" dt="2023-01-07T15:39:30.644" v="401" actId="1076"/>
+          <ac:spMkLst>
+            <pc:docMk/>
+            <pc:sldMk cId="2309766482" sldId="260"/>
+            <ac:spMk id="52" creationId="{7F215F97-709F-AE63-E99E-46717305904A}"/>
+          </ac:spMkLst>
+        </pc:spChg>
+        <pc:spChg chg="add mod">
+          <ac:chgData name="Alton Russell, Prof." userId="06708d83-fc2b-4190-b0c8-dc9a4695075b" providerId="ADAL" clId="{642D8EB8-F0D6-3842-8490-0CD7867CF0A1}" dt="2023-01-07T16:24:35.153" v="528" actId="1076"/>
+          <ac:spMkLst>
+            <pc:docMk/>
+            <pc:sldMk cId="2309766482" sldId="260"/>
+            <ac:spMk id="53" creationId="{CC938636-BD1C-96B2-1C35-E0A99E5C7E04}"/>
+          </ac:spMkLst>
+        </pc:spChg>
+        <pc:spChg chg="add mod">
+          <ac:chgData name="Alton Russell, Prof." userId="06708d83-fc2b-4190-b0c8-dc9a4695075b" providerId="ADAL" clId="{642D8EB8-F0D6-3842-8490-0CD7867CF0A1}" dt="2023-01-07T15:39:30.644" v="401" actId="1076"/>
+          <ac:spMkLst>
+            <pc:docMk/>
+            <pc:sldMk cId="2309766482" sldId="260"/>
+            <ac:spMk id="55" creationId="{54EF0CD9-751C-040E-2628-2A1FFCA75351}"/>
+          </ac:spMkLst>
+        </pc:spChg>
+        <pc:spChg chg="add mod">
+          <ac:chgData name="Alton Russell, Prof." userId="06708d83-fc2b-4190-b0c8-dc9a4695075b" providerId="ADAL" clId="{642D8EB8-F0D6-3842-8490-0CD7867CF0A1}" dt="2023-01-07T15:34:56.157" v="293" actId="571"/>
+          <ac:spMkLst>
+            <pc:docMk/>
+            <pc:sldMk cId="2309766482" sldId="260"/>
+            <ac:spMk id="56" creationId="{604CE3B8-ED51-14DE-6317-AD950CF6B537}"/>
+          </ac:spMkLst>
+        </pc:spChg>
+        <pc:spChg chg="add mod">
+          <ac:chgData name="Alton Russell, Prof." userId="06708d83-fc2b-4190-b0c8-dc9a4695075b" providerId="ADAL" clId="{642D8EB8-F0D6-3842-8490-0CD7867CF0A1}" dt="2023-01-07T15:34:58.968" v="295" actId="571"/>
+          <ac:spMkLst>
+            <pc:docMk/>
+            <pc:sldMk cId="2309766482" sldId="260"/>
+            <ac:spMk id="57" creationId="{BBAD50F5-A17F-97E6-C05F-D15501C82212}"/>
+          </ac:spMkLst>
+        </pc:spChg>
+        <pc:spChg chg="add mod">
+          <ac:chgData name="Alton Russell, Prof." userId="06708d83-fc2b-4190-b0c8-dc9a4695075b" providerId="ADAL" clId="{642D8EB8-F0D6-3842-8490-0CD7867CF0A1}" dt="2023-01-07T16:24:45.870" v="530" actId="1076"/>
+          <ac:spMkLst>
+            <pc:docMk/>
+            <pc:sldMk cId="2309766482" sldId="260"/>
+            <ac:spMk id="58" creationId="{497B7727-6FAA-0CDF-B4AA-34FD674401C6}"/>
+          </ac:spMkLst>
+        </pc:spChg>
+        <pc:spChg chg="add mod">
+          <ac:chgData name="Alton Russell, Prof." userId="06708d83-fc2b-4190-b0c8-dc9a4695075b" providerId="ADAL" clId="{642D8EB8-F0D6-3842-8490-0CD7867CF0A1}" dt="2023-01-07T16:23:42.903" v="514" actId="1035"/>
+          <ac:spMkLst>
+            <pc:docMk/>
+            <pc:sldMk cId="2309766482" sldId="260"/>
+            <ac:spMk id="59" creationId="{AEB6B0DA-1939-B987-F71A-D9C0A50DD327}"/>
+          </ac:spMkLst>
+        </pc:spChg>
+        <pc:spChg chg="add del mod">
+          <ac:chgData name="Alton Russell, Prof." userId="06708d83-fc2b-4190-b0c8-dc9a4695075b" providerId="ADAL" clId="{642D8EB8-F0D6-3842-8490-0CD7867CF0A1}" dt="2023-01-07T15:35:57.197" v="321" actId="478"/>
+          <ac:spMkLst>
+            <pc:docMk/>
+            <pc:sldMk cId="2309766482" sldId="260"/>
+            <ac:spMk id="60" creationId="{52BC11AE-97AC-05C6-6A55-1D6F9A0E02F9}"/>
+          </ac:spMkLst>
+        </pc:spChg>
+        <pc:spChg chg="add del mod">
+          <ac:chgData name="Alton Russell, Prof." userId="06708d83-fc2b-4190-b0c8-dc9a4695075b" providerId="ADAL" clId="{642D8EB8-F0D6-3842-8490-0CD7867CF0A1}" dt="2023-01-07T15:37:37.108" v="362" actId="478"/>
+          <ac:spMkLst>
+            <pc:docMk/>
+            <pc:sldMk cId="2309766482" sldId="260"/>
+            <ac:spMk id="61" creationId="{BC8851D0-5A02-677D-B4BD-CCEEA8E577E3}"/>
+          </ac:spMkLst>
+        </pc:spChg>
+        <pc:spChg chg="add mod">
+          <ac:chgData name="Alton Russell, Prof." userId="06708d83-fc2b-4190-b0c8-dc9a4695075b" providerId="ADAL" clId="{642D8EB8-F0D6-3842-8490-0CD7867CF0A1}" dt="2023-01-07T16:25:30.030" v="545" actId="20577"/>
+          <ac:spMkLst>
+            <pc:docMk/>
+            <pc:sldMk cId="2309766482" sldId="260"/>
+            <ac:spMk id="62" creationId="{9296A84B-161F-6378-9125-9112DE593C45}"/>
+          </ac:spMkLst>
+        </pc:spChg>
+        <pc:spChg chg="add mod">
+          <ac:chgData name="Alton Russell, Prof." userId="06708d83-fc2b-4190-b0c8-dc9a4695075b" providerId="ADAL" clId="{642D8EB8-F0D6-3842-8490-0CD7867CF0A1}" dt="2023-01-07T16:25:32.119" v="547" actId="20577"/>
+          <ac:spMkLst>
+            <pc:docMk/>
+            <pc:sldMk cId="2309766482" sldId="260"/>
+            <ac:spMk id="63" creationId="{B54F4629-3600-9375-2BB6-50F9B1BDAA11}"/>
+          </ac:spMkLst>
+        </pc:spChg>
+        <pc:spChg chg="add mod">
+          <ac:chgData name="Alton Russell, Prof." userId="06708d83-fc2b-4190-b0c8-dc9a4695075b" providerId="ADAL" clId="{642D8EB8-F0D6-3842-8490-0CD7867CF0A1}" dt="2023-01-07T16:25:34.225" v="551" actId="20577"/>
+          <ac:spMkLst>
+            <pc:docMk/>
+            <pc:sldMk cId="2309766482" sldId="260"/>
+            <ac:spMk id="64" creationId="{EF180F35-4ABC-BC14-36FB-D0307B8A13A4}"/>
+          </ac:spMkLst>
+        </pc:spChg>
+        <pc:spChg chg="add mod">
+          <ac:chgData name="Alton Russell, Prof." userId="06708d83-fc2b-4190-b0c8-dc9a4695075b" providerId="ADAL" clId="{642D8EB8-F0D6-3842-8490-0CD7867CF0A1}" dt="2023-01-07T16:25:36.038" v="553" actId="20577"/>
+          <ac:spMkLst>
+            <pc:docMk/>
+            <pc:sldMk cId="2309766482" sldId="260"/>
+            <ac:spMk id="65" creationId="{25360C64-87B2-88F8-6BB2-38BC7C195430}"/>
+          </ac:spMkLst>
+        </pc:spChg>
+        <pc:spChg chg="add mod">
+          <ac:chgData name="Alton Russell, Prof." userId="06708d83-fc2b-4190-b0c8-dc9a4695075b" providerId="ADAL" clId="{642D8EB8-F0D6-3842-8490-0CD7867CF0A1}" dt="2023-01-07T16:25:38.600" v="555" actId="20577"/>
+          <ac:spMkLst>
+            <pc:docMk/>
+            <pc:sldMk cId="2309766482" sldId="260"/>
+            <ac:spMk id="66" creationId="{39A2CA35-378A-ADDA-E70B-CFD4475BD2B1}"/>
+          </ac:spMkLst>
+        </pc:spChg>
+        <pc:spChg chg="add del mod">
+          <ac:chgData name="Alton Russell, Prof." userId="06708d83-fc2b-4190-b0c8-dc9a4695075b" providerId="ADAL" clId="{642D8EB8-F0D6-3842-8490-0CD7867CF0A1}" dt="2023-01-07T15:39:23.294" v="400" actId="478"/>
+          <ac:spMkLst>
+            <pc:docMk/>
+            <pc:sldMk cId="2309766482" sldId="260"/>
+            <ac:spMk id="68" creationId="{EB8BEBE2-89B7-7A8C-FA81-148D04346CFF}"/>
+          </ac:spMkLst>
+        </pc:spChg>
+        <pc:spChg chg="add mod">
+          <ac:chgData name="Alton Russell, Prof." userId="06708d83-fc2b-4190-b0c8-dc9a4695075b" providerId="ADAL" clId="{642D8EB8-F0D6-3842-8490-0CD7867CF0A1}" dt="2023-01-07T16:24:28.836" v="527" actId="1076"/>
+          <ac:spMkLst>
+            <pc:docMk/>
+            <pc:sldMk cId="2309766482" sldId="260"/>
+            <ac:spMk id="74" creationId="{C9B7F65E-A9F1-73CC-09E7-C6D1FF303FA3}"/>
+          </ac:spMkLst>
+        </pc:spChg>
+        <pc:spChg chg="add mod">
+          <ac:chgData name="Alton Russell, Prof." userId="06708d83-fc2b-4190-b0c8-dc9a4695075b" providerId="ADAL" clId="{642D8EB8-F0D6-3842-8490-0CD7867CF0A1}" dt="2023-01-07T16:24:53.406" v="533" actId="20577"/>
+          <ac:spMkLst>
+            <pc:docMk/>
+            <pc:sldMk cId="2309766482" sldId="260"/>
+            <ac:spMk id="76" creationId="{53F54E77-DA89-89EC-1E41-6D1E2B99E8E2}"/>
+          </ac:spMkLst>
+        </pc:spChg>
+        <pc:spChg chg="add mod">
+          <ac:chgData name="Alton Russell, Prof." userId="06708d83-fc2b-4190-b0c8-dc9a4695075b" providerId="ADAL" clId="{642D8EB8-F0D6-3842-8490-0CD7867CF0A1}" dt="2023-01-07T16:25:02.011" v="536" actId="20577"/>
+          <ac:spMkLst>
+            <pc:docMk/>
+            <pc:sldMk cId="2309766482" sldId="260"/>
+            <ac:spMk id="77" creationId="{113B6052-4DAD-7779-A763-2A1A10A5B305}"/>
+          </ac:spMkLst>
+        </pc:spChg>
+        <pc:spChg chg="add mod">
+          <ac:chgData name="Alton Russell, Prof." userId="06708d83-fc2b-4190-b0c8-dc9a4695075b" providerId="ADAL" clId="{642D8EB8-F0D6-3842-8490-0CD7867CF0A1}" dt="2023-01-07T16:25:10.318" v="539" actId="1076"/>
+          <ac:spMkLst>
+            <pc:docMk/>
+            <pc:sldMk cId="2309766482" sldId="260"/>
+            <ac:spMk id="78" creationId="{D8C3E010-124E-7967-102F-5AE61DB51C22}"/>
+          </ac:spMkLst>
+        </pc:spChg>
+        <pc:spChg chg="add mod">
+          <ac:chgData name="Alton Russell, Prof." userId="06708d83-fc2b-4190-b0c8-dc9a4695075b" providerId="ADAL" clId="{642D8EB8-F0D6-3842-8490-0CD7867CF0A1}" dt="2023-01-07T16:25:21.890" v="543" actId="20577"/>
+          <ac:spMkLst>
+            <pc:docMk/>
+            <pc:sldMk cId="2309766482" sldId="260"/>
+            <ac:spMk id="79" creationId="{AC9536D3-DE68-6BCC-0B08-CE9125901CBB}"/>
+          </ac:spMkLst>
+        </pc:spChg>
+        <pc:cxnChg chg="add mod">
+          <ac:chgData name="Alton Russell, Prof." userId="06708d83-fc2b-4190-b0c8-dc9a4695075b" providerId="ADAL" clId="{642D8EB8-F0D6-3842-8490-0CD7867CF0A1}" dt="2023-01-07T15:39:30.644" v="401" actId="1076"/>
+          <ac:cxnSpMkLst>
+            <pc:docMk/>
+            <pc:sldMk cId="2309766482" sldId="260"/>
+            <ac:cxnSpMk id="5" creationId="{63B29709-3BE6-7116-C96E-88917BE17E5C}"/>
+          </ac:cxnSpMkLst>
+        </pc:cxnChg>
+        <pc:cxnChg chg="add mod">
+          <ac:chgData name="Alton Russell, Prof." userId="06708d83-fc2b-4190-b0c8-dc9a4695075b" providerId="ADAL" clId="{642D8EB8-F0D6-3842-8490-0CD7867CF0A1}" dt="2023-01-07T15:39:30.644" v="401" actId="1076"/>
+          <ac:cxnSpMkLst>
+            <pc:docMk/>
+            <pc:sldMk cId="2309766482" sldId="260"/>
+            <ac:cxnSpMk id="7" creationId="{993343DA-9D93-26CE-C64D-8EB21CC5B02E}"/>
+          </ac:cxnSpMkLst>
+        </pc:cxnChg>
+        <pc:cxnChg chg="add mod">
+          <ac:chgData name="Alton Russell, Prof." userId="06708d83-fc2b-4190-b0c8-dc9a4695075b" providerId="ADAL" clId="{642D8EB8-F0D6-3842-8490-0CD7867CF0A1}" dt="2023-01-07T15:39:30.644" v="401" actId="1076"/>
+          <ac:cxnSpMkLst>
+            <pc:docMk/>
+            <pc:sldMk cId="2309766482" sldId="260"/>
+            <ac:cxnSpMk id="10" creationId="{DBB73E9E-F60B-46B1-2E44-3A776C09F9FA}"/>
+          </ac:cxnSpMkLst>
+        </pc:cxnChg>
+        <pc:cxnChg chg="add mod">
+          <ac:chgData name="Alton Russell, Prof." userId="06708d83-fc2b-4190-b0c8-dc9a4695075b" providerId="ADAL" clId="{642D8EB8-F0D6-3842-8490-0CD7867CF0A1}" dt="2023-01-07T15:39:30.644" v="401" actId="1076"/>
+          <ac:cxnSpMkLst>
+            <pc:docMk/>
+            <pc:sldMk cId="2309766482" sldId="260"/>
+            <ac:cxnSpMk id="15" creationId="{550B41AE-3610-6DDF-D2E5-F0E8764D3332}"/>
+          </ac:cxnSpMkLst>
+        </pc:cxnChg>
+        <pc:cxnChg chg="add mod">
+          <ac:chgData name="Alton Russell, Prof." userId="06708d83-fc2b-4190-b0c8-dc9a4695075b" providerId="ADAL" clId="{642D8EB8-F0D6-3842-8490-0CD7867CF0A1}" dt="2023-01-07T15:39:30.644" v="401" actId="1076"/>
+          <ac:cxnSpMkLst>
+            <pc:docMk/>
+            <pc:sldMk cId="2309766482" sldId="260"/>
+            <ac:cxnSpMk id="17" creationId="{393F6A59-1A0F-BC3A-7523-7C08582C158C}"/>
+          </ac:cxnSpMkLst>
+        </pc:cxnChg>
+        <pc:cxnChg chg="add mod">
+          <ac:chgData name="Alton Russell, Prof." userId="06708d83-fc2b-4190-b0c8-dc9a4695075b" providerId="ADAL" clId="{642D8EB8-F0D6-3842-8490-0CD7867CF0A1}" dt="2023-01-07T16:23:46.251" v="515" actId="14100"/>
+          <ac:cxnSpMkLst>
+            <pc:docMk/>
+            <pc:sldMk cId="2309766482" sldId="260"/>
+            <ac:cxnSpMk id="25" creationId="{3C22B92C-9BB9-39FF-A55B-C5C3501FA2B8}"/>
+          </ac:cxnSpMkLst>
+        </pc:cxnChg>
+        <pc:cxnChg chg="add mod">
+          <ac:chgData name="Alton Russell, Prof." userId="06708d83-fc2b-4190-b0c8-dc9a4695075b" providerId="ADAL" clId="{642D8EB8-F0D6-3842-8490-0CD7867CF0A1}" dt="2023-01-07T15:39:30.644" v="401" actId="1076"/>
+          <ac:cxnSpMkLst>
+            <pc:docMk/>
+            <pc:sldMk cId="2309766482" sldId="260"/>
+            <ac:cxnSpMk id="41" creationId="{D15DAFD3-C9F7-6494-601C-7659ABBF1039}"/>
+          </ac:cxnSpMkLst>
+        </pc:cxnChg>
+        <pc:cxnChg chg="add mod">
+          <ac:chgData name="Alton Russell, Prof." userId="06708d83-fc2b-4190-b0c8-dc9a4695075b" providerId="ADAL" clId="{642D8EB8-F0D6-3842-8490-0CD7867CF0A1}" dt="2023-01-07T15:39:30.644" v="401" actId="1076"/>
+          <ac:cxnSpMkLst>
+            <pc:docMk/>
+            <pc:sldMk cId="2309766482" sldId="260"/>
+            <ac:cxnSpMk id="42" creationId="{E6B42C46-69ED-6C9C-C3C0-677DA8763518}"/>
+          </ac:cxnSpMkLst>
+        </pc:cxnChg>
+        <pc:cxnChg chg="add mod">
+          <ac:chgData name="Alton Russell, Prof." userId="06708d83-fc2b-4190-b0c8-dc9a4695075b" providerId="ADAL" clId="{642D8EB8-F0D6-3842-8490-0CD7867CF0A1}" dt="2023-01-07T16:23:53.020" v="516" actId="14100"/>
+          <ac:cxnSpMkLst>
+            <pc:docMk/>
+            <pc:sldMk cId="2309766482" sldId="260"/>
+            <ac:cxnSpMk id="44" creationId="{A7CEC066-70E1-8242-D15D-9D994FC218CE}"/>
+          </ac:cxnSpMkLst>
+        </pc:cxnChg>
+        <pc:cxnChg chg="add mod">
+          <ac:chgData name="Alton Russell, Prof." userId="06708d83-fc2b-4190-b0c8-dc9a4695075b" providerId="ADAL" clId="{642D8EB8-F0D6-3842-8490-0CD7867CF0A1}" dt="2023-01-07T16:24:41.387" v="529" actId="14100"/>
+          <ac:cxnSpMkLst>
+            <pc:docMk/>
+            <pc:sldMk cId="2309766482" sldId="260"/>
+            <ac:cxnSpMk id="47" creationId="{68AFC96B-9D5C-3513-ED81-CC26CE64F7E0}"/>
+          </ac:cxnSpMkLst>
+        </pc:cxnChg>
+        <pc:cxnChg chg="add mod">
+          <ac:chgData name="Alton Russell, Prof." userId="06708d83-fc2b-4190-b0c8-dc9a4695075b" providerId="ADAL" clId="{642D8EB8-F0D6-3842-8490-0CD7867CF0A1}" dt="2023-01-07T16:23:32.652" v="509" actId="14100"/>
+          <ac:cxnSpMkLst>
+            <pc:docMk/>
+            <pc:sldMk cId="2309766482" sldId="260"/>
+            <ac:cxnSpMk id="48" creationId="{74ED4BB5-16B2-1A09-2FB2-23DC2EE21EAE}"/>
+          </ac:cxnSpMkLst>
+        </pc:cxnChg>
+        <pc:cxnChg chg="add del mod">
+          <ac:chgData name="Alton Russell, Prof." userId="06708d83-fc2b-4190-b0c8-dc9a4695075b" providerId="ADAL" clId="{642D8EB8-F0D6-3842-8490-0CD7867CF0A1}" dt="2023-01-07T15:34:10.109" v="280"/>
+          <ac:cxnSpMkLst>
+            <pc:docMk/>
+            <pc:sldMk cId="2309766482" sldId="260"/>
+            <ac:cxnSpMk id="49" creationId="{9F1CAF84-FE8F-2103-987B-B8CDED3A0AED}"/>
+          </ac:cxnSpMkLst>
+        </pc:cxnChg>
+        <pc:cxnChg chg="add mod">
+          <ac:chgData name="Alton Russell, Prof." userId="06708d83-fc2b-4190-b0c8-dc9a4695075b" providerId="ADAL" clId="{642D8EB8-F0D6-3842-8490-0CD7867CF0A1}" dt="2023-01-07T15:39:30.644" v="401" actId="1076"/>
+          <ac:cxnSpMkLst>
+            <pc:docMk/>
+            <pc:sldMk cId="2309766482" sldId="260"/>
+            <ac:cxnSpMk id="50" creationId="{64A4F003-36DA-3A94-D72A-7D8298319399}"/>
+          </ac:cxnSpMkLst>
+        </pc:cxnChg>
+        <pc:cxnChg chg="add mod">
+          <ac:chgData name="Alton Russell, Prof." userId="06708d83-fc2b-4190-b0c8-dc9a4695075b" providerId="ADAL" clId="{642D8EB8-F0D6-3842-8490-0CD7867CF0A1}" dt="2023-01-07T16:24:14.416" v="522" actId="1038"/>
+          <ac:cxnSpMkLst>
+            <pc:docMk/>
+            <pc:sldMk cId="2309766482" sldId="260"/>
+            <ac:cxnSpMk id="54" creationId="{C8B5FF0C-A1F6-9BF9-2ECC-C178A33F12D1}"/>
+          </ac:cxnSpMkLst>
+        </pc:cxnChg>
+      </pc:sldChg>
+      <pc:sldChg chg="addSp modSp add mod">
+        <pc:chgData name="Alton Russell, Prof." userId="06708d83-fc2b-4190-b0c8-dc9a4695075b" providerId="ADAL" clId="{642D8EB8-F0D6-3842-8490-0CD7867CF0A1}" dt="2023-01-07T15:42:47.770" v="445" actId="1036"/>
+        <pc:sldMkLst>
+          <pc:docMk/>
+          <pc:sldMk cId="4033933112" sldId="261"/>
+        </pc:sldMkLst>
+        <pc:spChg chg="add mod">
+          <ac:chgData name="Alton Russell, Prof." userId="06708d83-fc2b-4190-b0c8-dc9a4695075b" providerId="ADAL" clId="{642D8EB8-F0D6-3842-8490-0CD7867CF0A1}" dt="2023-01-07T15:42:47.770" v="445" actId="1036"/>
+          <ac:spMkLst>
+            <pc:docMk/>
+            <pc:sldMk cId="4033933112" sldId="261"/>
+            <ac:spMk id="2" creationId="{0C84026C-5E0F-F7BC-3ABF-D4F0376A48D5}"/>
+          </ac:spMkLst>
+        </pc:spChg>
+      </pc:sldChg>
+      <pc:sldChg chg="addSp modSp add mod">
+        <pc:chgData name="Alton Russell, Prof." userId="06708d83-fc2b-4190-b0c8-dc9a4695075b" providerId="ADAL" clId="{642D8EB8-F0D6-3842-8490-0CD7867CF0A1}" dt="2023-01-07T15:42:36.755" v="442" actId="1076"/>
+        <pc:sldMkLst>
+          <pc:docMk/>
+          <pc:sldMk cId="3271641632" sldId="262"/>
+        </pc:sldMkLst>
+        <pc:spChg chg="mod">
+          <ac:chgData name="Alton Russell, Prof." userId="06708d83-fc2b-4190-b0c8-dc9a4695075b" providerId="ADAL" clId="{642D8EB8-F0D6-3842-8490-0CD7867CF0A1}" dt="2023-01-07T15:42:36.755" v="442" actId="1076"/>
+          <ac:spMkLst>
+            <pc:docMk/>
+            <pc:sldMk cId="3271641632" sldId="262"/>
+            <ac:spMk id="2" creationId="{0C84026C-5E0F-F7BC-3ABF-D4F0376A48D5}"/>
+          </ac:spMkLst>
+        </pc:spChg>
+        <pc:spChg chg="add mod">
+          <ac:chgData name="Alton Russell, Prof." userId="06708d83-fc2b-4190-b0c8-dc9a4695075b" providerId="ADAL" clId="{642D8EB8-F0D6-3842-8490-0CD7867CF0A1}" dt="2023-01-07T15:42:33.688" v="441" actId="1076"/>
+          <ac:spMkLst>
+            <pc:docMk/>
+            <pc:sldMk cId="3271641632" sldId="262"/>
+            <ac:spMk id="3" creationId="{8DEBAEC7-94AC-7515-CCB1-5DA26F3DFA1E}"/>
+          </ac:spMkLst>
+        </pc:spChg>
+      </pc:sldChg>
+      <pc:sldChg chg="add">
+        <pc:chgData name="Alton Russell, Prof." userId="06708d83-fc2b-4190-b0c8-dc9a4695075b" providerId="ADAL" clId="{642D8EB8-F0D6-3842-8490-0CD7867CF0A1}" dt="2023-01-07T16:18:22.224" v="446"/>
+        <pc:sldMkLst>
+          <pc:docMk/>
+          <pc:sldMk cId="1566772226" sldId="263"/>
+        </pc:sldMkLst>
       </pc:sldChg>
     </pc:docChg>
   </pc:docChgLst>
@@ -425,7 +873,7 @@
           <a:p>
             <a:fld id="{D68DD99B-8D91-A844-BA3A-B2A40D21540E}" type="datetimeFigureOut">
               <a:rPr lang="en-US" smtClean="0"/>
-              <a:t>1/5/23</a:t>
+              <a:t>1/7/23</a:t>
             </a:fld>
             <a:endParaRPr lang="en-US"/>
           </a:p>
@@ -623,7 +1071,7 @@
           <a:p>
             <a:fld id="{D68DD99B-8D91-A844-BA3A-B2A40D21540E}" type="datetimeFigureOut">
               <a:rPr lang="en-US" smtClean="0"/>
-              <a:t>1/5/23</a:t>
+              <a:t>1/7/23</a:t>
             </a:fld>
             <a:endParaRPr lang="en-US"/>
           </a:p>
@@ -831,7 +1279,7 @@
           <a:p>
             <a:fld id="{D68DD99B-8D91-A844-BA3A-B2A40D21540E}" type="datetimeFigureOut">
               <a:rPr lang="en-US" smtClean="0"/>
-              <a:t>1/5/23</a:t>
+              <a:t>1/7/23</a:t>
             </a:fld>
             <a:endParaRPr lang="en-US"/>
           </a:p>
@@ -1029,7 +1477,7 @@
           <a:p>
             <a:fld id="{D68DD99B-8D91-A844-BA3A-B2A40D21540E}" type="datetimeFigureOut">
               <a:rPr lang="en-US" smtClean="0"/>
-              <a:t>1/5/23</a:t>
+              <a:t>1/7/23</a:t>
             </a:fld>
             <a:endParaRPr lang="en-US"/>
           </a:p>
@@ -1304,7 +1752,7 @@
           <a:p>
             <a:fld id="{D68DD99B-8D91-A844-BA3A-B2A40D21540E}" type="datetimeFigureOut">
               <a:rPr lang="en-US" smtClean="0"/>
-              <a:t>1/5/23</a:t>
+              <a:t>1/7/23</a:t>
             </a:fld>
             <a:endParaRPr lang="en-US"/>
           </a:p>
@@ -1569,7 +2017,7 @@
           <a:p>
             <a:fld id="{D68DD99B-8D91-A844-BA3A-B2A40D21540E}" type="datetimeFigureOut">
               <a:rPr lang="en-US" smtClean="0"/>
-              <a:t>1/5/23</a:t>
+              <a:t>1/7/23</a:t>
             </a:fld>
             <a:endParaRPr lang="en-US"/>
           </a:p>
@@ -1981,7 +2429,7 @@
           <a:p>
             <a:fld id="{D68DD99B-8D91-A844-BA3A-B2A40D21540E}" type="datetimeFigureOut">
               <a:rPr lang="en-US" smtClean="0"/>
-              <a:t>1/5/23</a:t>
+              <a:t>1/7/23</a:t>
             </a:fld>
             <a:endParaRPr lang="en-US"/>
           </a:p>
@@ -2122,7 +2570,7 @@
           <a:p>
             <a:fld id="{D68DD99B-8D91-A844-BA3A-B2A40D21540E}" type="datetimeFigureOut">
               <a:rPr lang="en-US" smtClean="0"/>
-              <a:t>1/5/23</a:t>
+              <a:t>1/7/23</a:t>
             </a:fld>
             <a:endParaRPr lang="en-US"/>
           </a:p>
@@ -2235,7 +2683,7 @@
           <a:p>
             <a:fld id="{D68DD99B-8D91-A844-BA3A-B2A40D21540E}" type="datetimeFigureOut">
               <a:rPr lang="en-US" smtClean="0"/>
-              <a:t>1/5/23</a:t>
+              <a:t>1/7/23</a:t>
             </a:fld>
             <a:endParaRPr lang="en-US"/>
           </a:p>
@@ -2546,7 +2994,7 @@
           <a:p>
             <a:fld id="{D68DD99B-8D91-A844-BA3A-B2A40D21540E}" type="datetimeFigureOut">
               <a:rPr lang="en-US" smtClean="0"/>
-              <a:t>1/5/23</a:t>
+              <a:t>1/7/23</a:t>
             </a:fld>
             <a:endParaRPr lang="en-US"/>
           </a:p>
@@ -2834,7 +3282,7 @@
           <a:p>
             <a:fld id="{D68DD99B-8D91-A844-BA3A-B2A40D21540E}" type="datetimeFigureOut">
               <a:rPr lang="en-US" smtClean="0"/>
-              <a:t>1/5/23</a:t>
+              <a:t>1/7/23</a:t>
             </a:fld>
             <a:endParaRPr lang="en-US"/>
           </a:p>
@@ -3075,7 +3523,7 @@
           <a:p>
             <a:fld id="{D68DD99B-8D91-A844-BA3A-B2A40D21540E}" type="datetimeFigureOut">
               <a:rPr lang="en-US" smtClean="0"/>
-              <a:t>1/5/23</a:t>
+              <a:t>1/7/23</a:t>
             </a:fld>
             <a:endParaRPr lang="en-US"/>
           </a:p>
@@ -4533,8 +4981,8 @@
         </p:nvSpPr>
         <p:spPr>
           <a:xfrm>
-            <a:off x="2322785" y="2354316"/>
-            <a:ext cx="2511973" cy="2680139"/>
+            <a:off x="2322785" y="2354317"/>
+            <a:ext cx="2511973" cy="3500378"/>
           </a:xfrm>
         </p:spPr>
         <p:txBody>
@@ -4576,7 +5024,22 @@
             </a:pPr>
             <a:r>
               <a:rPr lang="en-US" dirty="0"/>
-              <a:t>Terminal node</a:t>
+              <a:t>Terminal  node</a:t>
+            </a:r>
+          </a:p>
+          <a:p>
+            <a:pPr marL="0" indent="0">
+              <a:buNone/>
+            </a:pPr>
+            <a:endParaRPr lang="en-US" dirty="0"/>
+          </a:p>
+          <a:p>
+            <a:pPr marL="0" indent="0">
+              <a:buNone/>
+            </a:pPr>
+            <a:r>
+              <a:rPr lang="en-US" dirty="0"/>
+              <a:t>Branches</a:t>
             </a:r>
           </a:p>
         </p:txBody>
@@ -4737,10 +5200,6054 @@
           </a:p>
         </p:txBody>
       </p:sp>
+      <p:cxnSp>
+        <p:nvCxnSpPr>
+          <p:cNvPr id="8" name="Straight Connector 7">
+            <a:extLst>
+              <a:ext uri="{FF2B5EF4-FFF2-40B4-BE49-F238E27FC236}">
+                <a16:creationId xmlns:a16="http://schemas.microsoft.com/office/drawing/2014/main" id="{60A706F4-09E8-9268-45E9-F0A0DE1E551B}"/>
+              </a:ext>
+            </a:extLst>
+          </p:cNvPr>
+          <p:cNvCxnSpPr/>
+          <p:nvPr/>
+        </p:nvCxnSpPr>
+        <p:spPr>
+          <a:xfrm flipH="1">
+            <a:off x="1439917" y="5134694"/>
+            <a:ext cx="720000" cy="720000"/>
+          </a:xfrm>
+          <a:prstGeom prst="line">
+            <a:avLst/>
+          </a:prstGeom>
+          <a:ln w="57150">
+            <a:solidFill>
+              <a:schemeClr val="tx1"/>
+            </a:solidFill>
+          </a:ln>
+        </p:spPr>
+        <p:style>
+          <a:lnRef idx="1">
+            <a:schemeClr val="accent1"/>
+          </a:lnRef>
+          <a:fillRef idx="0">
+            <a:schemeClr val="accent1"/>
+          </a:fillRef>
+          <a:effectRef idx="0">
+            <a:schemeClr val="accent1"/>
+          </a:effectRef>
+          <a:fontRef idx="minor">
+            <a:schemeClr val="tx1"/>
+          </a:fontRef>
+        </p:style>
+      </p:cxnSp>
     </p:spTree>
     <p:extLst>
       <p:ext uri="{BB962C8B-B14F-4D97-AF65-F5344CB8AC3E}">
         <p14:creationId xmlns:p14="http://schemas.microsoft.com/office/powerpoint/2010/main" val="956310125"/>
+      </p:ext>
+    </p:extLst>
+  </p:cSld>
+  <p:clrMapOvr>
+    <a:masterClrMapping/>
+  </p:clrMapOvr>
+</p:sld>
+</file>
+
+<file path=ppt/slides/slide5.xml><?xml version="1.0" encoding="utf-8"?>
+<p:sld xmlns:a="http://schemas.openxmlformats.org/drawingml/2006/main" xmlns:r="http://schemas.openxmlformats.org/officeDocument/2006/relationships" xmlns:p="http://schemas.openxmlformats.org/presentationml/2006/main">
+  <p:cSld>
+    <p:spTree>
+      <p:nvGrpSpPr>
+        <p:cNvPr id="1" name=""/>
+        <p:cNvGrpSpPr/>
+        <p:nvPr/>
+      </p:nvGrpSpPr>
+      <p:grpSpPr>
+        <a:xfrm>
+          <a:off x="0" y="0"/>
+          <a:ext cx="0" cy="0"/>
+          <a:chOff x="0" y="0"/>
+          <a:chExt cx="0" cy="0"/>
+        </a:xfrm>
+      </p:grpSpPr>
+      <p:cxnSp>
+        <p:nvCxnSpPr>
+          <p:cNvPr id="5" name="Straight Connector 4">
+            <a:extLst>
+              <a:ext uri="{FF2B5EF4-FFF2-40B4-BE49-F238E27FC236}">
+                <a16:creationId xmlns:a16="http://schemas.microsoft.com/office/drawing/2014/main" id="{63B29709-3BE6-7116-C96E-88917BE17E5C}"/>
+              </a:ext>
+            </a:extLst>
+          </p:cNvPr>
+          <p:cNvCxnSpPr>
+            <a:cxnSpLocks/>
+          </p:cNvCxnSpPr>
+          <p:nvPr/>
+        </p:nvCxnSpPr>
+        <p:spPr>
+          <a:xfrm flipH="1">
+            <a:off x="5597761" y="1591189"/>
+            <a:ext cx="216000" cy="720000"/>
+          </a:xfrm>
+          <a:prstGeom prst="line">
+            <a:avLst/>
+          </a:prstGeom>
+          <a:ln w="57150">
+            <a:solidFill>
+              <a:schemeClr val="tx1"/>
+            </a:solidFill>
+          </a:ln>
+        </p:spPr>
+        <p:style>
+          <a:lnRef idx="1">
+            <a:schemeClr val="accent1"/>
+          </a:lnRef>
+          <a:fillRef idx="0">
+            <a:schemeClr val="accent1"/>
+          </a:fillRef>
+          <a:effectRef idx="0">
+            <a:schemeClr val="accent1"/>
+          </a:effectRef>
+          <a:fontRef idx="minor">
+            <a:schemeClr val="tx1"/>
+          </a:fontRef>
+        </p:style>
+      </p:cxnSp>
+      <p:cxnSp>
+        <p:nvCxnSpPr>
+          <p:cNvPr id="7" name="Straight Connector 6">
+            <a:extLst>
+              <a:ext uri="{FF2B5EF4-FFF2-40B4-BE49-F238E27FC236}">
+                <a16:creationId xmlns:a16="http://schemas.microsoft.com/office/drawing/2014/main" id="{993343DA-9D93-26CE-C64D-8EB21CC5B02E}"/>
+              </a:ext>
+            </a:extLst>
+          </p:cNvPr>
+          <p:cNvCxnSpPr>
+            <a:cxnSpLocks/>
+          </p:cNvCxnSpPr>
+          <p:nvPr/>
+        </p:nvCxnSpPr>
+        <p:spPr>
+          <a:xfrm>
+            <a:off x="5597761" y="2290225"/>
+            <a:ext cx="216000" cy="720000"/>
+          </a:xfrm>
+          <a:prstGeom prst="line">
+            <a:avLst/>
+          </a:prstGeom>
+          <a:ln w="57150">
+            <a:solidFill>
+              <a:schemeClr val="tx1"/>
+            </a:solidFill>
+          </a:ln>
+        </p:spPr>
+        <p:style>
+          <a:lnRef idx="1">
+            <a:schemeClr val="accent1"/>
+          </a:lnRef>
+          <a:fillRef idx="0">
+            <a:schemeClr val="accent1"/>
+          </a:fillRef>
+          <a:effectRef idx="0">
+            <a:schemeClr val="accent1"/>
+          </a:effectRef>
+          <a:fontRef idx="minor">
+            <a:schemeClr val="tx1"/>
+          </a:fontRef>
+        </p:style>
+      </p:cxnSp>
+      <p:cxnSp>
+        <p:nvCxnSpPr>
+          <p:cNvPr id="10" name="Straight Connector 9">
+            <a:extLst>
+              <a:ext uri="{FF2B5EF4-FFF2-40B4-BE49-F238E27FC236}">
+                <a16:creationId xmlns:a16="http://schemas.microsoft.com/office/drawing/2014/main" id="{DBB73E9E-F60B-46B1-2E44-3A776C09F9FA}"/>
+              </a:ext>
+            </a:extLst>
+          </p:cNvPr>
+          <p:cNvCxnSpPr>
+            <a:cxnSpLocks/>
+            <a:endCxn id="4" idx="6"/>
+          </p:cNvCxnSpPr>
+          <p:nvPr/>
+        </p:nvCxnSpPr>
+        <p:spPr>
+          <a:xfrm flipH="1">
+            <a:off x="5813761" y="2293706"/>
+            <a:ext cx="1448527" cy="0"/>
+          </a:xfrm>
+          <a:prstGeom prst="line">
+            <a:avLst/>
+          </a:prstGeom>
+          <a:ln w="57150">
+            <a:solidFill>
+              <a:schemeClr val="tx1"/>
+            </a:solidFill>
+          </a:ln>
+        </p:spPr>
+        <p:style>
+          <a:lnRef idx="1">
+            <a:schemeClr val="accent1"/>
+          </a:lnRef>
+          <a:fillRef idx="0">
+            <a:schemeClr val="accent1"/>
+          </a:fillRef>
+          <a:effectRef idx="0">
+            <a:schemeClr val="accent1"/>
+          </a:effectRef>
+          <a:fontRef idx="minor">
+            <a:schemeClr val="tx1"/>
+          </a:fontRef>
+        </p:style>
+      </p:cxnSp>
+      <p:cxnSp>
+        <p:nvCxnSpPr>
+          <p:cNvPr id="15" name="Straight Connector 14">
+            <a:extLst>
+              <a:ext uri="{FF2B5EF4-FFF2-40B4-BE49-F238E27FC236}">
+                <a16:creationId xmlns:a16="http://schemas.microsoft.com/office/drawing/2014/main" id="{550B41AE-3610-6DDF-D2E5-F0E8764D3332}"/>
+              </a:ext>
+            </a:extLst>
+          </p:cNvPr>
+          <p:cNvCxnSpPr>
+            <a:cxnSpLocks/>
+          </p:cNvCxnSpPr>
+          <p:nvPr/>
+        </p:nvCxnSpPr>
+        <p:spPr>
+          <a:xfrm flipH="1" flipV="1">
+            <a:off x="5813761" y="1613973"/>
+            <a:ext cx="1328589" cy="7512"/>
+          </a:xfrm>
+          <a:prstGeom prst="line">
+            <a:avLst/>
+          </a:prstGeom>
+          <a:ln w="57150">
+            <a:solidFill>
+              <a:schemeClr val="tx1"/>
+            </a:solidFill>
+          </a:ln>
+        </p:spPr>
+        <p:style>
+          <a:lnRef idx="1">
+            <a:schemeClr val="accent1"/>
+          </a:lnRef>
+          <a:fillRef idx="0">
+            <a:schemeClr val="accent1"/>
+          </a:fillRef>
+          <a:effectRef idx="0">
+            <a:schemeClr val="accent1"/>
+          </a:effectRef>
+          <a:fontRef idx="minor">
+            <a:schemeClr val="tx1"/>
+          </a:fontRef>
+        </p:style>
+      </p:cxnSp>
+      <p:cxnSp>
+        <p:nvCxnSpPr>
+          <p:cNvPr id="17" name="Straight Connector 16">
+            <a:extLst>
+              <a:ext uri="{FF2B5EF4-FFF2-40B4-BE49-F238E27FC236}">
+                <a16:creationId xmlns:a16="http://schemas.microsoft.com/office/drawing/2014/main" id="{393F6A59-1A0F-BC3A-7523-7C08582C158C}"/>
+              </a:ext>
+            </a:extLst>
+          </p:cNvPr>
+          <p:cNvCxnSpPr>
+            <a:cxnSpLocks/>
+          </p:cNvCxnSpPr>
+          <p:nvPr/>
+        </p:nvCxnSpPr>
+        <p:spPr>
+          <a:xfrm flipH="1">
+            <a:off x="5787639" y="2979929"/>
+            <a:ext cx="1354711" cy="418"/>
+          </a:xfrm>
+          <a:prstGeom prst="line">
+            <a:avLst/>
+          </a:prstGeom>
+          <a:ln w="57150">
+            <a:solidFill>
+              <a:schemeClr val="tx1"/>
+            </a:solidFill>
+          </a:ln>
+        </p:spPr>
+        <p:style>
+          <a:lnRef idx="1">
+            <a:schemeClr val="accent1"/>
+          </a:lnRef>
+          <a:fillRef idx="0">
+            <a:schemeClr val="accent1"/>
+          </a:fillRef>
+          <a:effectRef idx="0">
+            <a:schemeClr val="accent1"/>
+          </a:effectRef>
+          <a:fontRef idx="minor">
+            <a:schemeClr val="tx1"/>
+          </a:fontRef>
+        </p:style>
+      </p:cxnSp>
+      <p:sp>
+        <p:nvSpPr>
+          <p:cNvPr id="18" name="TextBox 17">
+            <a:extLst>
+              <a:ext uri="{FF2B5EF4-FFF2-40B4-BE49-F238E27FC236}">
+                <a16:creationId xmlns:a16="http://schemas.microsoft.com/office/drawing/2014/main" id="{96041ABA-C2CD-538E-EEF0-6C98DDC99B5B}"/>
+              </a:ext>
+            </a:extLst>
+          </p:cNvPr>
+          <p:cNvSpPr txBox="1"/>
+          <p:nvPr/>
+        </p:nvSpPr>
+        <p:spPr>
+          <a:xfrm>
+            <a:off x="5740730" y="1304413"/>
+            <a:ext cx="1448527" cy="307777"/>
+          </a:xfrm>
+          <a:prstGeom prst="rect">
+            <a:avLst/>
+          </a:prstGeom>
+          <a:noFill/>
+        </p:spPr>
+        <p:txBody>
+          <a:bodyPr wrap="square" rtlCol="0">
+            <a:spAutoFit/>
+          </a:bodyPr>
+          <a:lstStyle/>
+          <a:p>
+            <a:r>
+              <a:rPr lang="en-US" sz="1400" dirty="0"/>
+              <a:t>P(E|AC) = 0.2</a:t>
+            </a:r>
+          </a:p>
+        </p:txBody>
+      </p:sp>
+      <p:sp>
+        <p:nvSpPr>
+          <p:cNvPr id="23" name="TextBox 22">
+            <a:extLst>
+              <a:ext uri="{FF2B5EF4-FFF2-40B4-BE49-F238E27FC236}">
+                <a16:creationId xmlns:a16="http://schemas.microsoft.com/office/drawing/2014/main" id="{6A020D0D-A0D7-B0B1-CBDF-C7D17919B19D}"/>
+              </a:ext>
+            </a:extLst>
+          </p:cNvPr>
+          <p:cNvSpPr txBox="1"/>
+          <p:nvPr/>
+        </p:nvSpPr>
+        <p:spPr>
+          <a:xfrm>
+            <a:off x="6015345" y="1984483"/>
+            <a:ext cx="1184864" cy="307777"/>
+          </a:xfrm>
+          <a:prstGeom prst="rect">
+            <a:avLst/>
+          </a:prstGeom>
+          <a:noFill/>
+        </p:spPr>
+        <p:txBody>
+          <a:bodyPr wrap="square" rtlCol="0">
+            <a:spAutoFit/>
+          </a:bodyPr>
+          <a:lstStyle/>
+          <a:p>
+            <a:r>
+              <a:rPr lang="en-US" sz="1400" dirty="0"/>
+              <a:t>P(F|AC) = 0.7</a:t>
+            </a:r>
+          </a:p>
+        </p:txBody>
+      </p:sp>
+      <p:sp>
+        <p:nvSpPr>
+          <p:cNvPr id="24" name="TextBox 23">
+            <a:extLst>
+              <a:ext uri="{FF2B5EF4-FFF2-40B4-BE49-F238E27FC236}">
+                <a16:creationId xmlns:a16="http://schemas.microsoft.com/office/drawing/2014/main" id="{DC7D80D2-68F2-9E07-88E8-C97C4B56DCC6}"/>
+              </a:ext>
+            </a:extLst>
+          </p:cNvPr>
+          <p:cNvSpPr txBox="1"/>
+          <p:nvPr/>
+        </p:nvSpPr>
+        <p:spPr>
+          <a:xfrm>
+            <a:off x="5787639" y="2664648"/>
+            <a:ext cx="1184864" cy="307777"/>
+          </a:xfrm>
+          <a:prstGeom prst="rect">
+            <a:avLst/>
+          </a:prstGeom>
+          <a:noFill/>
+        </p:spPr>
+        <p:txBody>
+          <a:bodyPr wrap="square" rtlCol="0">
+            <a:spAutoFit/>
+          </a:bodyPr>
+          <a:lstStyle/>
+          <a:p>
+            <a:r>
+              <a:rPr lang="en-US" sz="1400" dirty="0"/>
+              <a:t>P(G|AC) = 0.1</a:t>
+            </a:r>
+          </a:p>
+        </p:txBody>
+      </p:sp>
+      <p:cxnSp>
+        <p:nvCxnSpPr>
+          <p:cNvPr id="25" name="Straight Connector 24">
+            <a:extLst>
+              <a:ext uri="{FF2B5EF4-FFF2-40B4-BE49-F238E27FC236}">
+                <a16:creationId xmlns:a16="http://schemas.microsoft.com/office/drawing/2014/main" id="{3C22B92C-9BB9-39FF-A55B-C5C3501FA2B8}"/>
+              </a:ext>
+            </a:extLst>
+          </p:cNvPr>
+          <p:cNvCxnSpPr>
+            <a:cxnSpLocks/>
+            <a:stCxn id="4" idx="2"/>
+          </p:cNvCxnSpPr>
+          <p:nvPr/>
+        </p:nvCxnSpPr>
+        <p:spPr>
+          <a:xfrm flipH="1">
+            <a:off x="4459050" y="2293706"/>
+            <a:ext cx="922711" cy="0"/>
+          </a:xfrm>
+          <a:prstGeom prst="line">
+            <a:avLst/>
+          </a:prstGeom>
+          <a:ln w="57150">
+            <a:solidFill>
+              <a:schemeClr val="tx1"/>
+            </a:solidFill>
+          </a:ln>
+        </p:spPr>
+        <p:style>
+          <a:lnRef idx="1">
+            <a:schemeClr val="accent1"/>
+          </a:lnRef>
+          <a:fillRef idx="0">
+            <a:schemeClr val="accent1"/>
+          </a:fillRef>
+          <a:effectRef idx="0">
+            <a:schemeClr val="accent1"/>
+          </a:effectRef>
+          <a:fontRef idx="minor">
+            <a:schemeClr val="tx1"/>
+          </a:fontRef>
+        </p:style>
+      </p:cxnSp>
+      <p:sp>
+        <p:nvSpPr>
+          <p:cNvPr id="31" name="Triangle 30">
+            <a:extLst>
+              <a:ext uri="{FF2B5EF4-FFF2-40B4-BE49-F238E27FC236}">
+                <a16:creationId xmlns:a16="http://schemas.microsoft.com/office/drawing/2014/main" id="{D7FDF5FC-28B8-7D75-7DD9-E46D9EFFDCA7}"/>
+              </a:ext>
+            </a:extLst>
+          </p:cNvPr>
+          <p:cNvSpPr/>
+          <p:nvPr/>
+        </p:nvSpPr>
+        <p:spPr>
+          <a:xfrm rot="16200000">
+            <a:off x="7046288" y="1405485"/>
+            <a:ext cx="432000" cy="432000"/>
+          </a:xfrm>
+          <a:prstGeom prst="triangle">
+            <a:avLst/>
+          </a:prstGeom>
+          <a:solidFill>
+            <a:srgbClr val="C00000"/>
+          </a:solidFill>
+          <a:ln>
+            <a:noFill/>
+          </a:ln>
+        </p:spPr>
+        <p:style>
+          <a:lnRef idx="2">
+            <a:schemeClr val="accent1">
+              <a:shade val="50000"/>
+            </a:schemeClr>
+          </a:lnRef>
+          <a:fillRef idx="1">
+            <a:schemeClr val="accent1"/>
+          </a:fillRef>
+          <a:effectRef idx="0">
+            <a:schemeClr val="accent1"/>
+          </a:effectRef>
+          <a:fontRef idx="minor">
+            <a:schemeClr val="lt1"/>
+          </a:fontRef>
+        </p:style>
+        <p:txBody>
+          <a:bodyPr rtlCol="0" anchor="ctr"/>
+          <a:lstStyle/>
+          <a:p>
+            <a:pPr algn="ctr"/>
+            <a:endParaRPr lang="en-US"/>
+          </a:p>
+        </p:txBody>
+      </p:sp>
+      <p:sp>
+        <p:nvSpPr>
+          <p:cNvPr id="4" name="Oval 3">
+            <a:extLst>
+              <a:ext uri="{FF2B5EF4-FFF2-40B4-BE49-F238E27FC236}">
+                <a16:creationId xmlns:a16="http://schemas.microsoft.com/office/drawing/2014/main" id="{0AEFF8DC-6AA8-E2AF-559A-CF6DFEB8D823}"/>
+              </a:ext>
+            </a:extLst>
+          </p:cNvPr>
+          <p:cNvSpPr/>
+          <p:nvPr/>
+        </p:nvSpPr>
+        <p:spPr>
+          <a:xfrm>
+            <a:off x="5381761" y="2077706"/>
+            <a:ext cx="432000" cy="432000"/>
+          </a:xfrm>
+          <a:prstGeom prst="ellipse">
+            <a:avLst/>
+          </a:prstGeom>
+          <a:solidFill>
+            <a:srgbClr val="00730A"/>
+          </a:solidFill>
+          <a:ln>
+            <a:noFill/>
+          </a:ln>
+        </p:spPr>
+        <p:style>
+          <a:lnRef idx="2">
+            <a:schemeClr val="accent1">
+              <a:shade val="50000"/>
+            </a:schemeClr>
+          </a:lnRef>
+          <a:fillRef idx="1">
+            <a:schemeClr val="accent1"/>
+          </a:fillRef>
+          <a:effectRef idx="0">
+            <a:schemeClr val="accent1"/>
+          </a:effectRef>
+          <a:fontRef idx="minor">
+            <a:schemeClr val="lt1"/>
+          </a:fontRef>
+        </p:style>
+        <p:txBody>
+          <a:bodyPr rtlCol="0" anchor="ctr"/>
+          <a:lstStyle/>
+          <a:p>
+            <a:pPr algn="ctr"/>
+            <a:endParaRPr lang="en-US"/>
+          </a:p>
+        </p:txBody>
+      </p:sp>
+      <p:sp>
+        <p:nvSpPr>
+          <p:cNvPr id="38" name="Triangle 37">
+            <a:extLst>
+              <a:ext uri="{FF2B5EF4-FFF2-40B4-BE49-F238E27FC236}">
+                <a16:creationId xmlns:a16="http://schemas.microsoft.com/office/drawing/2014/main" id="{7A6E0CB4-D251-9E4F-B244-0BFD5A1ED493}"/>
+              </a:ext>
+            </a:extLst>
+          </p:cNvPr>
+          <p:cNvSpPr/>
+          <p:nvPr/>
+        </p:nvSpPr>
+        <p:spPr>
+          <a:xfrm rot="16200000">
+            <a:off x="7046288" y="2074225"/>
+            <a:ext cx="432000" cy="432000"/>
+          </a:xfrm>
+          <a:prstGeom prst="triangle">
+            <a:avLst/>
+          </a:prstGeom>
+          <a:solidFill>
+            <a:srgbClr val="C00000"/>
+          </a:solidFill>
+          <a:ln>
+            <a:noFill/>
+          </a:ln>
+        </p:spPr>
+        <p:style>
+          <a:lnRef idx="2">
+            <a:schemeClr val="accent1">
+              <a:shade val="50000"/>
+            </a:schemeClr>
+          </a:lnRef>
+          <a:fillRef idx="1">
+            <a:schemeClr val="accent1"/>
+          </a:fillRef>
+          <a:effectRef idx="0">
+            <a:schemeClr val="accent1"/>
+          </a:effectRef>
+          <a:fontRef idx="minor">
+            <a:schemeClr val="lt1"/>
+          </a:fontRef>
+        </p:style>
+        <p:txBody>
+          <a:bodyPr rtlCol="0" anchor="ctr"/>
+          <a:lstStyle/>
+          <a:p>
+            <a:pPr algn="ctr"/>
+            <a:endParaRPr lang="en-US"/>
+          </a:p>
+        </p:txBody>
+      </p:sp>
+      <p:sp>
+        <p:nvSpPr>
+          <p:cNvPr id="39" name="Triangle 38">
+            <a:extLst>
+              <a:ext uri="{FF2B5EF4-FFF2-40B4-BE49-F238E27FC236}">
+                <a16:creationId xmlns:a16="http://schemas.microsoft.com/office/drawing/2014/main" id="{449B3CB1-DD73-F26C-5A8F-5528EA1CBC5D}"/>
+              </a:ext>
+            </a:extLst>
+          </p:cNvPr>
+          <p:cNvSpPr/>
+          <p:nvPr/>
+        </p:nvSpPr>
+        <p:spPr>
+          <a:xfrm rot="16200000">
+            <a:off x="7046288" y="2772001"/>
+            <a:ext cx="432000" cy="432000"/>
+          </a:xfrm>
+          <a:prstGeom prst="triangle">
+            <a:avLst/>
+          </a:prstGeom>
+          <a:solidFill>
+            <a:srgbClr val="C00000"/>
+          </a:solidFill>
+          <a:ln>
+            <a:noFill/>
+          </a:ln>
+        </p:spPr>
+        <p:style>
+          <a:lnRef idx="2">
+            <a:schemeClr val="accent1">
+              <a:shade val="50000"/>
+            </a:schemeClr>
+          </a:lnRef>
+          <a:fillRef idx="1">
+            <a:schemeClr val="accent1"/>
+          </a:fillRef>
+          <a:effectRef idx="0">
+            <a:schemeClr val="accent1"/>
+          </a:effectRef>
+          <a:fontRef idx="minor">
+            <a:schemeClr val="lt1"/>
+          </a:fontRef>
+        </p:style>
+        <p:txBody>
+          <a:bodyPr rtlCol="0" anchor="ctr"/>
+          <a:lstStyle/>
+          <a:p>
+            <a:pPr algn="ctr"/>
+            <a:endParaRPr lang="en-US"/>
+          </a:p>
+        </p:txBody>
+      </p:sp>
+      <p:cxnSp>
+        <p:nvCxnSpPr>
+          <p:cNvPr id="41" name="Straight Connector 40">
+            <a:extLst>
+              <a:ext uri="{FF2B5EF4-FFF2-40B4-BE49-F238E27FC236}">
+                <a16:creationId xmlns:a16="http://schemas.microsoft.com/office/drawing/2014/main" id="{D15DAFD3-C9F7-6494-601C-7659ABBF1039}"/>
+              </a:ext>
+            </a:extLst>
+          </p:cNvPr>
+          <p:cNvCxnSpPr>
+            <a:cxnSpLocks/>
+          </p:cNvCxnSpPr>
+          <p:nvPr/>
+        </p:nvCxnSpPr>
+        <p:spPr>
+          <a:xfrm flipH="1">
+            <a:off x="4265502" y="2277412"/>
+            <a:ext cx="216000" cy="720000"/>
+          </a:xfrm>
+          <a:prstGeom prst="line">
+            <a:avLst/>
+          </a:prstGeom>
+          <a:ln w="57150">
+            <a:solidFill>
+              <a:schemeClr val="tx1"/>
+            </a:solidFill>
+          </a:ln>
+        </p:spPr>
+        <p:style>
+          <a:lnRef idx="1">
+            <a:schemeClr val="accent1"/>
+          </a:lnRef>
+          <a:fillRef idx="0">
+            <a:schemeClr val="accent1"/>
+          </a:fillRef>
+          <a:effectRef idx="0">
+            <a:schemeClr val="accent1"/>
+          </a:effectRef>
+          <a:fontRef idx="minor">
+            <a:schemeClr val="tx1"/>
+          </a:fontRef>
+        </p:style>
+      </p:cxnSp>
+      <p:cxnSp>
+        <p:nvCxnSpPr>
+          <p:cNvPr id="42" name="Straight Connector 41">
+            <a:extLst>
+              <a:ext uri="{FF2B5EF4-FFF2-40B4-BE49-F238E27FC236}">
+                <a16:creationId xmlns:a16="http://schemas.microsoft.com/office/drawing/2014/main" id="{E6B42C46-69ED-6C9C-C3C0-677DA8763518}"/>
+              </a:ext>
+            </a:extLst>
+          </p:cNvPr>
+          <p:cNvCxnSpPr>
+            <a:cxnSpLocks/>
+          </p:cNvCxnSpPr>
+          <p:nvPr/>
+        </p:nvCxnSpPr>
+        <p:spPr>
+          <a:xfrm>
+            <a:off x="4265502" y="2976448"/>
+            <a:ext cx="216000" cy="720000"/>
+          </a:xfrm>
+          <a:prstGeom prst="line">
+            <a:avLst/>
+          </a:prstGeom>
+          <a:ln w="57150">
+            <a:solidFill>
+              <a:schemeClr val="tx1"/>
+            </a:solidFill>
+          </a:ln>
+        </p:spPr>
+        <p:style>
+          <a:lnRef idx="1">
+            <a:schemeClr val="accent1"/>
+          </a:lnRef>
+          <a:fillRef idx="0">
+            <a:schemeClr val="accent1"/>
+          </a:fillRef>
+          <a:effectRef idx="0">
+            <a:schemeClr val="accent1"/>
+          </a:effectRef>
+          <a:fontRef idx="minor">
+            <a:schemeClr val="tx1"/>
+          </a:fontRef>
+        </p:style>
+      </p:cxnSp>
+      <p:sp>
+        <p:nvSpPr>
+          <p:cNvPr id="43" name="Oval 42">
+            <a:extLst>
+              <a:ext uri="{FF2B5EF4-FFF2-40B4-BE49-F238E27FC236}">
+                <a16:creationId xmlns:a16="http://schemas.microsoft.com/office/drawing/2014/main" id="{11B6612D-8547-708B-3B4D-85FA82633D78}"/>
+              </a:ext>
+            </a:extLst>
+          </p:cNvPr>
+          <p:cNvSpPr/>
+          <p:nvPr/>
+        </p:nvSpPr>
+        <p:spPr>
+          <a:xfrm>
+            <a:off x="4049502" y="2763929"/>
+            <a:ext cx="432000" cy="432000"/>
+          </a:xfrm>
+          <a:prstGeom prst="ellipse">
+            <a:avLst/>
+          </a:prstGeom>
+          <a:solidFill>
+            <a:srgbClr val="00730A"/>
+          </a:solidFill>
+          <a:ln>
+            <a:noFill/>
+          </a:ln>
+        </p:spPr>
+        <p:style>
+          <a:lnRef idx="2">
+            <a:schemeClr val="accent1">
+              <a:shade val="50000"/>
+            </a:schemeClr>
+          </a:lnRef>
+          <a:fillRef idx="1">
+            <a:schemeClr val="accent1"/>
+          </a:fillRef>
+          <a:effectRef idx="0">
+            <a:schemeClr val="accent1"/>
+          </a:effectRef>
+          <a:fontRef idx="minor">
+            <a:schemeClr val="lt1"/>
+          </a:fontRef>
+        </p:style>
+        <p:txBody>
+          <a:bodyPr rtlCol="0" anchor="ctr"/>
+          <a:lstStyle/>
+          <a:p>
+            <a:pPr algn="ctr"/>
+            <a:endParaRPr lang="en-US"/>
+          </a:p>
+        </p:txBody>
+      </p:sp>
+      <p:cxnSp>
+        <p:nvCxnSpPr>
+          <p:cNvPr id="44" name="Straight Connector 43">
+            <a:extLst>
+              <a:ext uri="{FF2B5EF4-FFF2-40B4-BE49-F238E27FC236}">
+                <a16:creationId xmlns:a16="http://schemas.microsoft.com/office/drawing/2014/main" id="{A7CEC066-70E1-8242-D15D-9D994FC218CE}"/>
+              </a:ext>
+            </a:extLst>
+          </p:cNvPr>
+          <p:cNvCxnSpPr>
+            <a:cxnSpLocks/>
+          </p:cNvCxnSpPr>
+          <p:nvPr/>
+        </p:nvCxnSpPr>
+        <p:spPr>
+          <a:xfrm flipH="1">
+            <a:off x="3365243" y="2991482"/>
+            <a:ext cx="689846" cy="0"/>
+          </a:xfrm>
+          <a:prstGeom prst="line">
+            <a:avLst/>
+          </a:prstGeom>
+          <a:ln w="57150">
+            <a:solidFill>
+              <a:schemeClr val="tx1"/>
+            </a:solidFill>
+          </a:ln>
+        </p:spPr>
+        <p:style>
+          <a:lnRef idx="1">
+            <a:schemeClr val="accent1"/>
+          </a:lnRef>
+          <a:fillRef idx="0">
+            <a:schemeClr val="accent1"/>
+          </a:fillRef>
+          <a:effectRef idx="0">
+            <a:schemeClr val="accent1"/>
+          </a:effectRef>
+          <a:fontRef idx="minor">
+            <a:schemeClr val="tx1"/>
+          </a:fontRef>
+        </p:style>
+      </p:cxnSp>
+      <p:cxnSp>
+        <p:nvCxnSpPr>
+          <p:cNvPr id="47" name="Straight Connector 46">
+            <a:extLst>
+              <a:ext uri="{FF2B5EF4-FFF2-40B4-BE49-F238E27FC236}">
+                <a16:creationId xmlns:a16="http://schemas.microsoft.com/office/drawing/2014/main" id="{68AFC96B-9D5C-3513-ED81-CC26CE64F7E0}"/>
+              </a:ext>
+            </a:extLst>
+          </p:cNvPr>
+          <p:cNvCxnSpPr>
+            <a:cxnSpLocks/>
+          </p:cNvCxnSpPr>
+          <p:nvPr/>
+        </p:nvCxnSpPr>
+        <p:spPr>
+          <a:xfrm flipH="1">
+            <a:off x="3167373" y="2972425"/>
+            <a:ext cx="216000" cy="738210"/>
+          </a:xfrm>
+          <a:prstGeom prst="line">
+            <a:avLst/>
+          </a:prstGeom>
+          <a:ln w="57150">
+            <a:solidFill>
+              <a:schemeClr val="tx1"/>
+            </a:solidFill>
+          </a:ln>
+        </p:spPr>
+        <p:style>
+          <a:lnRef idx="1">
+            <a:schemeClr val="accent1"/>
+          </a:lnRef>
+          <a:fillRef idx="0">
+            <a:schemeClr val="accent1"/>
+          </a:fillRef>
+          <a:effectRef idx="0">
+            <a:schemeClr val="accent1"/>
+          </a:effectRef>
+          <a:fontRef idx="minor">
+            <a:schemeClr val="tx1"/>
+          </a:fontRef>
+        </p:style>
+      </p:cxnSp>
+      <p:cxnSp>
+        <p:nvCxnSpPr>
+          <p:cNvPr id="48" name="Straight Connector 47">
+            <a:extLst>
+              <a:ext uri="{FF2B5EF4-FFF2-40B4-BE49-F238E27FC236}">
+                <a16:creationId xmlns:a16="http://schemas.microsoft.com/office/drawing/2014/main" id="{74ED4BB5-16B2-1A09-2FB2-23DC2EE21EAE}"/>
+              </a:ext>
+            </a:extLst>
+          </p:cNvPr>
+          <p:cNvCxnSpPr>
+            <a:cxnSpLocks/>
+          </p:cNvCxnSpPr>
+          <p:nvPr/>
+        </p:nvCxnSpPr>
+        <p:spPr>
+          <a:xfrm>
+            <a:off x="3167373" y="3689671"/>
+            <a:ext cx="216000" cy="729634"/>
+          </a:xfrm>
+          <a:prstGeom prst="line">
+            <a:avLst/>
+          </a:prstGeom>
+          <a:ln w="57150">
+            <a:solidFill>
+              <a:schemeClr val="tx1"/>
+            </a:solidFill>
+          </a:ln>
+        </p:spPr>
+        <p:style>
+          <a:lnRef idx="1">
+            <a:schemeClr val="accent1"/>
+          </a:lnRef>
+          <a:fillRef idx="0">
+            <a:schemeClr val="accent1"/>
+          </a:fillRef>
+          <a:effectRef idx="0">
+            <a:schemeClr val="accent1"/>
+          </a:effectRef>
+          <a:fontRef idx="minor">
+            <a:schemeClr val="tx1"/>
+          </a:fontRef>
+        </p:style>
+      </p:cxnSp>
+      <p:sp>
+        <p:nvSpPr>
+          <p:cNvPr id="46" name="Rectangle 45">
+            <a:extLst>
+              <a:ext uri="{FF2B5EF4-FFF2-40B4-BE49-F238E27FC236}">
+                <a16:creationId xmlns:a16="http://schemas.microsoft.com/office/drawing/2014/main" id="{E23698C7-6B6D-FE49-BE47-23279347B6BA}"/>
+              </a:ext>
+            </a:extLst>
+          </p:cNvPr>
+          <p:cNvSpPr/>
+          <p:nvPr/>
+        </p:nvSpPr>
+        <p:spPr>
+          <a:xfrm>
+            <a:off x="2719264" y="3494635"/>
+            <a:ext cx="432000" cy="432000"/>
+          </a:xfrm>
+          <a:prstGeom prst="rect">
+            <a:avLst/>
+          </a:prstGeom>
+          <a:solidFill>
+            <a:srgbClr val="002060"/>
+          </a:solidFill>
+          <a:ln>
+            <a:noFill/>
+          </a:ln>
+        </p:spPr>
+        <p:style>
+          <a:lnRef idx="2">
+            <a:schemeClr val="accent1">
+              <a:shade val="50000"/>
+            </a:schemeClr>
+          </a:lnRef>
+          <a:fillRef idx="1">
+            <a:schemeClr val="accent1"/>
+          </a:fillRef>
+          <a:effectRef idx="0">
+            <a:schemeClr val="accent1"/>
+          </a:effectRef>
+          <a:fontRef idx="minor">
+            <a:schemeClr val="lt1"/>
+          </a:fontRef>
+        </p:style>
+        <p:txBody>
+          <a:bodyPr rtlCol="0" anchor="ctr"/>
+          <a:lstStyle/>
+          <a:p>
+            <a:pPr algn="ctr"/>
+            <a:endParaRPr lang="en-US"/>
+          </a:p>
+        </p:txBody>
+      </p:sp>
+      <p:cxnSp>
+        <p:nvCxnSpPr>
+          <p:cNvPr id="50" name="Straight Connector 49">
+            <a:extLst>
+              <a:ext uri="{FF2B5EF4-FFF2-40B4-BE49-F238E27FC236}">
+                <a16:creationId xmlns:a16="http://schemas.microsoft.com/office/drawing/2014/main" id="{64A4F003-36DA-3A94-D72A-7D8298319399}"/>
+              </a:ext>
+            </a:extLst>
+          </p:cNvPr>
+          <p:cNvCxnSpPr>
+            <a:cxnSpLocks/>
+          </p:cNvCxnSpPr>
+          <p:nvPr/>
+        </p:nvCxnSpPr>
+        <p:spPr>
+          <a:xfrm flipH="1" flipV="1">
+            <a:off x="4459050" y="3684425"/>
+            <a:ext cx="1328589" cy="7512"/>
+          </a:xfrm>
+          <a:prstGeom prst="line">
+            <a:avLst/>
+          </a:prstGeom>
+          <a:ln w="57150">
+            <a:solidFill>
+              <a:schemeClr val="tx1"/>
+            </a:solidFill>
+          </a:ln>
+        </p:spPr>
+        <p:style>
+          <a:lnRef idx="1">
+            <a:schemeClr val="accent1"/>
+          </a:lnRef>
+          <a:fillRef idx="0">
+            <a:schemeClr val="accent1"/>
+          </a:fillRef>
+          <a:effectRef idx="0">
+            <a:schemeClr val="accent1"/>
+          </a:effectRef>
+          <a:fontRef idx="minor">
+            <a:schemeClr val="tx1"/>
+          </a:fontRef>
+        </p:style>
+      </p:cxnSp>
+      <p:sp>
+        <p:nvSpPr>
+          <p:cNvPr id="51" name="Triangle 50">
+            <a:extLst>
+              <a:ext uri="{FF2B5EF4-FFF2-40B4-BE49-F238E27FC236}">
+                <a16:creationId xmlns:a16="http://schemas.microsoft.com/office/drawing/2014/main" id="{2193AE10-9DFC-6CEE-54A8-9714953D1988}"/>
+              </a:ext>
+            </a:extLst>
+          </p:cNvPr>
+          <p:cNvSpPr/>
+          <p:nvPr/>
+        </p:nvSpPr>
+        <p:spPr>
+          <a:xfrm rot="16200000">
+            <a:off x="5691577" y="3475937"/>
+            <a:ext cx="432000" cy="432000"/>
+          </a:xfrm>
+          <a:prstGeom prst="triangle">
+            <a:avLst/>
+          </a:prstGeom>
+          <a:solidFill>
+            <a:srgbClr val="C00000"/>
+          </a:solidFill>
+          <a:ln>
+            <a:noFill/>
+          </a:ln>
+        </p:spPr>
+        <p:style>
+          <a:lnRef idx="2">
+            <a:schemeClr val="accent1">
+              <a:shade val="50000"/>
+            </a:schemeClr>
+          </a:lnRef>
+          <a:fillRef idx="1">
+            <a:schemeClr val="accent1"/>
+          </a:fillRef>
+          <a:effectRef idx="0">
+            <a:schemeClr val="accent1"/>
+          </a:effectRef>
+          <a:fontRef idx="minor">
+            <a:schemeClr val="lt1"/>
+          </a:fontRef>
+        </p:style>
+        <p:txBody>
+          <a:bodyPr rtlCol="0" anchor="ctr"/>
+          <a:lstStyle/>
+          <a:p>
+            <a:pPr algn="ctr"/>
+            <a:endParaRPr lang="en-US"/>
+          </a:p>
+        </p:txBody>
+      </p:sp>
+      <p:sp>
+        <p:nvSpPr>
+          <p:cNvPr id="52" name="TextBox 51">
+            <a:extLst>
+              <a:ext uri="{FF2B5EF4-FFF2-40B4-BE49-F238E27FC236}">
+                <a16:creationId xmlns:a16="http://schemas.microsoft.com/office/drawing/2014/main" id="{7F215F97-709F-AE63-E99E-46717305904A}"/>
+              </a:ext>
+            </a:extLst>
+          </p:cNvPr>
+          <p:cNvSpPr txBox="1"/>
+          <p:nvPr/>
+        </p:nvSpPr>
+        <p:spPr>
+          <a:xfrm>
+            <a:off x="4425959" y="3383418"/>
+            <a:ext cx="1328588" cy="307777"/>
+          </a:xfrm>
+          <a:prstGeom prst="rect">
+            <a:avLst/>
+          </a:prstGeom>
+          <a:noFill/>
+        </p:spPr>
+        <p:txBody>
+          <a:bodyPr wrap="square" rtlCol="0">
+            <a:spAutoFit/>
+          </a:bodyPr>
+          <a:lstStyle/>
+          <a:p>
+            <a:r>
+              <a:rPr lang="en-US" sz="1400" dirty="0"/>
+              <a:t>P(D|A) = 0.6</a:t>
+            </a:r>
+          </a:p>
+        </p:txBody>
+      </p:sp>
+      <p:sp>
+        <p:nvSpPr>
+          <p:cNvPr id="53" name="TextBox 52">
+            <a:extLst>
+              <a:ext uri="{FF2B5EF4-FFF2-40B4-BE49-F238E27FC236}">
+                <a16:creationId xmlns:a16="http://schemas.microsoft.com/office/drawing/2014/main" id="{CC938636-BD1C-96B2-1C35-E0A99E5C7E04}"/>
+              </a:ext>
+            </a:extLst>
+          </p:cNvPr>
+          <p:cNvSpPr txBox="1"/>
+          <p:nvPr/>
+        </p:nvSpPr>
+        <p:spPr>
+          <a:xfrm>
+            <a:off x="3055594" y="2834669"/>
+            <a:ext cx="427610" cy="369332"/>
+          </a:xfrm>
+          <a:prstGeom prst="rect">
+            <a:avLst/>
+          </a:prstGeom>
+          <a:noFill/>
+        </p:spPr>
+        <p:txBody>
+          <a:bodyPr wrap="square" rtlCol="0">
+            <a:spAutoFit/>
+          </a:bodyPr>
+          <a:lstStyle/>
+          <a:p>
+            <a:r>
+              <a:rPr lang="en-US" dirty="0"/>
+              <a:t>A</a:t>
+            </a:r>
+          </a:p>
+        </p:txBody>
+      </p:sp>
+      <p:cxnSp>
+        <p:nvCxnSpPr>
+          <p:cNvPr id="54" name="Straight Connector 53">
+            <a:extLst>
+              <a:ext uri="{FF2B5EF4-FFF2-40B4-BE49-F238E27FC236}">
+                <a16:creationId xmlns:a16="http://schemas.microsoft.com/office/drawing/2014/main" id="{C8B5FF0C-A1F6-9BF9-2ECC-C178A33F12D1}"/>
+              </a:ext>
+            </a:extLst>
+          </p:cNvPr>
+          <p:cNvCxnSpPr>
+            <a:cxnSpLocks/>
+          </p:cNvCxnSpPr>
+          <p:nvPr/>
+        </p:nvCxnSpPr>
+        <p:spPr>
+          <a:xfrm flipH="1">
+            <a:off x="3353013" y="4408823"/>
+            <a:ext cx="1386821" cy="0"/>
+          </a:xfrm>
+          <a:prstGeom prst="line">
+            <a:avLst/>
+          </a:prstGeom>
+          <a:ln w="57150">
+            <a:solidFill>
+              <a:schemeClr val="tx1"/>
+            </a:solidFill>
+          </a:ln>
+        </p:spPr>
+        <p:style>
+          <a:lnRef idx="1">
+            <a:schemeClr val="accent1"/>
+          </a:lnRef>
+          <a:fillRef idx="0">
+            <a:schemeClr val="accent1"/>
+          </a:fillRef>
+          <a:effectRef idx="0">
+            <a:schemeClr val="accent1"/>
+          </a:effectRef>
+          <a:fontRef idx="minor">
+            <a:schemeClr val="tx1"/>
+          </a:fontRef>
+        </p:style>
+      </p:cxnSp>
+      <p:sp>
+        <p:nvSpPr>
+          <p:cNvPr id="55" name="Triangle 54">
+            <a:extLst>
+              <a:ext uri="{FF2B5EF4-FFF2-40B4-BE49-F238E27FC236}">
+                <a16:creationId xmlns:a16="http://schemas.microsoft.com/office/drawing/2014/main" id="{54EF0CD9-751C-040E-2628-2A1FFCA75351}"/>
+              </a:ext>
+            </a:extLst>
+          </p:cNvPr>
+          <p:cNvSpPr/>
+          <p:nvPr/>
+        </p:nvSpPr>
+        <p:spPr>
+          <a:xfrm rot="16200000">
+            <a:off x="4623892" y="4200895"/>
+            <a:ext cx="432000" cy="432000"/>
+          </a:xfrm>
+          <a:prstGeom prst="triangle">
+            <a:avLst/>
+          </a:prstGeom>
+          <a:solidFill>
+            <a:srgbClr val="C00000"/>
+          </a:solidFill>
+          <a:ln>
+            <a:noFill/>
+          </a:ln>
+        </p:spPr>
+        <p:style>
+          <a:lnRef idx="2">
+            <a:schemeClr val="accent1">
+              <a:shade val="50000"/>
+            </a:schemeClr>
+          </a:lnRef>
+          <a:fillRef idx="1">
+            <a:schemeClr val="accent1"/>
+          </a:fillRef>
+          <a:effectRef idx="0">
+            <a:schemeClr val="accent1"/>
+          </a:effectRef>
+          <a:fontRef idx="minor">
+            <a:schemeClr val="lt1"/>
+          </a:fontRef>
+        </p:style>
+        <p:txBody>
+          <a:bodyPr rtlCol="0" anchor="ctr"/>
+          <a:lstStyle/>
+          <a:p>
+            <a:pPr algn="ctr"/>
+            <a:endParaRPr lang="en-US"/>
+          </a:p>
+        </p:txBody>
+      </p:sp>
+      <p:sp>
+        <p:nvSpPr>
+          <p:cNvPr id="58" name="TextBox 57">
+            <a:extLst>
+              <a:ext uri="{FF2B5EF4-FFF2-40B4-BE49-F238E27FC236}">
+                <a16:creationId xmlns:a16="http://schemas.microsoft.com/office/drawing/2014/main" id="{497B7727-6FAA-0CDF-B4AA-34FD674401C6}"/>
+              </a:ext>
+            </a:extLst>
+          </p:cNvPr>
+          <p:cNvSpPr txBox="1"/>
+          <p:nvPr/>
+        </p:nvSpPr>
+        <p:spPr>
+          <a:xfrm>
+            <a:off x="3058118" y="4234639"/>
+            <a:ext cx="427610" cy="369332"/>
+          </a:xfrm>
+          <a:prstGeom prst="rect">
+            <a:avLst/>
+          </a:prstGeom>
+          <a:noFill/>
+        </p:spPr>
+        <p:txBody>
+          <a:bodyPr wrap="square" rtlCol="0">
+            <a:spAutoFit/>
+          </a:bodyPr>
+          <a:lstStyle/>
+          <a:p>
+            <a:r>
+              <a:rPr lang="en-US" dirty="0"/>
+              <a:t>B</a:t>
+            </a:r>
+          </a:p>
+        </p:txBody>
+      </p:sp>
+      <p:sp>
+        <p:nvSpPr>
+          <p:cNvPr id="59" name="TextBox 58">
+            <a:extLst>
+              <a:ext uri="{FF2B5EF4-FFF2-40B4-BE49-F238E27FC236}">
+                <a16:creationId xmlns:a16="http://schemas.microsoft.com/office/drawing/2014/main" id="{AEB6B0DA-1939-B987-F71A-D9C0A50DD327}"/>
+              </a:ext>
+            </a:extLst>
+          </p:cNvPr>
+          <p:cNvSpPr txBox="1"/>
+          <p:nvPr/>
+        </p:nvSpPr>
+        <p:spPr>
+          <a:xfrm>
+            <a:off x="4309422" y="1972101"/>
+            <a:ext cx="1370134" cy="307777"/>
+          </a:xfrm>
+          <a:prstGeom prst="rect">
+            <a:avLst/>
+          </a:prstGeom>
+          <a:noFill/>
+        </p:spPr>
+        <p:txBody>
+          <a:bodyPr wrap="square" rtlCol="0">
+            <a:spAutoFit/>
+          </a:bodyPr>
+          <a:lstStyle/>
+          <a:p>
+            <a:r>
+              <a:rPr lang="en-US" sz="1400" dirty="0"/>
+              <a:t>P(C|A) = 0.4</a:t>
+            </a:r>
+          </a:p>
+        </p:txBody>
+      </p:sp>
+      <p:sp>
+        <p:nvSpPr>
+          <p:cNvPr id="62" name="TextBox 61">
+            <a:extLst>
+              <a:ext uri="{FF2B5EF4-FFF2-40B4-BE49-F238E27FC236}">
+                <a16:creationId xmlns:a16="http://schemas.microsoft.com/office/drawing/2014/main" id="{9296A84B-161F-6378-9125-9112DE593C45}"/>
+              </a:ext>
+            </a:extLst>
+          </p:cNvPr>
+          <p:cNvSpPr txBox="1"/>
+          <p:nvPr/>
+        </p:nvSpPr>
+        <p:spPr>
+          <a:xfrm>
+            <a:off x="7478287" y="1437300"/>
+            <a:ext cx="1440000" cy="369332"/>
+          </a:xfrm>
+          <a:prstGeom prst="rect">
+            <a:avLst/>
+          </a:prstGeom>
+          <a:noFill/>
+        </p:spPr>
+        <p:txBody>
+          <a:bodyPr wrap="square" rtlCol="0">
+            <a:spAutoFit/>
+          </a:bodyPr>
+          <a:lstStyle/>
+          <a:p>
+            <a:r>
+              <a:rPr lang="en-US" dirty="0"/>
+              <a:t>c(ACE)=$10</a:t>
+            </a:r>
+          </a:p>
+        </p:txBody>
+      </p:sp>
+      <p:sp>
+        <p:nvSpPr>
+          <p:cNvPr id="63" name="TextBox 62">
+            <a:extLst>
+              <a:ext uri="{FF2B5EF4-FFF2-40B4-BE49-F238E27FC236}">
+                <a16:creationId xmlns:a16="http://schemas.microsoft.com/office/drawing/2014/main" id="{B54F4629-3600-9375-2BB6-50F9B1BDAA11}"/>
+              </a:ext>
+            </a:extLst>
+          </p:cNvPr>
+          <p:cNvSpPr txBox="1"/>
+          <p:nvPr/>
+        </p:nvSpPr>
+        <p:spPr>
+          <a:xfrm>
+            <a:off x="7477440" y="2119158"/>
+            <a:ext cx="1440000" cy="369332"/>
+          </a:xfrm>
+          <a:prstGeom prst="rect">
+            <a:avLst/>
+          </a:prstGeom>
+          <a:noFill/>
+        </p:spPr>
+        <p:txBody>
+          <a:bodyPr wrap="square" rtlCol="0">
+            <a:spAutoFit/>
+          </a:bodyPr>
+          <a:lstStyle/>
+          <a:p>
+            <a:r>
+              <a:rPr lang="en-US" dirty="0"/>
+              <a:t>c(ACF)=$20</a:t>
+            </a:r>
+          </a:p>
+        </p:txBody>
+      </p:sp>
+      <p:sp>
+        <p:nvSpPr>
+          <p:cNvPr id="64" name="TextBox 63">
+            <a:extLst>
+              <a:ext uri="{FF2B5EF4-FFF2-40B4-BE49-F238E27FC236}">
+                <a16:creationId xmlns:a16="http://schemas.microsoft.com/office/drawing/2014/main" id="{EF180F35-4ABC-BC14-36FB-D0307B8A13A4}"/>
+              </a:ext>
+            </a:extLst>
+          </p:cNvPr>
+          <p:cNvSpPr txBox="1"/>
+          <p:nvPr/>
+        </p:nvSpPr>
+        <p:spPr>
+          <a:xfrm>
+            <a:off x="7431770" y="2780613"/>
+            <a:ext cx="1440000" cy="369332"/>
+          </a:xfrm>
+          <a:prstGeom prst="rect">
+            <a:avLst/>
+          </a:prstGeom>
+          <a:noFill/>
+        </p:spPr>
+        <p:txBody>
+          <a:bodyPr wrap="square" rtlCol="0">
+            <a:spAutoFit/>
+          </a:bodyPr>
+          <a:lstStyle/>
+          <a:p>
+            <a:r>
+              <a:rPr lang="en-US" dirty="0"/>
+              <a:t>c(ACG)=$40</a:t>
+            </a:r>
+          </a:p>
+        </p:txBody>
+      </p:sp>
+      <p:sp>
+        <p:nvSpPr>
+          <p:cNvPr id="65" name="TextBox 64">
+            <a:extLst>
+              <a:ext uri="{FF2B5EF4-FFF2-40B4-BE49-F238E27FC236}">
+                <a16:creationId xmlns:a16="http://schemas.microsoft.com/office/drawing/2014/main" id="{25360C64-87B2-88F8-6BB2-38BC7C195430}"/>
+              </a:ext>
+            </a:extLst>
+          </p:cNvPr>
+          <p:cNvSpPr txBox="1"/>
+          <p:nvPr/>
+        </p:nvSpPr>
+        <p:spPr>
+          <a:xfrm>
+            <a:off x="6077906" y="3506529"/>
+            <a:ext cx="1440000" cy="369332"/>
+          </a:xfrm>
+          <a:prstGeom prst="rect">
+            <a:avLst/>
+          </a:prstGeom>
+          <a:noFill/>
+        </p:spPr>
+        <p:txBody>
+          <a:bodyPr wrap="square" rtlCol="0">
+            <a:spAutoFit/>
+          </a:bodyPr>
+          <a:lstStyle/>
+          <a:p>
+            <a:r>
+              <a:rPr lang="en-US" dirty="0"/>
+              <a:t>c(AD)=$200</a:t>
+            </a:r>
+          </a:p>
+        </p:txBody>
+      </p:sp>
+      <p:sp>
+        <p:nvSpPr>
+          <p:cNvPr id="66" name="TextBox 65">
+            <a:extLst>
+              <a:ext uri="{FF2B5EF4-FFF2-40B4-BE49-F238E27FC236}">
+                <a16:creationId xmlns:a16="http://schemas.microsoft.com/office/drawing/2014/main" id="{39A2CA35-378A-ADDA-E70B-CFD4475BD2B1}"/>
+              </a:ext>
+            </a:extLst>
+          </p:cNvPr>
+          <p:cNvSpPr txBox="1"/>
+          <p:nvPr/>
+        </p:nvSpPr>
+        <p:spPr>
+          <a:xfrm>
+            <a:off x="5016585" y="4263563"/>
+            <a:ext cx="1440000" cy="369332"/>
+          </a:xfrm>
+          <a:prstGeom prst="rect">
+            <a:avLst/>
+          </a:prstGeom>
+          <a:noFill/>
+        </p:spPr>
+        <p:txBody>
+          <a:bodyPr wrap="square" rtlCol="0">
+            <a:spAutoFit/>
+          </a:bodyPr>
+          <a:lstStyle/>
+          <a:p>
+            <a:r>
+              <a:rPr lang="en-US" dirty="0"/>
+              <a:t>c(B)=$100</a:t>
+            </a:r>
+          </a:p>
+        </p:txBody>
+      </p:sp>
+      <p:sp>
+        <p:nvSpPr>
+          <p:cNvPr id="74" name="TextBox 73">
+            <a:extLst>
+              <a:ext uri="{FF2B5EF4-FFF2-40B4-BE49-F238E27FC236}">
+                <a16:creationId xmlns:a16="http://schemas.microsoft.com/office/drawing/2014/main" id="{C9B7F65E-A9F1-73CC-09E7-C6D1FF303FA3}"/>
+              </a:ext>
+            </a:extLst>
+          </p:cNvPr>
+          <p:cNvSpPr txBox="1"/>
+          <p:nvPr/>
+        </p:nvSpPr>
+        <p:spPr>
+          <a:xfrm>
+            <a:off x="4137245" y="2216708"/>
+            <a:ext cx="427610" cy="369332"/>
+          </a:xfrm>
+          <a:prstGeom prst="rect">
+            <a:avLst/>
+          </a:prstGeom>
+          <a:noFill/>
+        </p:spPr>
+        <p:txBody>
+          <a:bodyPr wrap="square" rtlCol="0">
+            <a:spAutoFit/>
+          </a:bodyPr>
+          <a:lstStyle/>
+          <a:p>
+            <a:r>
+              <a:rPr lang="en-US" dirty="0"/>
+              <a:t>C</a:t>
+            </a:r>
+          </a:p>
+        </p:txBody>
+      </p:sp>
+      <p:sp>
+        <p:nvSpPr>
+          <p:cNvPr id="76" name="TextBox 75">
+            <a:extLst>
+              <a:ext uri="{FF2B5EF4-FFF2-40B4-BE49-F238E27FC236}">
+                <a16:creationId xmlns:a16="http://schemas.microsoft.com/office/drawing/2014/main" id="{53F54E77-DA89-89EC-1E41-6D1E2B99E8E2}"/>
+              </a:ext>
+            </a:extLst>
+          </p:cNvPr>
+          <p:cNvSpPr txBox="1"/>
+          <p:nvPr/>
+        </p:nvSpPr>
+        <p:spPr>
+          <a:xfrm>
+            <a:off x="4167923" y="3525121"/>
+            <a:ext cx="427610" cy="369332"/>
+          </a:xfrm>
+          <a:prstGeom prst="rect">
+            <a:avLst/>
+          </a:prstGeom>
+          <a:noFill/>
+        </p:spPr>
+        <p:txBody>
+          <a:bodyPr wrap="square" rtlCol="0">
+            <a:spAutoFit/>
+          </a:bodyPr>
+          <a:lstStyle/>
+          <a:p>
+            <a:r>
+              <a:rPr lang="en-US" dirty="0"/>
+              <a:t>D</a:t>
+            </a:r>
+          </a:p>
+        </p:txBody>
+      </p:sp>
+      <p:sp>
+        <p:nvSpPr>
+          <p:cNvPr id="77" name="TextBox 76">
+            <a:extLst>
+              <a:ext uri="{FF2B5EF4-FFF2-40B4-BE49-F238E27FC236}">
+                <a16:creationId xmlns:a16="http://schemas.microsoft.com/office/drawing/2014/main" id="{113B6052-4DAD-7779-A763-2A1A10A5B305}"/>
+              </a:ext>
+            </a:extLst>
+          </p:cNvPr>
+          <p:cNvSpPr txBox="1"/>
+          <p:nvPr/>
+        </p:nvSpPr>
+        <p:spPr>
+          <a:xfrm>
+            <a:off x="5513543" y="1417449"/>
+            <a:ext cx="427610" cy="369332"/>
+          </a:xfrm>
+          <a:prstGeom prst="rect">
+            <a:avLst/>
+          </a:prstGeom>
+          <a:noFill/>
+        </p:spPr>
+        <p:txBody>
+          <a:bodyPr wrap="square" rtlCol="0">
+            <a:spAutoFit/>
+          </a:bodyPr>
+          <a:lstStyle/>
+          <a:p>
+            <a:r>
+              <a:rPr lang="en-US" dirty="0"/>
+              <a:t>E</a:t>
+            </a:r>
+          </a:p>
+        </p:txBody>
+      </p:sp>
+      <p:sp>
+        <p:nvSpPr>
+          <p:cNvPr id="78" name="TextBox 77">
+            <a:extLst>
+              <a:ext uri="{FF2B5EF4-FFF2-40B4-BE49-F238E27FC236}">
+                <a16:creationId xmlns:a16="http://schemas.microsoft.com/office/drawing/2014/main" id="{D8C3E010-124E-7967-102F-5AE61DB51C22}"/>
+              </a:ext>
+            </a:extLst>
+          </p:cNvPr>
+          <p:cNvSpPr txBox="1"/>
+          <p:nvPr/>
+        </p:nvSpPr>
+        <p:spPr>
+          <a:xfrm>
+            <a:off x="5732742" y="1946964"/>
+            <a:ext cx="427610" cy="369332"/>
+          </a:xfrm>
+          <a:prstGeom prst="rect">
+            <a:avLst/>
+          </a:prstGeom>
+          <a:noFill/>
+        </p:spPr>
+        <p:txBody>
+          <a:bodyPr wrap="square" rtlCol="0">
+            <a:spAutoFit/>
+          </a:bodyPr>
+          <a:lstStyle/>
+          <a:p>
+            <a:r>
+              <a:rPr lang="en-US" dirty="0"/>
+              <a:t>F</a:t>
+            </a:r>
+          </a:p>
+        </p:txBody>
+      </p:sp>
+      <p:sp>
+        <p:nvSpPr>
+          <p:cNvPr id="79" name="TextBox 78">
+            <a:extLst>
+              <a:ext uri="{FF2B5EF4-FFF2-40B4-BE49-F238E27FC236}">
+                <a16:creationId xmlns:a16="http://schemas.microsoft.com/office/drawing/2014/main" id="{AC9536D3-DE68-6BCC-0B08-CE9125901CBB}"/>
+              </a:ext>
+            </a:extLst>
+          </p:cNvPr>
+          <p:cNvSpPr txBox="1"/>
+          <p:nvPr/>
+        </p:nvSpPr>
+        <p:spPr>
+          <a:xfrm>
+            <a:off x="5528787" y="2849382"/>
+            <a:ext cx="427610" cy="369332"/>
+          </a:xfrm>
+          <a:prstGeom prst="rect">
+            <a:avLst/>
+          </a:prstGeom>
+          <a:noFill/>
+        </p:spPr>
+        <p:txBody>
+          <a:bodyPr wrap="square" rtlCol="0">
+            <a:spAutoFit/>
+          </a:bodyPr>
+          <a:lstStyle/>
+          <a:p>
+            <a:r>
+              <a:rPr lang="en-US" dirty="0"/>
+              <a:t>G</a:t>
+            </a:r>
+          </a:p>
+        </p:txBody>
+      </p:sp>
+    </p:spTree>
+    <p:extLst>
+      <p:ext uri="{BB962C8B-B14F-4D97-AF65-F5344CB8AC3E}">
+        <p14:creationId xmlns:p14="http://schemas.microsoft.com/office/powerpoint/2010/main" val="2309766482"/>
+      </p:ext>
+    </p:extLst>
+  </p:cSld>
+  <p:clrMapOvr>
+    <a:masterClrMapping/>
+  </p:clrMapOvr>
+</p:sld>
+</file>
+
+<file path=ppt/slides/slide6.xml><?xml version="1.0" encoding="utf-8"?>
+<p:sld xmlns:a="http://schemas.openxmlformats.org/drawingml/2006/main" xmlns:r="http://schemas.openxmlformats.org/officeDocument/2006/relationships" xmlns:p="http://schemas.openxmlformats.org/presentationml/2006/main">
+  <p:cSld>
+    <p:spTree>
+      <p:nvGrpSpPr>
+        <p:cNvPr id="1" name=""/>
+        <p:cNvGrpSpPr/>
+        <p:nvPr/>
+      </p:nvGrpSpPr>
+      <p:grpSpPr>
+        <a:xfrm>
+          <a:off x="0" y="0"/>
+          <a:ext cx="0" cy="0"/>
+          <a:chOff x="0" y="0"/>
+          <a:chExt cx="0" cy="0"/>
+        </a:xfrm>
+      </p:grpSpPr>
+      <p:cxnSp>
+        <p:nvCxnSpPr>
+          <p:cNvPr id="5" name="Straight Connector 4">
+            <a:extLst>
+              <a:ext uri="{FF2B5EF4-FFF2-40B4-BE49-F238E27FC236}">
+                <a16:creationId xmlns:a16="http://schemas.microsoft.com/office/drawing/2014/main" id="{63B29709-3BE6-7116-C96E-88917BE17E5C}"/>
+              </a:ext>
+            </a:extLst>
+          </p:cNvPr>
+          <p:cNvCxnSpPr>
+            <a:cxnSpLocks/>
+          </p:cNvCxnSpPr>
+          <p:nvPr/>
+        </p:nvCxnSpPr>
+        <p:spPr>
+          <a:xfrm flipH="1">
+            <a:off x="5597761" y="1591189"/>
+            <a:ext cx="216000" cy="720000"/>
+          </a:xfrm>
+          <a:prstGeom prst="line">
+            <a:avLst/>
+          </a:prstGeom>
+          <a:ln w="57150">
+            <a:solidFill>
+              <a:schemeClr val="tx1"/>
+            </a:solidFill>
+          </a:ln>
+        </p:spPr>
+        <p:style>
+          <a:lnRef idx="1">
+            <a:schemeClr val="accent1"/>
+          </a:lnRef>
+          <a:fillRef idx="0">
+            <a:schemeClr val="accent1"/>
+          </a:fillRef>
+          <a:effectRef idx="0">
+            <a:schemeClr val="accent1"/>
+          </a:effectRef>
+          <a:fontRef idx="minor">
+            <a:schemeClr val="tx1"/>
+          </a:fontRef>
+        </p:style>
+      </p:cxnSp>
+      <p:cxnSp>
+        <p:nvCxnSpPr>
+          <p:cNvPr id="7" name="Straight Connector 6">
+            <a:extLst>
+              <a:ext uri="{FF2B5EF4-FFF2-40B4-BE49-F238E27FC236}">
+                <a16:creationId xmlns:a16="http://schemas.microsoft.com/office/drawing/2014/main" id="{993343DA-9D93-26CE-C64D-8EB21CC5B02E}"/>
+              </a:ext>
+            </a:extLst>
+          </p:cNvPr>
+          <p:cNvCxnSpPr>
+            <a:cxnSpLocks/>
+          </p:cNvCxnSpPr>
+          <p:nvPr/>
+        </p:nvCxnSpPr>
+        <p:spPr>
+          <a:xfrm>
+            <a:off x="5597761" y="2290225"/>
+            <a:ext cx="216000" cy="720000"/>
+          </a:xfrm>
+          <a:prstGeom prst="line">
+            <a:avLst/>
+          </a:prstGeom>
+          <a:ln w="57150">
+            <a:solidFill>
+              <a:schemeClr val="tx1"/>
+            </a:solidFill>
+          </a:ln>
+        </p:spPr>
+        <p:style>
+          <a:lnRef idx="1">
+            <a:schemeClr val="accent1"/>
+          </a:lnRef>
+          <a:fillRef idx="0">
+            <a:schemeClr val="accent1"/>
+          </a:fillRef>
+          <a:effectRef idx="0">
+            <a:schemeClr val="accent1"/>
+          </a:effectRef>
+          <a:fontRef idx="minor">
+            <a:schemeClr val="tx1"/>
+          </a:fontRef>
+        </p:style>
+      </p:cxnSp>
+      <p:cxnSp>
+        <p:nvCxnSpPr>
+          <p:cNvPr id="10" name="Straight Connector 9">
+            <a:extLst>
+              <a:ext uri="{FF2B5EF4-FFF2-40B4-BE49-F238E27FC236}">
+                <a16:creationId xmlns:a16="http://schemas.microsoft.com/office/drawing/2014/main" id="{DBB73E9E-F60B-46B1-2E44-3A776C09F9FA}"/>
+              </a:ext>
+            </a:extLst>
+          </p:cNvPr>
+          <p:cNvCxnSpPr>
+            <a:cxnSpLocks/>
+            <a:endCxn id="4" idx="6"/>
+          </p:cNvCxnSpPr>
+          <p:nvPr/>
+        </p:nvCxnSpPr>
+        <p:spPr>
+          <a:xfrm flipH="1">
+            <a:off x="5813761" y="2293706"/>
+            <a:ext cx="1448527" cy="0"/>
+          </a:xfrm>
+          <a:prstGeom prst="line">
+            <a:avLst/>
+          </a:prstGeom>
+          <a:ln w="57150">
+            <a:solidFill>
+              <a:schemeClr val="tx1"/>
+            </a:solidFill>
+          </a:ln>
+        </p:spPr>
+        <p:style>
+          <a:lnRef idx="1">
+            <a:schemeClr val="accent1"/>
+          </a:lnRef>
+          <a:fillRef idx="0">
+            <a:schemeClr val="accent1"/>
+          </a:fillRef>
+          <a:effectRef idx="0">
+            <a:schemeClr val="accent1"/>
+          </a:effectRef>
+          <a:fontRef idx="minor">
+            <a:schemeClr val="tx1"/>
+          </a:fontRef>
+        </p:style>
+      </p:cxnSp>
+      <p:cxnSp>
+        <p:nvCxnSpPr>
+          <p:cNvPr id="15" name="Straight Connector 14">
+            <a:extLst>
+              <a:ext uri="{FF2B5EF4-FFF2-40B4-BE49-F238E27FC236}">
+                <a16:creationId xmlns:a16="http://schemas.microsoft.com/office/drawing/2014/main" id="{550B41AE-3610-6DDF-D2E5-F0E8764D3332}"/>
+              </a:ext>
+            </a:extLst>
+          </p:cNvPr>
+          <p:cNvCxnSpPr>
+            <a:cxnSpLocks/>
+          </p:cNvCxnSpPr>
+          <p:nvPr/>
+        </p:nvCxnSpPr>
+        <p:spPr>
+          <a:xfrm flipH="1" flipV="1">
+            <a:off x="5813761" y="1613973"/>
+            <a:ext cx="1328589" cy="7512"/>
+          </a:xfrm>
+          <a:prstGeom prst="line">
+            <a:avLst/>
+          </a:prstGeom>
+          <a:ln w="57150">
+            <a:solidFill>
+              <a:schemeClr val="tx1"/>
+            </a:solidFill>
+          </a:ln>
+        </p:spPr>
+        <p:style>
+          <a:lnRef idx="1">
+            <a:schemeClr val="accent1"/>
+          </a:lnRef>
+          <a:fillRef idx="0">
+            <a:schemeClr val="accent1"/>
+          </a:fillRef>
+          <a:effectRef idx="0">
+            <a:schemeClr val="accent1"/>
+          </a:effectRef>
+          <a:fontRef idx="minor">
+            <a:schemeClr val="tx1"/>
+          </a:fontRef>
+        </p:style>
+      </p:cxnSp>
+      <p:cxnSp>
+        <p:nvCxnSpPr>
+          <p:cNvPr id="17" name="Straight Connector 16">
+            <a:extLst>
+              <a:ext uri="{FF2B5EF4-FFF2-40B4-BE49-F238E27FC236}">
+                <a16:creationId xmlns:a16="http://schemas.microsoft.com/office/drawing/2014/main" id="{393F6A59-1A0F-BC3A-7523-7C08582C158C}"/>
+              </a:ext>
+            </a:extLst>
+          </p:cNvPr>
+          <p:cNvCxnSpPr>
+            <a:cxnSpLocks/>
+          </p:cNvCxnSpPr>
+          <p:nvPr/>
+        </p:nvCxnSpPr>
+        <p:spPr>
+          <a:xfrm flipH="1">
+            <a:off x="5787639" y="2979929"/>
+            <a:ext cx="1354711" cy="418"/>
+          </a:xfrm>
+          <a:prstGeom prst="line">
+            <a:avLst/>
+          </a:prstGeom>
+          <a:ln w="57150">
+            <a:solidFill>
+              <a:schemeClr val="tx1"/>
+            </a:solidFill>
+          </a:ln>
+        </p:spPr>
+        <p:style>
+          <a:lnRef idx="1">
+            <a:schemeClr val="accent1"/>
+          </a:lnRef>
+          <a:fillRef idx="0">
+            <a:schemeClr val="accent1"/>
+          </a:fillRef>
+          <a:effectRef idx="0">
+            <a:schemeClr val="accent1"/>
+          </a:effectRef>
+          <a:fontRef idx="minor">
+            <a:schemeClr val="tx1"/>
+          </a:fontRef>
+        </p:style>
+      </p:cxnSp>
+      <p:sp>
+        <p:nvSpPr>
+          <p:cNvPr id="18" name="TextBox 17">
+            <a:extLst>
+              <a:ext uri="{FF2B5EF4-FFF2-40B4-BE49-F238E27FC236}">
+                <a16:creationId xmlns:a16="http://schemas.microsoft.com/office/drawing/2014/main" id="{96041ABA-C2CD-538E-EEF0-6C98DDC99B5B}"/>
+              </a:ext>
+            </a:extLst>
+          </p:cNvPr>
+          <p:cNvSpPr txBox="1"/>
+          <p:nvPr/>
+        </p:nvSpPr>
+        <p:spPr>
+          <a:xfrm>
+            <a:off x="5740730" y="1304413"/>
+            <a:ext cx="1448527" cy="307777"/>
+          </a:xfrm>
+          <a:prstGeom prst="rect">
+            <a:avLst/>
+          </a:prstGeom>
+          <a:noFill/>
+        </p:spPr>
+        <p:txBody>
+          <a:bodyPr wrap="square" rtlCol="0">
+            <a:spAutoFit/>
+          </a:bodyPr>
+          <a:lstStyle/>
+          <a:p>
+            <a:r>
+              <a:rPr lang="en-US" sz="1400" dirty="0"/>
+              <a:t>P(E|AC) = 0.2</a:t>
+            </a:r>
+          </a:p>
+        </p:txBody>
+      </p:sp>
+      <p:sp>
+        <p:nvSpPr>
+          <p:cNvPr id="23" name="TextBox 22">
+            <a:extLst>
+              <a:ext uri="{FF2B5EF4-FFF2-40B4-BE49-F238E27FC236}">
+                <a16:creationId xmlns:a16="http://schemas.microsoft.com/office/drawing/2014/main" id="{6A020D0D-A0D7-B0B1-CBDF-C7D17919B19D}"/>
+              </a:ext>
+            </a:extLst>
+          </p:cNvPr>
+          <p:cNvSpPr txBox="1"/>
+          <p:nvPr/>
+        </p:nvSpPr>
+        <p:spPr>
+          <a:xfrm>
+            <a:off x="5763903" y="1978426"/>
+            <a:ext cx="1184864" cy="307777"/>
+          </a:xfrm>
+          <a:prstGeom prst="rect">
+            <a:avLst/>
+          </a:prstGeom>
+          <a:noFill/>
+        </p:spPr>
+        <p:txBody>
+          <a:bodyPr wrap="square" rtlCol="0">
+            <a:spAutoFit/>
+          </a:bodyPr>
+          <a:lstStyle/>
+          <a:p>
+            <a:r>
+              <a:rPr lang="en-US" sz="1400" dirty="0"/>
+              <a:t>P(F|AC) = 0.7</a:t>
+            </a:r>
+          </a:p>
+        </p:txBody>
+      </p:sp>
+      <p:sp>
+        <p:nvSpPr>
+          <p:cNvPr id="24" name="TextBox 23">
+            <a:extLst>
+              <a:ext uri="{FF2B5EF4-FFF2-40B4-BE49-F238E27FC236}">
+                <a16:creationId xmlns:a16="http://schemas.microsoft.com/office/drawing/2014/main" id="{DC7D80D2-68F2-9E07-88E8-C97C4B56DCC6}"/>
+              </a:ext>
+            </a:extLst>
+          </p:cNvPr>
+          <p:cNvSpPr txBox="1"/>
+          <p:nvPr/>
+        </p:nvSpPr>
+        <p:spPr>
+          <a:xfrm>
+            <a:off x="5787639" y="2664648"/>
+            <a:ext cx="1184864" cy="307777"/>
+          </a:xfrm>
+          <a:prstGeom prst="rect">
+            <a:avLst/>
+          </a:prstGeom>
+          <a:noFill/>
+        </p:spPr>
+        <p:txBody>
+          <a:bodyPr wrap="square" rtlCol="0">
+            <a:spAutoFit/>
+          </a:bodyPr>
+          <a:lstStyle/>
+          <a:p>
+            <a:r>
+              <a:rPr lang="en-US" sz="1400" dirty="0"/>
+              <a:t>P(G|AC) = 0.1</a:t>
+            </a:r>
+          </a:p>
+        </p:txBody>
+      </p:sp>
+      <p:cxnSp>
+        <p:nvCxnSpPr>
+          <p:cNvPr id="25" name="Straight Connector 24">
+            <a:extLst>
+              <a:ext uri="{FF2B5EF4-FFF2-40B4-BE49-F238E27FC236}">
+                <a16:creationId xmlns:a16="http://schemas.microsoft.com/office/drawing/2014/main" id="{3C22B92C-9BB9-39FF-A55B-C5C3501FA2B8}"/>
+              </a:ext>
+            </a:extLst>
+          </p:cNvPr>
+          <p:cNvCxnSpPr>
+            <a:cxnSpLocks/>
+            <a:stCxn id="4" idx="2"/>
+          </p:cNvCxnSpPr>
+          <p:nvPr/>
+        </p:nvCxnSpPr>
+        <p:spPr>
+          <a:xfrm flipH="1" flipV="1">
+            <a:off x="4478989" y="2290224"/>
+            <a:ext cx="902772" cy="3482"/>
+          </a:xfrm>
+          <a:prstGeom prst="line">
+            <a:avLst/>
+          </a:prstGeom>
+          <a:ln w="57150">
+            <a:solidFill>
+              <a:schemeClr val="tx1"/>
+            </a:solidFill>
+          </a:ln>
+        </p:spPr>
+        <p:style>
+          <a:lnRef idx="1">
+            <a:schemeClr val="accent1"/>
+          </a:lnRef>
+          <a:fillRef idx="0">
+            <a:schemeClr val="accent1"/>
+          </a:fillRef>
+          <a:effectRef idx="0">
+            <a:schemeClr val="accent1"/>
+          </a:effectRef>
+          <a:fontRef idx="minor">
+            <a:schemeClr val="tx1"/>
+          </a:fontRef>
+        </p:style>
+      </p:cxnSp>
+      <p:sp>
+        <p:nvSpPr>
+          <p:cNvPr id="31" name="Triangle 30">
+            <a:extLst>
+              <a:ext uri="{FF2B5EF4-FFF2-40B4-BE49-F238E27FC236}">
+                <a16:creationId xmlns:a16="http://schemas.microsoft.com/office/drawing/2014/main" id="{D7FDF5FC-28B8-7D75-7DD9-E46D9EFFDCA7}"/>
+              </a:ext>
+            </a:extLst>
+          </p:cNvPr>
+          <p:cNvSpPr/>
+          <p:nvPr/>
+        </p:nvSpPr>
+        <p:spPr>
+          <a:xfrm rot="16200000">
+            <a:off x="7046288" y="1405485"/>
+            <a:ext cx="432000" cy="432000"/>
+          </a:xfrm>
+          <a:prstGeom prst="triangle">
+            <a:avLst/>
+          </a:prstGeom>
+          <a:solidFill>
+            <a:srgbClr val="C00000"/>
+          </a:solidFill>
+          <a:ln>
+            <a:noFill/>
+          </a:ln>
+        </p:spPr>
+        <p:style>
+          <a:lnRef idx="2">
+            <a:schemeClr val="accent1">
+              <a:shade val="50000"/>
+            </a:schemeClr>
+          </a:lnRef>
+          <a:fillRef idx="1">
+            <a:schemeClr val="accent1"/>
+          </a:fillRef>
+          <a:effectRef idx="0">
+            <a:schemeClr val="accent1"/>
+          </a:effectRef>
+          <a:fontRef idx="minor">
+            <a:schemeClr val="lt1"/>
+          </a:fontRef>
+        </p:style>
+        <p:txBody>
+          <a:bodyPr rtlCol="0" anchor="ctr"/>
+          <a:lstStyle/>
+          <a:p>
+            <a:pPr algn="ctr"/>
+            <a:endParaRPr lang="en-US"/>
+          </a:p>
+        </p:txBody>
+      </p:sp>
+      <p:sp>
+        <p:nvSpPr>
+          <p:cNvPr id="4" name="Oval 3">
+            <a:extLst>
+              <a:ext uri="{FF2B5EF4-FFF2-40B4-BE49-F238E27FC236}">
+                <a16:creationId xmlns:a16="http://schemas.microsoft.com/office/drawing/2014/main" id="{0AEFF8DC-6AA8-E2AF-559A-CF6DFEB8D823}"/>
+              </a:ext>
+            </a:extLst>
+          </p:cNvPr>
+          <p:cNvSpPr/>
+          <p:nvPr/>
+        </p:nvSpPr>
+        <p:spPr>
+          <a:xfrm>
+            <a:off x="5381761" y="2077706"/>
+            <a:ext cx="432000" cy="432000"/>
+          </a:xfrm>
+          <a:prstGeom prst="ellipse">
+            <a:avLst/>
+          </a:prstGeom>
+          <a:solidFill>
+            <a:srgbClr val="00730A"/>
+          </a:solidFill>
+          <a:ln>
+            <a:noFill/>
+          </a:ln>
+        </p:spPr>
+        <p:style>
+          <a:lnRef idx="2">
+            <a:schemeClr val="accent1">
+              <a:shade val="50000"/>
+            </a:schemeClr>
+          </a:lnRef>
+          <a:fillRef idx="1">
+            <a:schemeClr val="accent1"/>
+          </a:fillRef>
+          <a:effectRef idx="0">
+            <a:schemeClr val="accent1"/>
+          </a:effectRef>
+          <a:fontRef idx="minor">
+            <a:schemeClr val="lt1"/>
+          </a:fontRef>
+        </p:style>
+        <p:txBody>
+          <a:bodyPr rtlCol="0" anchor="ctr"/>
+          <a:lstStyle/>
+          <a:p>
+            <a:pPr algn="ctr"/>
+            <a:endParaRPr lang="en-US"/>
+          </a:p>
+        </p:txBody>
+      </p:sp>
+      <p:sp>
+        <p:nvSpPr>
+          <p:cNvPr id="38" name="Triangle 37">
+            <a:extLst>
+              <a:ext uri="{FF2B5EF4-FFF2-40B4-BE49-F238E27FC236}">
+                <a16:creationId xmlns:a16="http://schemas.microsoft.com/office/drawing/2014/main" id="{7A6E0CB4-D251-9E4F-B244-0BFD5A1ED493}"/>
+              </a:ext>
+            </a:extLst>
+          </p:cNvPr>
+          <p:cNvSpPr/>
+          <p:nvPr/>
+        </p:nvSpPr>
+        <p:spPr>
+          <a:xfrm rot="16200000">
+            <a:off x="7046288" y="2074225"/>
+            <a:ext cx="432000" cy="432000"/>
+          </a:xfrm>
+          <a:prstGeom prst="triangle">
+            <a:avLst/>
+          </a:prstGeom>
+          <a:solidFill>
+            <a:srgbClr val="C00000"/>
+          </a:solidFill>
+          <a:ln>
+            <a:noFill/>
+          </a:ln>
+        </p:spPr>
+        <p:style>
+          <a:lnRef idx="2">
+            <a:schemeClr val="accent1">
+              <a:shade val="50000"/>
+            </a:schemeClr>
+          </a:lnRef>
+          <a:fillRef idx="1">
+            <a:schemeClr val="accent1"/>
+          </a:fillRef>
+          <a:effectRef idx="0">
+            <a:schemeClr val="accent1"/>
+          </a:effectRef>
+          <a:fontRef idx="minor">
+            <a:schemeClr val="lt1"/>
+          </a:fontRef>
+        </p:style>
+        <p:txBody>
+          <a:bodyPr rtlCol="0" anchor="ctr"/>
+          <a:lstStyle/>
+          <a:p>
+            <a:pPr algn="ctr"/>
+            <a:endParaRPr lang="en-US"/>
+          </a:p>
+        </p:txBody>
+      </p:sp>
+      <p:sp>
+        <p:nvSpPr>
+          <p:cNvPr id="39" name="Triangle 38">
+            <a:extLst>
+              <a:ext uri="{FF2B5EF4-FFF2-40B4-BE49-F238E27FC236}">
+                <a16:creationId xmlns:a16="http://schemas.microsoft.com/office/drawing/2014/main" id="{449B3CB1-DD73-F26C-5A8F-5528EA1CBC5D}"/>
+              </a:ext>
+            </a:extLst>
+          </p:cNvPr>
+          <p:cNvSpPr/>
+          <p:nvPr/>
+        </p:nvSpPr>
+        <p:spPr>
+          <a:xfrm rot="16200000">
+            <a:off x="7046288" y="2772001"/>
+            <a:ext cx="432000" cy="432000"/>
+          </a:xfrm>
+          <a:prstGeom prst="triangle">
+            <a:avLst/>
+          </a:prstGeom>
+          <a:solidFill>
+            <a:srgbClr val="C00000"/>
+          </a:solidFill>
+          <a:ln>
+            <a:noFill/>
+          </a:ln>
+        </p:spPr>
+        <p:style>
+          <a:lnRef idx="2">
+            <a:schemeClr val="accent1">
+              <a:shade val="50000"/>
+            </a:schemeClr>
+          </a:lnRef>
+          <a:fillRef idx="1">
+            <a:schemeClr val="accent1"/>
+          </a:fillRef>
+          <a:effectRef idx="0">
+            <a:schemeClr val="accent1"/>
+          </a:effectRef>
+          <a:fontRef idx="minor">
+            <a:schemeClr val="lt1"/>
+          </a:fontRef>
+        </p:style>
+        <p:txBody>
+          <a:bodyPr rtlCol="0" anchor="ctr"/>
+          <a:lstStyle/>
+          <a:p>
+            <a:pPr algn="ctr"/>
+            <a:endParaRPr lang="en-US"/>
+          </a:p>
+        </p:txBody>
+      </p:sp>
+      <p:cxnSp>
+        <p:nvCxnSpPr>
+          <p:cNvPr id="41" name="Straight Connector 40">
+            <a:extLst>
+              <a:ext uri="{FF2B5EF4-FFF2-40B4-BE49-F238E27FC236}">
+                <a16:creationId xmlns:a16="http://schemas.microsoft.com/office/drawing/2014/main" id="{D15DAFD3-C9F7-6494-601C-7659ABBF1039}"/>
+              </a:ext>
+            </a:extLst>
+          </p:cNvPr>
+          <p:cNvCxnSpPr>
+            <a:cxnSpLocks/>
+          </p:cNvCxnSpPr>
+          <p:nvPr/>
+        </p:nvCxnSpPr>
+        <p:spPr>
+          <a:xfrm flipH="1">
+            <a:off x="4265502" y="2277412"/>
+            <a:ext cx="216000" cy="720000"/>
+          </a:xfrm>
+          <a:prstGeom prst="line">
+            <a:avLst/>
+          </a:prstGeom>
+          <a:ln w="57150">
+            <a:solidFill>
+              <a:schemeClr val="tx1"/>
+            </a:solidFill>
+          </a:ln>
+        </p:spPr>
+        <p:style>
+          <a:lnRef idx="1">
+            <a:schemeClr val="accent1"/>
+          </a:lnRef>
+          <a:fillRef idx="0">
+            <a:schemeClr val="accent1"/>
+          </a:fillRef>
+          <a:effectRef idx="0">
+            <a:schemeClr val="accent1"/>
+          </a:effectRef>
+          <a:fontRef idx="minor">
+            <a:schemeClr val="tx1"/>
+          </a:fontRef>
+        </p:style>
+      </p:cxnSp>
+      <p:cxnSp>
+        <p:nvCxnSpPr>
+          <p:cNvPr id="42" name="Straight Connector 41">
+            <a:extLst>
+              <a:ext uri="{FF2B5EF4-FFF2-40B4-BE49-F238E27FC236}">
+                <a16:creationId xmlns:a16="http://schemas.microsoft.com/office/drawing/2014/main" id="{E6B42C46-69ED-6C9C-C3C0-677DA8763518}"/>
+              </a:ext>
+            </a:extLst>
+          </p:cNvPr>
+          <p:cNvCxnSpPr>
+            <a:cxnSpLocks/>
+          </p:cNvCxnSpPr>
+          <p:nvPr/>
+        </p:nvCxnSpPr>
+        <p:spPr>
+          <a:xfrm>
+            <a:off x="4265502" y="2976448"/>
+            <a:ext cx="216000" cy="720000"/>
+          </a:xfrm>
+          <a:prstGeom prst="line">
+            <a:avLst/>
+          </a:prstGeom>
+          <a:ln w="57150">
+            <a:solidFill>
+              <a:schemeClr val="tx1"/>
+            </a:solidFill>
+          </a:ln>
+        </p:spPr>
+        <p:style>
+          <a:lnRef idx="1">
+            <a:schemeClr val="accent1"/>
+          </a:lnRef>
+          <a:fillRef idx="0">
+            <a:schemeClr val="accent1"/>
+          </a:fillRef>
+          <a:effectRef idx="0">
+            <a:schemeClr val="accent1"/>
+          </a:effectRef>
+          <a:fontRef idx="minor">
+            <a:schemeClr val="tx1"/>
+          </a:fontRef>
+        </p:style>
+      </p:cxnSp>
+      <p:sp>
+        <p:nvSpPr>
+          <p:cNvPr id="43" name="Oval 42">
+            <a:extLst>
+              <a:ext uri="{FF2B5EF4-FFF2-40B4-BE49-F238E27FC236}">
+                <a16:creationId xmlns:a16="http://schemas.microsoft.com/office/drawing/2014/main" id="{11B6612D-8547-708B-3B4D-85FA82633D78}"/>
+              </a:ext>
+            </a:extLst>
+          </p:cNvPr>
+          <p:cNvSpPr/>
+          <p:nvPr/>
+        </p:nvSpPr>
+        <p:spPr>
+          <a:xfrm>
+            <a:off x="4049502" y="2763929"/>
+            <a:ext cx="432000" cy="432000"/>
+          </a:xfrm>
+          <a:prstGeom prst="ellipse">
+            <a:avLst/>
+          </a:prstGeom>
+          <a:solidFill>
+            <a:srgbClr val="00730A"/>
+          </a:solidFill>
+          <a:ln>
+            <a:noFill/>
+          </a:ln>
+        </p:spPr>
+        <p:style>
+          <a:lnRef idx="2">
+            <a:schemeClr val="accent1">
+              <a:shade val="50000"/>
+            </a:schemeClr>
+          </a:lnRef>
+          <a:fillRef idx="1">
+            <a:schemeClr val="accent1"/>
+          </a:fillRef>
+          <a:effectRef idx="0">
+            <a:schemeClr val="accent1"/>
+          </a:effectRef>
+          <a:fontRef idx="minor">
+            <a:schemeClr val="lt1"/>
+          </a:fontRef>
+        </p:style>
+        <p:txBody>
+          <a:bodyPr rtlCol="0" anchor="ctr"/>
+          <a:lstStyle/>
+          <a:p>
+            <a:pPr algn="ctr"/>
+            <a:endParaRPr lang="en-US"/>
+          </a:p>
+        </p:txBody>
+      </p:sp>
+      <p:cxnSp>
+        <p:nvCxnSpPr>
+          <p:cNvPr id="44" name="Straight Connector 43">
+            <a:extLst>
+              <a:ext uri="{FF2B5EF4-FFF2-40B4-BE49-F238E27FC236}">
+                <a16:creationId xmlns:a16="http://schemas.microsoft.com/office/drawing/2014/main" id="{A7CEC066-70E1-8242-D15D-9D994FC218CE}"/>
+              </a:ext>
+            </a:extLst>
+          </p:cNvPr>
+          <p:cNvCxnSpPr>
+            <a:cxnSpLocks/>
+          </p:cNvCxnSpPr>
+          <p:nvPr/>
+        </p:nvCxnSpPr>
+        <p:spPr>
+          <a:xfrm flipH="1">
+            <a:off x="3365243" y="2991482"/>
+            <a:ext cx="689846" cy="0"/>
+          </a:xfrm>
+          <a:prstGeom prst="line">
+            <a:avLst/>
+          </a:prstGeom>
+          <a:ln w="57150">
+            <a:solidFill>
+              <a:schemeClr val="tx1"/>
+            </a:solidFill>
+          </a:ln>
+        </p:spPr>
+        <p:style>
+          <a:lnRef idx="1">
+            <a:schemeClr val="accent1"/>
+          </a:lnRef>
+          <a:fillRef idx="0">
+            <a:schemeClr val="accent1"/>
+          </a:fillRef>
+          <a:effectRef idx="0">
+            <a:schemeClr val="accent1"/>
+          </a:effectRef>
+          <a:fontRef idx="minor">
+            <a:schemeClr val="tx1"/>
+          </a:fontRef>
+        </p:style>
+      </p:cxnSp>
+      <p:cxnSp>
+        <p:nvCxnSpPr>
+          <p:cNvPr id="47" name="Straight Connector 46">
+            <a:extLst>
+              <a:ext uri="{FF2B5EF4-FFF2-40B4-BE49-F238E27FC236}">
+                <a16:creationId xmlns:a16="http://schemas.microsoft.com/office/drawing/2014/main" id="{68AFC96B-9D5C-3513-ED81-CC26CE64F7E0}"/>
+              </a:ext>
+            </a:extLst>
+          </p:cNvPr>
+          <p:cNvCxnSpPr>
+            <a:cxnSpLocks/>
+          </p:cNvCxnSpPr>
+          <p:nvPr/>
+        </p:nvCxnSpPr>
+        <p:spPr>
+          <a:xfrm flipH="1">
+            <a:off x="3167373" y="2990635"/>
+            <a:ext cx="216000" cy="720000"/>
+          </a:xfrm>
+          <a:prstGeom prst="line">
+            <a:avLst/>
+          </a:prstGeom>
+          <a:ln w="57150">
+            <a:solidFill>
+              <a:schemeClr val="tx1"/>
+            </a:solidFill>
+          </a:ln>
+        </p:spPr>
+        <p:style>
+          <a:lnRef idx="1">
+            <a:schemeClr val="accent1"/>
+          </a:lnRef>
+          <a:fillRef idx="0">
+            <a:schemeClr val="accent1"/>
+          </a:fillRef>
+          <a:effectRef idx="0">
+            <a:schemeClr val="accent1"/>
+          </a:effectRef>
+          <a:fontRef idx="minor">
+            <a:schemeClr val="tx1"/>
+          </a:fontRef>
+        </p:style>
+      </p:cxnSp>
+      <p:cxnSp>
+        <p:nvCxnSpPr>
+          <p:cNvPr id="48" name="Straight Connector 47">
+            <a:extLst>
+              <a:ext uri="{FF2B5EF4-FFF2-40B4-BE49-F238E27FC236}">
+                <a16:creationId xmlns:a16="http://schemas.microsoft.com/office/drawing/2014/main" id="{74ED4BB5-16B2-1A09-2FB2-23DC2EE21EAE}"/>
+              </a:ext>
+            </a:extLst>
+          </p:cNvPr>
+          <p:cNvCxnSpPr>
+            <a:cxnSpLocks/>
+          </p:cNvCxnSpPr>
+          <p:nvPr/>
+        </p:nvCxnSpPr>
+        <p:spPr>
+          <a:xfrm>
+            <a:off x="3167373" y="3689671"/>
+            <a:ext cx="216000" cy="720000"/>
+          </a:xfrm>
+          <a:prstGeom prst="line">
+            <a:avLst/>
+          </a:prstGeom>
+          <a:ln w="57150">
+            <a:solidFill>
+              <a:schemeClr val="tx1"/>
+            </a:solidFill>
+          </a:ln>
+        </p:spPr>
+        <p:style>
+          <a:lnRef idx="1">
+            <a:schemeClr val="accent1"/>
+          </a:lnRef>
+          <a:fillRef idx="0">
+            <a:schemeClr val="accent1"/>
+          </a:fillRef>
+          <a:effectRef idx="0">
+            <a:schemeClr val="accent1"/>
+          </a:effectRef>
+          <a:fontRef idx="minor">
+            <a:schemeClr val="tx1"/>
+          </a:fontRef>
+        </p:style>
+      </p:cxnSp>
+      <p:sp>
+        <p:nvSpPr>
+          <p:cNvPr id="46" name="Rectangle 45">
+            <a:extLst>
+              <a:ext uri="{FF2B5EF4-FFF2-40B4-BE49-F238E27FC236}">
+                <a16:creationId xmlns:a16="http://schemas.microsoft.com/office/drawing/2014/main" id="{E23698C7-6B6D-FE49-BE47-23279347B6BA}"/>
+              </a:ext>
+            </a:extLst>
+          </p:cNvPr>
+          <p:cNvSpPr/>
+          <p:nvPr/>
+        </p:nvSpPr>
+        <p:spPr>
+          <a:xfrm>
+            <a:off x="2719264" y="3494635"/>
+            <a:ext cx="432000" cy="432000"/>
+          </a:xfrm>
+          <a:prstGeom prst="rect">
+            <a:avLst/>
+          </a:prstGeom>
+          <a:solidFill>
+            <a:srgbClr val="002060"/>
+          </a:solidFill>
+          <a:ln>
+            <a:noFill/>
+          </a:ln>
+        </p:spPr>
+        <p:style>
+          <a:lnRef idx="2">
+            <a:schemeClr val="accent1">
+              <a:shade val="50000"/>
+            </a:schemeClr>
+          </a:lnRef>
+          <a:fillRef idx="1">
+            <a:schemeClr val="accent1"/>
+          </a:fillRef>
+          <a:effectRef idx="0">
+            <a:schemeClr val="accent1"/>
+          </a:effectRef>
+          <a:fontRef idx="minor">
+            <a:schemeClr val="lt1"/>
+          </a:fontRef>
+        </p:style>
+        <p:txBody>
+          <a:bodyPr rtlCol="0" anchor="ctr"/>
+          <a:lstStyle/>
+          <a:p>
+            <a:pPr algn="ctr"/>
+            <a:endParaRPr lang="en-US"/>
+          </a:p>
+        </p:txBody>
+      </p:sp>
+      <p:cxnSp>
+        <p:nvCxnSpPr>
+          <p:cNvPr id="50" name="Straight Connector 49">
+            <a:extLst>
+              <a:ext uri="{FF2B5EF4-FFF2-40B4-BE49-F238E27FC236}">
+                <a16:creationId xmlns:a16="http://schemas.microsoft.com/office/drawing/2014/main" id="{64A4F003-36DA-3A94-D72A-7D8298319399}"/>
+              </a:ext>
+            </a:extLst>
+          </p:cNvPr>
+          <p:cNvCxnSpPr>
+            <a:cxnSpLocks/>
+          </p:cNvCxnSpPr>
+          <p:nvPr/>
+        </p:nvCxnSpPr>
+        <p:spPr>
+          <a:xfrm flipH="1" flipV="1">
+            <a:off x="4459050" y="3684425"/>
+            <a:ext cx="1328589" cy="7512"/>
+          </a:xfrm>
+          <a:prstGeom prst="line">
+            <a:avLst/>
+          </a:prstGeom>
+          <a:ln w="57150">
+            <a:solidFill>
+              <a:schemeClr val="tx1"/>
+            </a:solidFill>
+          </a:ln>
+        </p:spPr>
+        <p:style>
+          <a:lnRef idx="1">
+            <a:schemeClr val="accent1"/>
+          </a:lnRef>
+          <a:fillRef idx="0">
+            <a:schemeClr val="accent1"/>
+          </a:fillRef>
+          <a:effectRef idx="0">
+            <a:schemeClr val="accent1"/>
+          </a:effectRef>
+          <a:fontRef idx="minor">
+            <a:schemeClr val="tx1"/>
+          </a:fontRef>
+        </p:style>
+      </p:cxnSp>
+      <p:sp>
+        <p:nvSpPr>
+          <p:cNvPr id="51" name="Triangle 50">
+            <a:extLst>
+              <a:ext uri="{FF2B5EF4-FFF2-40B4-BE49-F238E27FC236}">
+                <a16:creationId xmlns:a16="http://schemas.microsoft.com/office/drawing/2014/main" id="{2193AE10-9DFC-6CEE-54A8-9714953D1988}"/>
+              </a:ext>
+            </a:extLst>
+          </p:cNvPr>
+          <p:cNvSpPr/>
+          <p:nvPr/>
+        </p:nvSpPr>
+        <p:spPr>
+          <a:xfrm rot="16200000">
+            <a:off x="5691577" y="3475937"/>
+            <a:ext cx="432000" cy="432000"/>
+          </a:xfrm>
+          <a:prstGeom prst="triangle">
+            <a:avLst/>
+          </a:prstGeom>
+          <a:solidFill>
+            <a:srgbClr val="C00000"/>
+          </a:solidFill>
+          <a:ln>
+            <a:noFill/>
+          </a:ln>
+        </p:spPr>
+        <p:style>
+          <a:lnRef idx="2">
+            <a:schemeClr val="accent1">
+              <a:shade val="50000"/>
+            </a:schemeClr>
+          </a:lnRef>
+          <a:fillRef idx="1">
+            <a:schemeClr val="accent1"/>
+          </a:fillRef>
+          <a:effectRef idx="0">
+            <a:schemeClr val="accent1"/>
+          </a:effectRef>
+          <a:fontRef idx="minor">
+            <a:schemeClr val="lt1"/>
+          </a:fontRef>
+        </p:style>
+        <p:txBody>
+          <a:bodyPr rtlCol="0" anchor="ctr"/>
+          <a:lstStyle/>
+          <a:p>
+            <a:pPr algn="ctr"/>
+            <a:endParaRPr lang="en-US"/>
+          </a:p>
+        </p:txBody>
+      </p:sp>
+      <p:sp>
+        <p:nvSpPr>
+          <p:cNvPr id="52" name="TextBox 51">
+            <a:extLst>
+              <a:ext uri="{FF2B5EF4-FFF2-40B4-BE49-F238E27FC236}">
+                <a16:creationId xmlns:a16="http://schemas.microsoft.com/office/drawing/2014/main" id="{7F215F97-709F-AE63-E99E-46717305904A}"/>
+              </a:ext>
+            </a:extLst>
+          </p:cNvPr>
+          <p:cNvSpPr txBox="1"/>
+          <p:nvPr/>
+        </p:nvSpPr>
+        <p:spPr>
+          <a:xfrm>
+            <a:off x="4425959" y="3383418"/>
+            <a:ext cx="1328588" cy="307777"/>
+          </a:xfrm>
+          <a:prstGeom prst="rect">
+            <a:avLst/>
+          </a:prstGeom>
+          <a:noFill/>
+        </p:spPr>
+        <p:txBody>
+          <a:bodyPr wrap="square" rtlCol="0">
+            <a:spAutoFit/>
+          </a:bodyPr>
+          <a:lstStyle/>
+          <a:p>
+            <a:r>
+              <a:rPr lang="en-US" sz="1400" dirty="0"/>
+              <a:t>P(D|A) = 0.6</a:t>
+            </a:r>
+          </a:p>
+        </p:txBody>
+      </p:sp>
+      <p:sp>
+        <p:nvSpPr>
+          <p:cNvPr id="53" name="TextBox 52">
+            <a:extLst>
+              <a:ext uri="{FF2B5EF4-FFF2-40B4-BE49-F238E27FC236}">
+                <a16:creationId xmlns:a16="http://schemas.microsoft.com/office/drawing/2014/main" id="{CC938636-BD1C-96B2-1C35-E0A99E5C7E04}"/>
+              </a:ext>
+            </a:extLst>
+          </p:cNvPr>
+          <p:cNvSpPr txBox="1"/>
+          <p:nvPr/>
+        </p:nvSpPr>
+        <p:spPr>
+          <a:xfrm>
+            <a:off x="3333133" y="2618668"/>
+            <a:ext cx="427610" cy="369332"/>
+          </a:xfrm>
+          <a:prstGeom prst="rect">
+            <a:avLst/>
+          </a:prstGeom>
+          <a:noFill/>
+        </p:spPr>
+        <p:txBody>
+          <a:bodyPr wrap="square" rtlCol="0">
+            <a:spAutoFit/>
+          </a:bodyPr>
+          <a:lstStyle/>
+          <a:p>
+            <a:r>
+              <a:rPr lang="en-US" dirty="0"/>
+              <a:t>A</a:t>
+            </a:r>
+          </a:p>
+        </p:txBody>
+      </p:sp>
+      <p:cxnSp>
+        <p:nvCxnSpPr>
+          <p:cNvPr id="54" name="Straight Connector 53">
+            <a:extLst>
+              <a:ext uri="{FF2B5EF4-FFF2-40B4-BE49-F238E27FC236}">
+                <a16:creationId xmlns:a16="http://schemas.microsoft.com/office/drawing/2014/main" id="{C8B5FF0C-A1F6-9BF9-2ECC-C178A33F12D1}"/>
+              </a:ext>
+            </a:extLst>
+          </p:cNvPr>
+          <p:cNvCxnSpPr>
+            <a:cxnSpLocks/>
+          </p:cNvCxnSpPr>
+          <p:nvPr/>
+        </p:nvCxnSpPr>
+        <p:spPr>
+          <a:xfrm flipH="1">
+            <a:off x="3365243" y="4408823"/>
+            <a:ext cx="1354711" cy="418"/>
+          </a:xfrm>
+          <a:prstGeom prst="line">
+            <a:avLst/>
+          </a:prstGeom>
+          <a:ln w="57150">
+            <a:solidFill>
+              <a:schemeClr val="tx1"/>
+            </a:solidFill>
+          </a:ln>
+        </p:spPr>
+        <p:style>
+          <a:lnRef idx="1">
+            <a:schemeClr val="accent1"/>
+          </a:lnRef>
+          <a:fillRef idx="0">
+            <a:schemeClr val="accent1"/>
+          </a:fillRef>
+          <a:effectRef idx="0">
+            <a:schemeClr val="accent1"/>
+          </a:effectRef>
+          <a:fontRef idx="minor">
+            <a:schemeClr val="tx1"/>
+          </a:fontRef>
+        </p:style>
+      </p:cxnSp>
+      <p:sp>
+        <p:nvSpPr>
+          <p:cNvPr id="55" name="Triangle 54">
+            <a:extLst>
+              <a:ext uri="{FF2B5EF4-FFF2-40B4-BE49-F238E27FC236}">
+                <a16:creationId xmlns:a16="http://schemas.microsoft.com/office/drawing/2014/main" id="{54EF0CD9-751C-040E-2628-2A1FFCA75351}"/>
+              </a:ext>
+            </a:extLst>
+          </p:cNvPr>
+          <p:cNvSpPr/>
+          <p:nvPr/>
+        </p:nvSpPr>
+        <p:spPr>
+          <a:xfrm rot="16200000">
+            <a:off x="4623892" y="4200895"/>
+            <a:ext cx="432000" cy="432000"/>
+          </a:xfrm>
+          <a:prstGeom prst="triangle">
+            <a:avLst/>
+          </a:prstGeom>
+          <a:solidFill>
+            <a:srgbClr val="C00000"/>
+          </a:solidFill>
+          <a:ln>
+            <a:noFill/>
+          </a:ln>
+        </p:spPr>
+        <p:style>
+          <a:lnRef idx="2">
+            <a:schemeClr val="accent1">
+              <a:shade val="50000"/>
+            </a:schemeClr>
+          </a:lnRef>
+          <a:fillRef idx="1">
+            <a:schemeClr val="accent1"/>
+          </a:fillRef>
+          <a:effectRef idx="0">
+            <a:schemeClr val="accent1"/>
+          </a:effectRef>
+          <a:fontRef idx="minor">
+            <a:schemeClr val="lt1"/>
+          </a:fontRef>
+        </p:style>
+        <p:txBody>
+          <a:bodyPr rtlCol="0" anchor="ctr"/>
+          <a:lstStyle/>
+          <a:p>
+            <a:pPr algn="ctr"/>
+            <a:endParaRPr lang="en-US"/>
+          </a:p>
+        </p:txBody>
+      </p:sp>
+      <p:sp>
+        <p:nvSpPr>
+          <p:cNvPr id="58" name="TextBox 57">
+            <a:extLst>
+              <a:ext uri="{FF2B5EF4-FFF2-40B4-BE49-F238E27FC236}">
+                <a16:creationId xmlns:a16="http://schemas.microsoft.com/office/drawing/2014/main" id="{497B7727-6FAA-0CDF-B4AA-34FD674401C6}"/>
+              </a:ext>
+            </a:extLst>
+          </p:cNvPr>
+          <p:cNvSpPr txBox="1"/>
+          <p:nvPr/>
+        </p:nvSpPr>
+        <p:spPr>
+          <a:xfrm>
+            <a:off x="3367438" y="4049973"/>
+            <a:ext cx="427610" cy="369332"/>
+          </a:xfrm>
+          <a:prstGeom prst="rect">
+            <a:avLst/>
+          </a:prstGeom>
+          <a:noFill/>
+        </p:spPr>
+        <p:txBody>
+          <a:bodyPr wrap="square" rtlCol="0">
+            <a:spAutoFit/>
+          </a:bodyPr>
+          <a:lstStyle/>
+          <a:p>
+            <a:r>
+              <a:rPr lang="en-US" dirty="0"/>
+              <a:t>B</a:t>
+            </a:r>
+          </a:p>
+        </p:txBody>
+      </p:sp>
+      <p:sp>
+        <p:nvSpPr>
+          <p:cNvPr id="59" name="TextBox 58">
+            <a:extLst>
+              <a:ext uri="{FF2B5EF4-FFF2-40B4-BE49-F238E27FC236}">
+                <a16:creationId xmlns:a16="http://schemas.microsoft.com/office/drawing/2014/main" id="{AEB6B0DA-1939-B987-F71A-D9C0A50DD327}"/>
+              </a:ext>
+            </a:extLst>
+          </p:cNvPr>
+          <p:cNvSpPr txBox="1"/>
+          <p:nvPr/>
+        </p:nvSpPr>
+        <p:spPr>
+          <a:xfrm>
+            <a:off x="4309422" y="1991981"/>
+            <a:ext cx="1370134" cy="307777"/>
+          </a:xfrm>
+          <a:prstGeom prst="rect">
+            <a:avLst/>
+          </a:prstGeom>
+          <a:noFill/>
+        </p:spPr>
+        <p:txBody>
+          <a:bodyPr wrap="square" rtlCol="0">
+            <a:spAutoFit/>
+          </a:bodyPr>
+          <a:lstStyle/>
+          <a:p>
+            <a:r>
+              <a:rPr lang="en-US" sz="1400" dirty="0"/>
+              <a:t>P(C|A) = 0.4</a:t>
+            </a:r>
+          </a:p>
+        </p:txBody>
+      </p:sp>
+      <p:sp>
+        <p:nvSpPr>
+          <p:cNvPr id="62" name="TextBox 61">
+            <a:extLst>
+              <a:ext uri="{FF2B5EF4-FFF2-40B4-BE49-F238E27FC236}">
+                <a16:creationId xmlns:a16="http://schemas.microsoft.com/office/drawing/2014/main" id="{9296A84B-161F-6378-9125-9112DE593C45}"/>
+              </a:ext>
+            </a:extLst>
+          </p:cNvPr>
+          <p:cNvSpPr txBox="1"/>
+          <p:nvPr/>
+        </p:nvSpPr>
+        <p:spPr>
+          <a:xfrm>
+            <a:off x="7478288" y="1437300"/>
+            <a:ext cx="674991" cy="369332"/>
+          </a:xfrm>
+          <a:prstGeom prst="rect">
+            <a:avLst/>
+          </a:prstGeom>
+          <a:noFill/>
+        </p:spPr>
+        <p:txBody>
+          <a:bodyPr wrap="square" rtlCol="0">
+            <a:spAutoFit/>
+          </a:bodyPr>
+          <a:lstStyle/>
+          <a:p>
+            <a:r>
+              <a:rPr lang="en-US" dirty="0"/>
+              <a:t>$10</a:t>
+            </a:r>
+          </a:p>
+        </p:txBody>
+      </p:sp>
+      <p:sp>
+        <p:nvSpPr>
+          <p:cNvPr id="63" name="TextBox 62">
+            <a:extLst>
+              <a:ext uri="{FF2B5EF4-FFF2-40B4-BE49-F238E27FC236}">
+                <a16:creationId xmlns:a16="http://schemas.microsoft.com/office/drawing/2014/main" id="{B54F4629-3600-9375-2BB6-50F9B1BDAA11}"/>
+              </a:ext>
+            </a:extLst>
+          </p:cNvPr>
+          <p:cNvSpPr txBox="1"/>
+          <p:nvPr/>
+        </p:nvSpPr>
+        <p:spPr>
+          <a:xfrm>
+            <a:off x="7477441" y="2119158"/>
+            <a:ext cx="674991" cy="369332"/>
+          </a:xfrm>
+          <a:prstGeom prst="rect">
+            <a:avLst/>
+          </a:prstGeom>
+          <a:noFill/>
+        </p:spPr>
+        <p:txBody>
+          <a:bodyPr wrap="square" rtlCol="0">
+            <a:spAutoFit/>
+          </a:bodyPr>
+          <a:lstStyle/>
+          <a:p>
+            <a:r>
+              <a:rPr lang="en-US" dirty="0"/>
+              <a:t>$20</a:t>
+            </a:r>
+          </a:p>
+        </p:txBody>
+      </p:sp>
+      <p:sp>
+        <p:nvSpPr>
+          <p:cNvPr id="64" name="TextBox 63">
+            <a:extLst>
+              <a:ext uri="{FF2B5EF4-FFF2-40B4-BE49-F238E27FC236}">
+                <a16:creationId xmlns:a16="http://schemas.microsoft.com/office/drawing/2014/main" id="{EF180F35-4ABC-BC14-36FB-D0307B8A13A4}"/>
+              </a:ext>
+            </a:extLst>
+          </p:cNvPr>
+          <p:cNvSpPr txBox="1"/>
+          <p:nvPr/>
+        </p:nvSpPr>
+        <p:spPr>
+          <a:xfrm>
+            <a:off x="7431771" y="2780613"/>
+            <a:ext cx="674991" cy="369332"/>
+          </a:xfrm>
+          <a:prstGeom prst="rect">
+            <a:avLst/>
+          </a:prstGeom>
+          <a:noFill/>
+        </p:spPr>
+        <p:txBody>
+          <a:bodyPr wrap="square" rtlCol="0">
+            <a:spAutoFit/>
+          </a:bodyPr>
+          <a:lstStyle/>
+          <a:p>
+            <a:r>
+              <a:rPr lang="en-US" dirty="0"/>
+              <a:t>$40</a:t>
+            </a:r>
+          </a:p>
+        </p:txBody>
+      </p:sp>
+      <p:sp>
+        <p:nvSpPr>
+          <p:cNvPr id="65" name="TextBox 64">
+            <a:extLst>
+              <a:ext uri="{FF2B5EF4-FFF2-40B4-BE49-F238E27FC236}">
+                <a16:creationId xmlns:a16="http://schemas.microsoft.com/office/drawing/2014/main" id="{25360C64-87B2-88F8-6BB2-38BC7C195430}"/>
+              </a:ext>
+            </a:extLst>
+          </p:cNvPr>
+          <p:cNvSpPr txBox="1"/>
+          <p:nvPr/>
+        </p:nvSpPr>
+        <p:spPr>
+          <a:xfrm>
+            <a:off x="6077907" y="3506529"/>
+            <a:ext cx="674991" cy="369332"/>
+          </a:xfrm>
+          <a:prstGeom prst="rect">
+            <a:avLst/>
+          </a:prstGeom>
+          <a:noFill/>
+        </p:spPr>
+        <p:txBody>
+          <a:bodyPr wrap="square" rtlCol="0">
+            <a:spAutoFit/>
+          </a:bodyPr>
+          <a:lstStyle/>
+          <a:p>
+            <a:r>
+              <a:rPr lang="en-US" dirty="0"/>
+              <a:t>$200</a:t>
+            </a:r>
+          </a:p>
+        </p:txBody>
+      </p:sp>
+      <p:sp>
+        <p:nvSpPr>
+          <p:cNvPr id="66" name="TextBox 65">
+            <a:extLst>
+              <a:ext uri="{FF2B5EF4-FFF2-40B4-BE49-F238E27FC236}">
+                <a16:creationId xmlns:a16="http://schemas.microsoft.com/office/drawing/2014/main" id="{39A2CA35-378A-ADDA-E70B-CFD4475BD2B1}"/>
+              </a:ext>
+            </a:extLst>
+          </p:cNvPr>
+          <p:cNvSpPr txBox="1"/>
+          <p:nvPr/>
+        </p:nvSpPr>
+        <p:spPr>
+          <a:xfrm>
+            <a:off x="5016586" y="4263563"/>
+            <a:ext cx="674991" cy="369332"/>
+          </a:xfrm>
+          <a:prstGeom prst="rect">
+            <a:avLst/>
+          </a:prstGeom>
+          <a:noFill/>
+        </p:spPr>
+        <p:txBody>
+          <a:bodyPr wrap="square" rtlCol="0">
+            <a:spAutoFit/>
+          </a:bodyPr>
+          <a:lstStyle/>
+          <a:p>
+            <a:r>
+              <a:rPr lang="en-US" dirty="0"/>
+              <a:t>$100</a:t>
+            </a:r>
+          </a:p>
+        </p:txBody>
+      </p:sp>
+    </p:spTree>
+    <p:extLst>
+      <p:ext uri="{BB962C8B-B14F-4D97-AF65-F5344CB8AC3E}">
+        <p14:creationId xmlns:p14="http://schemas.microsoft.com/office/powerpoint/2010/main" val="1566772226"/>
+      </p:ext>
+    </p:extLst>
+  </p:cSld>
+  <p:clrMapOvr>
+    <a:masterClrMapping/>
+  </p:clrMapOvr>
+</p:sld>
+</file>
+
+<file path=ppt/slides/slide7.xml><?xml version="1.0" encoding="utf-8"?>
+<p:sld xmlns:a="http://schemas.openxmlformats.org/drawingml/2006/main" xmlns:r="http://schemas.openxmlformats.org/officeDocument/2006/relationships" xmlns:p="http://schemas.openxmlformats.org/presentationml/2006/main">
+  <p:cSld>
+    <p:spTree>
+      <p:nvGrpSpPr>
+        <p:cNvPr id="1" name=""/>
+        <p:cNvGrpSpPr/>
+        <p:nvPr/>
+      </p:nvGrpSpPr>
+      <p:grpSpPr>
+        <a:xfrm>
+          <a:off x="0" y="0"/>
+          <a:ext cx="0" cy="0"/>
+          <a:chOff x="0" y="0"/>
+          <a:chExt cx="0" cy="0"/>
+        </a:xfrm>
+      </p:grpSpPr>
+      <p:cxnSp>
+        <p:nvCxnSpPr>
+          <p:cNvPr id="5" name="Straight Connector 4">
+            <a:extLst>
+              <a:ext uri="{FF2B5EF4-FFF2-40B4-BE49-F238E27FC236}">
+                <a16:creationId xmlns:a16="http://schemas.microsoft.com/office/drawing/2014/main" id="{63B29709-3BE6-7116-C96E-88917BE17E5C}"/>
+              </a:ext>
+            </a:extLst>
+          </p:cNvPr>
+          <p:cNvCxnSpPr>
+            <a:cxnSpLocks/>
+          </p:cNvCxnSpPr>
+          <p:nvPr/>
+        </p:nvCxnSpPr>
+        <p:spPr>
+          <a:xfrm flipH="1">
+            <a:off x="5597761" y="1591189"/>
+            <a:ext cx="216000" cy="720000"/>
+          </a:xfrm>
+          <a:prstGeom prst="line">
+            <a:avLst/>
+          </a:prstGeom>
+          <a:ln w="57150">
+            <a:solidFill>
+              <a:schemeClr val="tx1"/>
+            </a:solidFill>
+          </a:ln>
+        </p:spPr>
+        <p:style>
+          <a:lnRef idx="1">
+            <a:schemeClr val="accent1"/>
+          </a:lnRef>
+          <a:fillRef idx="0">
+            <a:schemeClr val="accent1"/>
+          </a:fillRef>
+          <a:effectRef idx="0">
+            <a:schemeClr val="accent1"/>
+          </a:effectRef>
+          <a:fontRef idx="minor">
+            <a:schemeClr val="tx1"/>
+          </a:fontRef>
+        </p:style>
+      </p:cxnSp>
+      <p:cxnSp>
+        <p:nvCxnSpPr>
+          <p:cNvPr id="7" name="Straight Connector 6">
+            <a:extLst>
+              <a:ext uri="{FF2B5EF4-FFF2-40B4-BE49-F238E27FC236}">
+                <a16:creationId xmlns:a16="http://schemas.microsoft.com/office/drawing/2014/main" id="{993343DA-9D93-26CE-C64D-8EB21CC5B02E}"/>
+              </a:ext>
+            </a:extLst>
+          </p:cNvPr>
+          <p:cNvCxnSpPr>
+            <a:cxnSpLocks/>
+          </p:cNvCxnSpPr>
+          <p:nvPr/>
+        </p:nvCxnSpPr>
+        <p:spPr>
+          <a:xfrm>
+            <a:off x="5597761" y="2290225"/>
+            <a:ext cx="216000" cy="720000"/>
+          </a:xfrm>
+          <a:prstGeom prst="line">
+            <a:avLst/>
+          </a:prstGeom>
+          <a:ln w="57150">
+            <a:solidFill>
+              <a:schemeClr val="tx1"/>
+            </a:solidFill>
+          </a:ln>
+        </p:spPr>
+        <p:style>
+          <a:lnRef idx="1">
+            <a:schemeClr val="accent1"/>
+          </a:lnRef>
+          <a:fillRef idx="0">
+            <a:schemeClr val="accent1"/>
+          </a:fillRef>
+          <a:effectRef idx="0">
+            <a:schemeClr val="accent1"/>
+          </a:effectRef>
+          <a:fontRef idx="minor">
+            <a:schemeClr val="tx1"/>
+          </a:fontRef>
+        </p:style>
+      </p:cxnSp>
+      <p:cxnSp>
+        <p:nvCxnSpPr>
+          <p:cNvPr id="10" name="Straight Connector 9">
+            <a:extLst>
+              <a:ext uri="{FF2B5EF4-FFF2-40B4-BE49-F238E27FC236}">
+                <a16:creationId xmlns:a16="http://schemas.microsoft.com/office/drawing/2014/main" id="{DBB73E9E-F60B-46B1-2E44-3A776C09F9FA}"/>
+              </a:ext>
+            </a:extLst>
+          </p:cNvPr>
+          <p:cNvCxnSpPr>
+            <a:cxnSpLocks/>
+            <a:endCxn id="4" idx="6"/>
+          </p:cNvCxnSpPr>
+          <p:nvPr/>
+        </p:nvCxnSpPr>
+        <p:spPr>
+          <a:xfrm flipH="1">
+            <a:off x="5813761" y="2293706"/>
+            <a:ext cx="1448527" cy="0"/>
+          </a:xfrm>
+          <a:prstGeom prst="line">
+            <a:avLst/>
+          </a:prstGeom>
+          <a:ln w="57150">
+            <a:solidFill>
+              <a:schemeClr val="tx1"/>
+            </a:solidFill>
+          </a:ln>
+        </p:spPr>
+        <p:style>
+          <a:lnRef idx="1">
+            <a:schemeClr val="accent1"/>
+          </a:lnRef>
+          <a:fillRef idx="0">
+            <a:schemeClr val="accent1"/>
+          </a:fillRef>
+          <a:effectRef idx="0">
+            <a:schemeClr val="accent1"/>
+          </a:effectRef>
+          <a:fontRef idx="minor">
+            <a:schemeClr val="tx1"/>
+          </a:fontRef>
+        </p:style>
+      </p:cxnSp>
+      <p:cxnSp>
+        <p:nvCxnSpPr>
+          <p:cNvPr id="15" name="Straight Connector 14">
+            <a:extLst>
+              <a:ext uri="{FF2B5EF4-FFF2-40B4-BE49-F238E27FC236}">
+                <a16:creationId xmlns:a16="http://schemas.microsoft.com/office/drawing/2014/main" id="{550B41AE-3610-6DDF-D2E5-F0E8764D3332}"/>
+              </a:ext>
+            </a:extLst>
+          </p:cNvPr>
+          <p:cNvCxnSpPr>
+            <a:cxnSpLocks/>
+          </p:cNvCxnSpPr>
+          <p:nvPr/>
+        </p:nvCxnSpPr>
+        <p:spPr>
+          <a:xfrm flipH="1" flipV="1">
+            <a:off x="5813761" y="1613973"/>
+            <a:ext cx="1328589" cy="7512"/>
+          </a:xfrm>
+          <a:prstGeom prst="line">
+            <a:avLst/>
+          </a:prstGeom>
+          <a:ln w="57150">
+            <a:solidFill>
+              <a:schemeClr val="tx1"/>
+            </a:solidFill>
+          </a:ln>
+        </p:spPr>
+        <p:style>
+          <a:lnRef idx="1">
+            <a:schemeClr val="accent1"/>
+          </a:lnRef>
+          <a:fillRef idx="0">
+            <a:schemeClr val="accent1"/>
+          </a:fillRef>
+          <a:effectRef idx="0">
+            <a:schemeClr val="accent1"/>
+          </a:effectRef>
+          <a:fontRef idx="minor">
+            <a:schemeClr val="tx1"/>
+          </a:fontRef>
+        </p:style>
+      </p:cxnSp>
+      <p:cxnSp>
+        <p:nvCxnSpPr>
+          <p:cNvPr id="17" name="Straight Connector 16">
+            <a:extLst>
+              <a:ext uri="{FF2B5EF4-FFF2-40B4-BE49-F238E27FC236}">
+                <a16:creationId xmlns:a16="http://schemas.microsoft.com/office/drawing/2014/main" id="{393F6A59-1A0F-BC3A-7523-7C08582C158C}"/>
+              </a:ext>
+            </a:extLst>
+          </p:cNvPr>
+          <p:cNvCxnSpPr>
+            <a:cxnSpLocks/>
+          </p:cNvCxnSpPr>
+          <p:nvPr/>
+        </p:nvCxnSpPr>
+        <p:spPr>
+          <a:xfrm flipH="1">
+            <a:off x="5787639" y="2979929"/>
+            <a:ext cx="1354711" cy="418"/>
+          </a:xfrm>
+          <a:prstGeom prst="line">
+            <a:avLst/>
+          </a:prstGeom>
+          <a:ln w="57150">
+            <a:solidFill>
+              <a:schemeClr val="tx1"/>
+            </a:solidFill>
+          </a:ln>
+        </p:spPr>
+        <p:style>
+          <a:lnRef idx="1">
+            <a:schemeClr val="accent1"/>
+          </a:lnRef>
+          <a:fillRef idx="0">
+            <a:schemeClr val="accent1"/>
+          </a:fillRef>
+          <a:effectRef idx="0">
+            <a:schemeClr val="accent1"/>
+          </a:effectRef>
+          <a:fontRef idx="minor">
+            <a:schemeClr val="tx1"/>
+          </a:fontRef>
+        </p:style>
+      </p:cxnSp>
+      <p:sp>
+        <p:nvSpPr>
+          <p:cNvPr id="18" name="TextBox 17">
+            <a:extLst>
+              <a:ext uri="{FF2B5EF4-FFF2-40B4-BE49-F238E27FC236}">
+                <a16:creationId xmlns:a16="http://schemas.microsoft.com/office/drawing/2014/main" id="{96041ABA-C2CD-538E-EEF0-6C98DDC99B5B}"/>
+              </a:ext>
+            </a:extLst>
+          </p:cNvPr>
+          <p:cNvSpPr txBox="1"/>
+          <p:nvPr/>
+        </p:nvSpPr>
+        <p:spPr>
+          <a:xfrm>
+            <a:off x="5740730" y="1304413"/>
+            <a:ext cx="1448527" cy="307777"/>
+          </a:xfrm>
+          <a:prstGeom prst="rect">
+            <a:avLst/>
+          </a:prstGeom>
+          <a:noFill/>
+        </p:spPr>
+        <p:txBody>
+          <a:bodyPr wrap="square" rtlCol="0">
+            <a:spAutoFit/>
+          </a:bodyPr>
+          <a:lstStyle/>
+          <a:p>
+            <a:r>
+              <a:rPr lang="en-US" sz="1400" dirty="0"/>
+              <a:t>P(E|AC) = 0.2</a:t>
+            </a:r>
+          </a:p>
+        </p:txBody>
+      </p:sp>
+      <p:sp>
+        <p:nvSpPr>
+          <p:cNvPr id="23" name="TextBox 22">
+            <a:extLst>
+              <a:ext uri="{FF2B5EF4-FFF2-40B4-BE49-F238E27FC236}">
+                <a16:creationId xmlns:a16="http://schemas.microsoft.com/office/drawing/2014/main" id="{6A020D0D-A0D7-B0B1-CBDF-C7D17919B19D}"/>
+              </a:ext>
+            </a:extLst>
+          </p:cNvPr>
+          <p:cNvSpPr txBox="1"/>
+          <p:nvPr/>
+        </p:nvSpPr>
+        <p:spPr>
+          <a:xfrm>
+            <a:off x="5763903" y="1978426"/>
+            <a:ext cx="1184864" cy="307777"/>
+          </a:xfrm>
+          <a:prstGeom prst="rect">
+            <a:avLst/>
+          </a:prstGeom>
+          <a:noFill/>
+        </p:spPr>
+        <p:txBody>
+          <a:bodyPr wrap="square" rtlCol="0">
+            <a:spAutoFit/>
+          </a:bodyPr>
+          <a:lstStyle/>
+          <a:p>
+            <a:r>
+              <a:rPr lang="en-US" sz="1400" dirty="0"/>
+              <a:t>P(F|AC) = 0.7</a:t>
+            </a:r>
+          </a:p>
+        </p:txBody>
+      </p:sp>
+      <p:sp>
+        <p:nvSpPr>
+          <p:cNvPr id="24" name="TextBox 23">
+            <a:extLst>
+              <a:ext uri="{FF2B5EF4-FFF2-40B4-BE49-F238E27FC236}">
+                <a16:creationId xmlns:a16="http://schemas.microsoft.com/office/drawing/2014/main" id="{DC7D80D2-68F2-9E07-88E8-C97C4B56DCC6}"/>
+              </a:ext>
+            </a:extLst>
+          </p:cNvPr>
+          <p:cNvSpPr txBox="1"/>
+          <p:nvPr/>
+        </p:nvSpPr>
+        <p:spPr>
+          <a:xfrm>
+            <a:off x="5787639" y="2664648"/>
+            <a:ext cx="1184864" cy="307777"/>
+          </a:xfrm>
+          <a:prstGeom prst="rect">
+            <a:avLst/>
+          </a:prstGeom>
+          <a:noFill/>
+        </p:spPr>
+        <p:txBody>
+          <a:bodyPr wrap="square" rtlCol="0">
+            <a:spAutoFit/>
+          </a:bodyPr>
+          <a:lstStyle/>
+          <a:p>
+            <a:r>
+              <a:rPr lang="en-US" sz="1400" dirty="0"/>
+              <a:t>P(G|AC) = 0.1</a:t>
+            </a:r>
+          </a:p>
+        </p:txBody>
+      </p:sp>
+      <p:cxnSp>
+        <p:nvCxnSpPr>
+          <p:cNvPr id="25" name="Straight Connector 24">
+            <a:extLst>
+              <a:ext uri="{FF2B5EF4-FFF2-40B4-BE49-F238E27FC236}">
+                <a16:creationId xmlns:a16="http://schemas.microsoft.com/office/drawing/2014/main" id="{3C22B92C-9BB9-39FF-A55B-C5C3501FA2B8}"/>
+              </a:ext>
+            </a:extLst>
+          </p:cNvPr>
+          <p:cNvCxnSpPr>
+            <a:cxnSpLocks/>
+            <a:stCxn id="4" idx="2"/>
+          </p:cNvCxnSpPr>
+          <p:nvPr/>
+        </p:nvCxnSpPr>
+        <p:spPr>
+          <a:xfrm flipH="1" flipV="1">
+            <a:off x="4478989" y="2290224"/>
+            <a:ext cx="902772" cy="3482"/>
+          </a:xfrm>
+          <a:prstGeom prst="line">
+            <a:avLst/>
+          </a:prstGeom>
+          <a:ln w="57150">
+            <a:solidFill>
+              <a:schemeClr val="tx1"/>
+            </a:solidFill>
+          </a:ln>
+        </p:spPr>
+        <p:style>
+          <a:lnRef idx="1">
+            <a:schemeClr val="accent1"/>
+          </a:lnRef>
+          <a:fillRef idx="0">
+            <a:schemeClr val="accent1"/>
+          </a:fillRef>
+          <a:effectRef idx="0">
+            <a:schemeClr val="accent1"/>
+          </a:effectRef>
+          <a:fontRef idx="minor">
+            <a:schemeClr val="tx1"/>
+          </a:fontRef>
+        </p:style>
+      </p:cxnSp>
+      <p:sp>
+        <p:nvSpPr>
+          <p:cNvPr id="31" name="Triangle 30">
+            <a:extLst>
+              <a:ext uri="{FF2B5EF4-FFF2-40B4-BE49-F238E27FC236}">
+                <a16:creationId xmlns:a16="http://schemas.microsoft.com/office/drawing/2014/main" id="{D7FDF5FC-28B8-7D75-7DD9-E46D9EFFDCA7}"/>
+              </a:ext>
+            </a:extLst>
+          </p:cNvPr>
+          <p:cNvSpPr/>
+          <p:nvPr/>
+        </p:nvSpPr>
+        <p:spPr>
+          <a:xfrm rot="16200000">
+            <a:off x="7046288" y="1405485"/>
+            <a:ext cx="432000" cy="432000"/>
+          </a:xfrm>
+          <a:prstGeom prst="triangle">
+            <a:avLst/>
+          </a:prstGeom>
+          <a:solidFill>
+            <a:srgbClr val="C00000"/>
+          </a:solidFill>
+          <a:ln>
+            <a:noFill/>
+          </a:ln>
+        </p:spPr>
+        <p:style>
+          <a:lnRef idx="2">
+            <a:schemeClr val="accent1">
+              <a:shade val="50000"/>
+            </a:schemeClr>
+          </a:lnRef>
+          <a:fillRef idx="1">
+            <a:schemeClr val="accent1"/>
+          </a:fillRef>
+          <a:effectRef idx="0">
+            <a:schemeClr val="accent1"/>
+          </a:effectRef>
+          <a:fontRef idx="minor">
+            <a:schemeClr val="lt1"/>
+          </a:fontRef>
+        </p:style>
+        <p:txBody>
+          <a:bodyPr rtlCol="0" anchor="ctr"/>
+          <a:lstStyle/>
+          <a:p>
+            <a:pPr algn="ctr"/>
+            <a:endParaRPr lang="en-US"/>
+          </a:p>
+        </p:txBody>
+      </p:sp>
+      <p:sp>
+        <p:nvSpPr>
+          <p:cNvPr id="4" name="Oval 3">
+            <a:extLst>
+              <a:ext uri="{FF2B5EF4-FFF2-40B4-BE49-F238E27FC236}">
+                <a16:creationId xmlns:a16="http://schemas.microsoft.com/office/drawing/2014/main" id="{0AEFF8DC-6AA8-E2AF-559A-CF6DFEB8D823}"/>
+              </a:ext>
+            </a:extLst>
+          </p:cNvPr>
+          <p:cNvSpPr/>
+          <p:nvPr/>
+        </p:nvSpPr>
+        <p:spPr>
+          <a:xfrm>
+            <a:off x="5381761" y="2077706"/>
+            <a:ext cx="432000" cy="432000"/>
+          </a:xfrm>
+          <a:prstGeom prst="ellipse">
+            <a:avLst/>
+          </a:prstGeom>
+          <a:solidFill>
+            <a:srgbClr val="00730A"/>
+          </a:solidFill>
+          <a:ln>
+            <a:noFill/>
+          </a:ln>
+        </p:spPr>
+        <p:style>
+          <a:lnRef idx="2">
+            <a:schemeClr val="accent1">
+              <a:shade val="50000"/>
+            </a:schemeClr>
+          </a:lnRef>
+          <a:fillRef idx="1">
+            <a:schemeClr val="accent1"/>
+          </a:fillRef>
+          <a:effectRef idx="0">
+            <a:schemeClr val="accent1"/>
+          </a:effectRef>
+          <a:fontRef idx="minor">
+            <a:schemeClr val="lt1"/>
+          </a:fontRef>
+        </p:style>
+        <p:txBody>
+          <a:bodyPr rtlCol="0" anchor="ctr"/>
+          <a:lstStyle/>
+          <a:p>
+            <a:pPr algn="ctr"/>
+            <a:endParaRPr lang="en-US"/>
+          </a:p>
+        </p:txBody>
+      </p:sp>
+      <p:sp>
+        <p:nvSpPr>
+          <p:cNvPr id="38" name="Triangle 37">
+            <a:extLst>
+              <a:ext uri="{FF2B5EF4-FFF2-40B4-BE49-F238E27FC236}">
+                <a16:creationId xmlns:a16="http://schemas.microsoft.com/office/drawing/2014/main" id="{7A6E0CB4-D251-9E4F-B244-0BFD5A1ED493}"/>
+              </a:ext>
+            </a:extLst>
+          </p:cNvPr>
+          <p:cNvSpPr/>
+          <p:nvPr/>
+        </p:nvSpPr>
+        <p:spPr>
+          <a:xfrm rot="16200000">
+            <a:off x="7046288" y="2074225"/>
+            <a:ext cx="432000" cy="432000"/>
+          </a:xfrm>
+          <a:prstGeom prst="triangle">
+            <a:avLst/>
+          </a:prstGeom>
+          <a:solidFill>
+            <a:srgbClr val="C00000"/>
+          </a:solidFill>
+          <a:ln>
+            <a:noFill/>
+          </a:ln>
+        </p:spPr>
+        <p:style>
+          <a:lnRef idx="2">
+            <a:schemeClr val="accent1">
+              <a:shade val="50000"/>
+            </a:schemeClr>
+          </a:lnRef>
+          <a:fillRef idx="1">
+            <a:schemeClr val="accent1"/>
+          </a:fillRef>
+          <a:effectRef idx="0">
+            <a:schemeClr val="accent1"/>
+          </a:effectRef>
+          <a:fontRef idx="minor">
+            <a:schemeClr val="lt1"/>
+          </a:fontRef>
+        </p:style>
+        <p:txBody>
+          <a:bodyPr rtlCol="0" anchor="ctr"/>
+          <a:lstStyle/>
+          <a:p>
+            <a:pPr algn="ctr"/>
+            <a:endParaRPr lang="en-US"/>
+          </a:p>
+        </p:txBody>
+      </p:sp>
+      <p:sp>
+        <p:nvSpPr>
+          <p:cNvPr id="39" name="Triangle 38">
+            <a:extLst>
+              <a:ext uri="{FF2B5EF4-FFF2-40B4-BE49-F238E27FC236}">
+                <a16:creationId xmlns:a16="http://schemas.microsoft.com/office/drawing/2014/main" id="{449B3CB1-DD73-F26C-5A8F-5528EA1CBC5D}"/>
+              </a:ext>
+            </a:extLst>
+          </p:cNvPr>
+          <p:cNvSpPr/>
+          <p:nvPr/>
+        </p:nvSpPr>
+        <p:spPr>
+          <a:xfrm rot="16200000">
+            <a:off x="7046288" y="2772001"/>
+            <a:ext cx="432000" cy="432000"/>
+          </a:xfrm>
+          <a:prstGeom prst="triangle">
+            <a:avLst/>
+          </a:prstGeom>
+          <a:solidFill>
+            <a:srgbClr val="C00000"/>
+          </a:solidFill>
+          <a:ln>
+            <a:noFill/>
+          </a:ln>
+        </p:spPr>
+        <p:style>
+          <a:lnRef idx="2">
+            <a:schemeClr val="accent1">
+              <a:shade val="50000"/>
+            </a:schemeClr>
+          </a:lnRef>
+          <a:fillRef idx="1">
+            <a:schemeClr val="accent1"/>
+          </a:fillRef>
+          <a:effectRef idx="0">
+            <a:schemeClr val="accent1"/>
+          </a:effectRef>
+          <a:fontRef idx="minor">
+            <a:schemeClr val="lt1"/>
+          </a:fontRef>
+        </p:style>
+        <p:txBody>
+          <a:bodyPr rtlCol="0" anchor="ctr"/>
+          <a:lstStyle/>
+          <a:p>
+            <a:pPr algn="ctr"/>
+            <a:endParaRPr lang="en-US"/>
+          </a:p>
+        </p:txBody>
+      </p:sp>
+      <p:cxnSp>
+        <p:nvCxnSpPr>
+          <p:cNvPr id="41" name="Straight Connector 40">
+            <a:extLst>
+              <a:ext uri="{FF2B5EF4-FFF2-40B4-BE49-F238E27FC236}">
+                <a16:creationId xmlns:a16="http://schemas.microsoft.com/office/drawing/2014/main" id="{D15DAFD3-C9F7-6494-601C-7659ABBF1039}"/>
+              </a:ext>
+            </a:extLst>
+          </p:cNvPr>
+          <p:cNvCxnSpPr>
+            <a:cxnSpLocks/>
+          </p:cNvCxnSpPr>
+          <p:nvPr/>
+        </p:nvCxnSpPr>
+        <p:spPr>
+          <a:xfrm flipH="1">
+            <a:off x="4265502" y="2277412"/>
+            <a:ext cx="216000" cy="720000"/>
+          </a:xfrm>
+          <a:prstGeom prst="line">
+            <a:avLst/>
+          </a:prstGeom>
+          <a:ln w="57150">
+            <a:solidFill>
+              <a:schemeClr val="tx1"/>
+            </a:solidFill>
+          </a:ln>
+        </p:spPr>
+        <p:style>
+          <a:lnRef idx="1">
+            <a:schemeClr val="accent1"/>
+          </a:lnRef>
+          <a:fillRef idx="0">
+            <a:schemeClr val="accent1"/>
+          </a:fillRef>
+          <a:effectRef idx="0">
+            <a:schemeClr val="accent1"/>
+          </a:effectRef>
+          <a:fontRef idx="minor">
+            <a:schemeClr val="tx1"/>
+          </a:fontRef>
+        </p:style>
+      </p:cxnSp>
+      <p:cxnSp>
+        <p:nvCxnSpPr>
+          <p:cNvPr id="42" name="Straight Connector 41">
+            <a:extLst>
+              <a:ext uri="{FF2B5EF4-FFF2-40B4-BE49-F238E27FC236}">
+                <a16:creationId xmlns:a16="http://schemas.microsoft.com/office/drawing/2014/main" id="{E6B42C46-69ED-6C9C-C3C0-677DA8763518}"/>
+              </a:ext>
+            </a:extLst>
+          </p:cNvPr>
+          <p:cNvCxnSpPr>
+            <a:cxnSpLocks/>
+          </p:cNvCxnSpPr>
+          <p:nvPr/>
+        </p:nvCxnSpPr>
+        <p:spPr>
+          <a:xfrm>
+            <a:off x="4265502" y="2976448"/>
+            <a:ext cx="216000" cy="720000"/>
+          </a:xfrm>
+          <a:prstGeom prst="line">
+            <a:avLst/>
+          </a:prstGeom>
+          <a:ln w="57150">
+            <a:solidFill>
+              <a:schemeClr val="tx1"/>
+            </a:solidFill>
+          </a:ln>
+        </p:spPr>
+        <p:style>
+          <a:lnRef idx="1">
+            <a:schemeClr val="accent1"/>
+          </a:lnRef>
+          <a:fillRef idx="0">
+            <a:schemeClr val="accent1"/>
+          </a:fillRef>
+          <a:effectRef idx="0">
+            <a:schemeClr val="accent1"/>
+          </a:effectRef>
+          <a:fontRef idx="minor">
+            <a:schemeClr val="tx1"/>
+          </a:fontRef>
+        </p:style>
+      </p:cxnSp>
+      <p:sp>
+        <p:nvSpPr>
+          <p:cNvPr id="43" name="Oval 42">
+            <a:extLst>
+              <a:ext uri="{FF2B5EF4-FFF2-40B4-BE49-F238E27FC236}">
+                <a16:creationId xmlns:a16="http://schemas.microsoft.com/office/drawing/2014/main" id="{11B6612D-8547-708B-3B4D-85FA82633D78}"/>
+              </a:ext>
+            </a:extLst>
+          </p:cNvPr>
+          <p:cNvSpPr/>
+          <p:nvPr/>
+        </p:nvSpPr>
+        <p:spPr>
+          <a:xfrm>
+            <a:off x="4049502" y="2763929"/>
+            <a:ext cx="432000" cy="432000"/>
+          </a:xfrm>
+          <a:prstGeom prst="ellipse">
+            <a:avLst/>
+          </a:prstGeom>
+          <a:solidFill>
+            <a:srgbClr val="00730A"/>
+          </a:solidFill>
+          <a:ln>
+            <a:noFill/>
+          </a:ln>
+        </p:spPr>
+        <p:style>
+          <a:lnRef idx="2">
+            <a:schemeClr val="accent1">
+              <a:shade val="50000"/>
+            </a:schemeClr>
+          </a:lnRef>
+          <a:fillRef idx="1">
+            <a:schemeClr val="accent1"/>
+          </a:fillRef>
+          <a:effectRef idx="0">
+            <a:schemeClr val="accent1"/>
+          </a:effectRef>
+          <a:fontRef idx="minor">
+            <a:schemeClr val="lt1"/>
+          </a:fontRef>
+        </p:style>
+        <p:txBody>
+          <a:bodyPr rtlCol="0" anchor="ctr"/>
+          <a:lstStyle/>
+          <a:p>
+            <a:pPr algn="ctr"/>
+            <a:endParaRPr lang="en-US"/>
+          </a:p>
+        </p:txBody>
+      </p:sp>
+      <p:cxnSp>
+        <p:nvCxnSpPr>
+          <p:cNvPr id="44" name="Straight Connector 43">
+            <a:extLst>
+              <a:ext uri="{FF2B5EF4-FFF2-40B4-BE49-F238E27FC236}">
+                <a16:creationId xmlns:a16="http://schemas.microsoft.com/office/drawing/2014/main" id="{A7CEC066-70E1-8242-D15D-9D994FC218CE}"/>
+              </a:ext>
+            </a:extLst>
+          </p:cNvPr>
+          <p:cNvCxnSpPr>
+            <a:cxnSpLocks/>
+          </p:cNvCxnSpPr>
+          <p:nvPr/>
+        </p:nvCxnSpPr>
+        <p:spPr>
+          <a:xfrm flipH="1">
+            <a:off x="3365243" y="2991482"/>
+            <a:ext cx="689846" cy="0"/>
+          </a:xfrm>
+          <a:prstGeom prst="line">
+            <a:avLst/>
+          </a:prstGeom>
+          <a:ln w="57150">
+            <a:solidFill>
+              <a:schemeClr val="tx1"/>
+            </a:solidFill>
+          </a:ln>
+        </p:spPr>
+        <p:style>
+          <a:lnRef idx="1">
+            <a:schemeClr val="accent1"/>
+          </a:lnRef>
+          <a:fillRef idx="0">
+            <a:schemeClr val="accent1"/>
+          </a:fillRef>
+          <a:effectRef idx="0">
+            <a:schemeClr val="accent1"/>
+          </a:effectRef>
+          <a:fontRef idx="minor">
+            <a:schemeClr val="tx1"/>
+          </a:fontRef>
+        </p:style>
+      </p:cxnSp>
+      <p:cxnSp>
+        <p:nvCxnSpPr>
+          <p:cNvPr id="47" name="Straight Connector 46">
+            <a:extLst>
+              <a:ext uri="{FF2B5EF4-FFF2-40B4-BE49-F238E27FC236}">
+                <a16:creationId xmlns:a16="http://schemas.microsoft.com/office/drawing/2014/main" id="{68AFC96B-9D5C-3513-ED81-CC26CE64F7E0}"/>
+              </a:ext>
+            </a:extLst>
+          </p:cNvPr>
+          <p:cNvCxnSpPr>
+            <a:cxnSpLocks/>
+          </p:cNvCxnSpPr>
+          <p:nvPr/>
+        </p:nvCxnSpPr>
+        <p:spPr>
+          <a:xfrm flipH="1">
+            <a:off x="3167373" y="2990635"/>
+            <a:ext cx="216000" cy="720000"/>
+          </a:xfrm>
+          <a:prstGeom prst="line">
+            <a:avLst/>
+          </a:prstGeom>
+          <a:ln w="57150">
+            <a:solidFill>
+              <a:schemeClr val="tx1"/>
+            </a:solidFill>
+          </a:ln>
+        </p:spPr>
+        <p:style>
+          <a:lnRef idx="1">
+            <a:schemeClr val="accent1"/>
+          </a:lnRef>
+          <a:fillRef idx="0">
+            <a:schemeClr val="accent1"/>
+          </a:fillRef>
+          <a:effectRef idx="0">
+            <a:schemeClr val="accent1"/>
+          </a:effectRef>
+          <a:fontRef idx="minor">
+            <a:schemeClr val="tx1"/>
+          </a:fontRef>
+        </p:style>
+      </p:cxnSp>
+      <p:cxnSp>
+        <p:nvCxnSpPr>
+          <p:cNvPr id="48" name="Straight Connector 47">
+            <a:extLst>
+              <a:ext uri="{FF2B5EF4-FFF2-40B4-BE49-F238E27FC236}">
+                <a16:creationId xmlns:a16="http://schemas.microsoft.com/office/drawing/2014/main" id="{74ED4BB5-16B2-1A09-2FB2-23DC2EE21EAE}"/>
+              </a:ext>
+            </a:extLst>
+          </p:cNvPr>
+          <p:cNvCxnSpPr>
+            <a:cxnSpLocks/>
+          </p:cNvCxnSpPr>
+          <p:nvPr/>
+        </p:nvCxnSpPr>
+        <p:spPr>
+          <a:xfrm>
+            <a:off x="3167373" y="3689671"/>
+            <a:ext cx="216000" cy="720000"/>
+          </a:xfrm>
+          <a:prstGeom prst="line">
+            <a:avLst/>
+          </a:prstGeom>
+          <a:ln w="57150">
+            <a:solidFill>
+              <a:schemeClr val="tx1"/>
+            </a:solidFill>
+          </a:ln>
+        </p:spPr>
+        <p:style>
+          <a:lnRef idx="1">
+            <a:schemeClr val="accent1"/>
+          </a:lnRef>
+          <a:fillRef idx="0">
+            <a:schemeClr val="accent1"/>
+          </a:fillRef>
+          <a:effectRef idx="0">
+            <a:schemeClr val="accent1"/>
+          </a:effectRef>
+          <a:fontRef idx="minor">
+            <a:schemeClr val="tx1"/>
+          </a:fontRef>
+        </p:style>
+      </p:cxnSp>
+      <p:sp>
+        <p:nvSpPr>
+          <p:cNvPr id="46" name="Rectangle 45">
+            <a:extLst>
+              <a:ext uri="{FF2B5EF4-FFF2-40B4-BE49-F238E27FC236}">
+                <a16:creationId xmlns:a16="http://schemas.microsoft.com/office/drawing/2014/main" id="{E23698C7-6B6D-FE49-BE47-23279347B6BA}"/>
+              </a:ext>
+            </a:extLst>
+          </p:cNvPr>
+          <p:cNvSpPr/>
+          <p:nvPr/>
+        </p:nvSpPr>
+        <p:spPr>
+          <a:xfrm>
+            <a:off x="2719264" y="3494635"/>
+            <a:ext cx="432000" cy="432000"/>
+          </a:xfrm>
+          <a:prstGeom prst="rect">
+            <a:avLst/>
+          </a:prstGeom>
+          <a:solidFill>
+            <a:srgbClr val="002060"/>
+          </a:solidFill>
+          <a:ln>
+            <a:noFill/>
+          </a:ln>
+        </p:spPr>
+        <p:style>
+          <a:lnRef idx="2">
+            <a:schemeClr val="accent1">
+              <a:shade val="50000"/>
+            </a:schemeClr>
+          </a:lnRef>
+          <a:fillRef idx="1">
+            <a:schemeClr val="accent1"/>
+          </a:fillRef>
+          <a:effectRef idx="0">
+            <a:schemeClr val="accent1"/>
+          </a:effectRef>
+          <a:fontRef idx="minor">
+            <a:schemeClr val="lt1"/>
+          </a:fontRef>
+        </p:style>
+        <p:txBody>
+          <a:bodyPr rtlCol="0" anchor="ctr"/>
+          <a:lstStyle/>
+          <a:p>
+            <a:pPr algn="ctr"/>
+            <a:endParaRPr lang="en-US"/>
+          </a:p>
+        </p:txBody>
+      </p:sp>
+      <p:cxnSp>
+        <p:nvCxnSpPr>
+          <p:cNvPr id="50" name="Straight Connector 49">
+            <a:extLst>
+              <a:ext uri="{FF2B5EF4-FFF2-40B4-BE49-F238E27FC236}">
+                <a16:creationId xmlns:a16="http://schemas.microsoft.com/office/drawing/2014/main" id="{64A4F003-36DA-3A94-D72A-7D8298319399}"/>
+              </a:ext>
+            </a:extLst>
+          </p:cNvPr>
+          <p:cNvCxnSpPr>
+            <a:cxnSpLocks/>
+          </p:cNvCxnSpPr>
+          <p:nvPr/>
+        </p:nvCxnSpPr>
+        <p:spPr>
+          <a:xfrm flipH="1" flipV="1">
+            <a:off x="4459050" y="3684425"/>
+            <a:ext cx="1328589" cy="7512"/>
+          </a:xfrm>
+          <a:prstGeom prst="line">
+            <a:avLst/>
+          </a:prstGeom>
+          <a:ln w="57150">
+            <a:solidFill>
+              <a:schemeClr val="tx1"/>
+            </a:solidFill>
+          </a:ln>
+        </p:spPr>
+        <p:style>
+          <a:lnRef idx="1">
+            <a:schemeClr val="accent1"/>
+          </a:lnRef>
+          <a:fillRef idx="0">
+            <a:schemeClr val="accent1"/>
+          </a:fillRef>
+          <a:effectRef idx="0">
+            <a:schemeClr val="accent1"/>
+          </a:effectRef>
+          <a:fontRef idx="minor">
+            <a:schemeClr val="tx1"/>
+          </a:fontRef>
+        </p:style>
+      </p:cxnSp>
+      <p:sp>
+        <p:nvSpPr>
+          <p:cNvPr id="51" name="Triangle 50">
+            <a:extLst>
+              <a:ext uri="{FF2B5EF4-FFF2-40B4-BE49-F238E27FC236}">
+                <a16:creationId xmlns:a16="http://schemas.microsoft.com/office/drawing/2014/main" id="{2193AE10-9DFC-6CEE-54A8-9714953D1988}"/>
+              </a:ext>
+            </a:extLst>
+          </p:cNvPr>
+          <p:cNvSpPr/>
+          <p:nvPr/>
+        </p:nvSpPr>
+        <p:spPr>
+          <a:xfrm rot="16200000">
+            <a:off x="5691577" y="3475937"/>
+            <a:ext cx="432000" cy="432000"/>
+          </a:xfrm>
+          <a:prstGeom prst="triangle">
+            <a:avLst/>
+          </a:prstGeom>
+          <a:solidFill>
+            <a:srgbClr val="C00000"/>
+          </a:solidFill>
+          <a:ln>
+            <a:noFill/>
+          </a:ln>
+        </p:spPr>
+        <p:style>
+          <a:lnRef idx="2">
+            <a:schemeClr val="accent1">
+              <a:shade val="50000"/>
+            </a:schemeClr>
+          </a:lnRef>
+          <a:fillRef idx="1">
+            <a:schemeClr val="accent1"/>
+          </a:fillRef>
+          <a:effectRef idx="0">
+            <a:schemeClr val="accent1"/>
+          </a:effectRef>
+          <a:fontRef idx="minor">
+            <a:schemeClr val="lt1"/>
+          </a:fontRef>
+        </p:style>
+        <p:txBody>
+          <a:bodyPr rtlCol="0" anchor="ctr"/>
+          <a:lstStyle/>
+          <a:p>
+            <a:pPr algn="ctr"/>
+            <a:endParaRPr lang="en-US"/>
+          </a:p>
+        </p:txBody>
+      </p:sp>
+      <p:sp>
+        <p:nvSpPr>
+          <p:cNvPr id="52" name="TextBox 51">
+            <a:extLst>
+              <a:ext uri="{FF2B5EF4-FFF2-40B4-BE49-F238E27FC236}">
+                <a16:creationId xmlns:a16="http://schemas.microsoft.com/office/drawing/2014/main" id="{7F215F97-709F-AE63-E99E-46717305904A}"/>
+              </a:ext>
+            </a:extLst>
+          </p:cNvPr>
+          <p:cNvSpPr txBox="1"/>
+          <p:nvPr/>
+        </p:nvSpPr>
+        <p:spPr>
+          <a:xfrm>
+            <a:off x="4425959" y="3383418"/>
+            <a:ext cx="1328588" cy="307777"/>
+          </a:xfrm>
+          <a:prstGeom prst="rect">
+            <a:avLst/>
+          </a:prstGeom>
+          <a:noFill/>
+        </p:spPr>
+        <p:txBody>
+          <a:bodyPr wrap="square" rtlCol="0">
+            <a:spAutoFit/>
+          </a:bodyPr>
+          <a:lstStyle/>
+          <a:p>
+            <a:r>
+              <a:rPr lang="en-US" sz="1400" dirty="0"/>
+              <a:t>P(D|A) = 0.6</a:t>
+            </a:r>
+          </a:p>
+        </p:txBody>
+      </p:sp>
+      <p:sp>
+        <p:nvSpPr>
+          <p:cNvPr id="53" name="TextBox 52">
+            <a:extLst>
+              <a:ext uri="{FF2B5EF4-FFF2-40B4-BE49-F238E27FC236}">
+                <a16:creationId xmlns:a16="http://schemas.microsoft.com/office/drawing/2014/main" id="{CC938636-BD1C-96B2-1C35-E0A99E5C7E04}"/>
+              </a:ext>
+            </a:extLst>
+          </p:cNvPr>
+          <p:cNvSpPr txBox="1"/>
+          <p:nvPr/>
+        </p:nvSpPr>
+        <p:spPr>
+          <a:xfrm>
+            <a:off x="3333133" y="2618668"/>
+            <a:ext cx="427610" cy="369332"/>
+          </a:xfrm>
+          <a:prstGeom prst="rect">
+            <a:avLst/>
+          </a:prstGeom>
+          <a:noFill/>
+        </p:spPr>
+        <p:txBody>
+          <a:bodyPr wrap="square" rtlCol="0">
+            <a:spAutoFit/>
+          </a:bodyPr>
+          <a:lstStyle/>
+          <a:p>
+            <a:r>
+              <a:rPr lang="en-US" dirty="0"/>
+              <a:t>A</a:t>
+            </a:r>
+          </a:p>
+        </p:txBody>
+      </p:sp>
+      <p:cxnSp>
+        <p:nvCxnSpPr>
+          <p:cNvPr id="54" name="Straight Connector 53">
+            <a:extLst>
+              <a:ext uri="{FF2B5EF4-FFF2-40B4-BE49-F238E27FC236}">
+                <a16:creationId xmlns:a16="http://schemas.microsoft.com/office/drawing/2014/main" id="{C8B5FF0C-A1F6-9BF9-2ECC-C178A33F12D1}"/>
+              </a:ext>
+            </a:extLst>
+          </p:cNvPr>
+          <p:cNvCxnSpPr>
+            <a:cxnSpLocks/>
+          </p:cNvCxnSpPr>
+          <p:nvPr/>
+        </p:nvCxnSpPr>
+        <p:spPr>
+          <a:xfrm flipH="1">
+            <a:off x="3365243" y="4408823"/>
+            <a:ext cx="1354711" cy="418"/>
+          </a:xfrm>
+          <a:prstGeom prst="line">
+            <a:avLst/>
+          </a:prstGeom>
+          <a:ln w="57150">
+            <a:solidFill>
+              <a:schemeClr val="tx1"/>
+            </a:solidFill>
+          </a:ln>
+        </p:spPr>
+        <p:style>
+          <a:lnRef idx="1">
+            <a:schemeClr val="accent1"/>
+          </a:lnRef>
+          <a:fillRef idx="0">
+            <a:schemeClr val="accent1"/>
+          </a:fillRef>
+          <a:effectRef idx="0">
+            <a:schemeClr val="accent1"/>
+          </a:effectRef>
+          <a:fontRef idx="minor">
+            <a:schemeClr val="tx1"/>
+          </a:fontRef>
+        </p:style>
+      </p:cxnSp>
+      <p:sp>
+        <p:nvSpPr>
+          <p:cNvPr id="55" name="Triangle 54">
+            <a:extLst>
+              <a:ext uri="{FF2B5EF4-FFF2-40B4-BE49-F238E27FC236}">
+                <a16:creationId xmlns:a16="http://schemas.microsoft.com/office/drawing/2014/main" id="{54EF0CD9-751C-040E-2628-2A1FFCA75351}"/>
+              </a:ext>
+            </a:extLst>
+          </p:cNvPr>
+          <p:cNvSpPr/>
+          <p:nvPr/>
+        </p:nvSpPr>
+        <p:spPr>
+          <a:xfrm rot="16200000">
+            <a:off x="4623892" y="4200895"/>
+            <a:ext cx="432000" cy="432000"/>
+          </a:xfrm>
+          <a:prstGeom prst="triangle">
+            <a:avLst/>
+          </a:prstGeom>
+          <a:solidFill>
+            <a:srgbClr val="C00000"/>
+          </a:solidFill>
+          <a:ln>
+            <a:noFill/>
+          </a:ln>
+        </p:spPr>
+        <p:style>
+          <a:lnRef idx="2">
+            <a:schemeClr val="accent1">
+              <a:shade val="50000"/>
+            </a:schemeClr>
+          </a:lnRef>
+          <a:fillRef idx="1">
+            <a:schemeClr val="accent1"/>
+          </a:fillRef>
+          <a:effectRef idx="0">
+            <a:schemeClr val="accent1"/>
+          </a:effectRef>
+          <a:fontRef idx="minor">
+            <a:schemeClr val="lt1"/>
+          </a:fontRef>
+        </p:style>
+        <p:txBody>
+          <a:bodyPr rtlCol="0" anchor="ctr"/>
+          <a:lstStyle/>
+          <a:p>
+            <a:pPr algn="ctr"/>
+            <a:endParaRPr lang="en-US"/>
+          </a:p>
+        </p:txBody>
+      </p:sp>
+      <p:sp>
+        <p:nvSpPr>
+          <p:cNvPr id="58" name="TextBox 57">
+            <a:extLst>
+              <a:ext uri="{FF2B5EF4-FFF2-40B4-BE49-F238E27FC236}">
+                <a16:creationId xmlns:a16="http://schemas.microsoft.com/office/drawing/2014/main" id="{497B7727-6FAA-0CDF-B4AA-34FD674401C6}"/>
+              </a:ext>
+            </a:extLst>
+          </p:cNvPr>
+          <p:cNvSpPr txBox="1"/>
+          <p:nvPr/>
+        </p:nvSpPr>
+        <p:spPr>
+          <a:xfrm>
+            <a:off x="3367438" y="4049973"/>
+            <a:ext cx="427610" cy="369332"/>
+          </a:xfrm>
+          <a:prstGeom prst="rect">
+            <a:avLst/>
+          </a:prstGeom>
+          <a:noFill/>
+        </p:spPr>
+        <p:txBody>
+          <a:bodyPr wrap="square" rtlCol="0">
+            <a:spAutoFit/>
+          </a:bodyPr>
+          <a:lstStyle/>
+          <a:p>
+            <a:r>
+              <a:rPr lang="en-US" dirty="0"/>
+              <a:t>B</a:t>
+            </a:r>
+          </a:p>
+        </p:txBody>
+      </p:sp>
+      <p:sp>
+        <p:nvSpPr>
+          <p:cNvPr id="59" name="TextBox 58">
+            <a:extLst>
+              <a:ext uri="{FF2B5EF4-FFF2-40B4-BE49-F238E27FC236}">
+                <a16:creationId xmlns:a16="http://schemas.microsoft.com/office/drawing/2014/main" id="{AEB6B0DA-1939-B987-F71A-D9C0A50DD327}"/>
+              </a:ext>
+            </a:extLst>
+          </p:cNvPr>
+          <p:cNvSpPr txBox="1"/>
+          <p:nvPr/>
+        </p:nvSpPr>
+        <p:spPr>
+          <a:xfrm>
+            <a:off x="4309422" y="1991981"/>
+            <a:ext cx="1370134" cy="307777"/>
+          </a:xfrm>
+          <a:prstGeom prst="rect">
+            <a:avLst/>
+          </a:prstGeom>
+          <a:noFill/>
+        </p:spPr>
+        <p:txBody>
+          <a:bodyPr wrap="square" rtlCol="0">
+            <a:spAutoFit/>
+          </a:bodyPr>
+          <a:lstStyle/>
+          <a:p>
+            <a:r>
+              <a:rPr lang="en-US" sz="1400" dirty="0"/>
+              <a:t>P(C|A) = 0.4</a:t>
+            </a:r>
+          </a:p>
+        </p:txBody>
+      </p:sp>
+      <p:sp>
+        <p:nvSpPr>
+          <p:cNvPr id="62" name="TextBox 61">
+            <a:extLst>
+              <a:ext uri="{FF2B5EF4-FFF2-40B4-BE49-F238E27FC236}">
+                <a16:creationId xmlns:a16="http://schemas.microsoft.com/office/drawing/2014/main" id="{9296A84B-161F-6378-9125-9112DE593C45}"/>
+              </a:ext>
+            </a:extLst>
+          </p:cNvPr>
+          <p:cNvSpPr txBox="1"/>
+          <p:nvPr/>
+        </p:nvSpPr>
+        <p:spPr>
+          <a:xfrm>
+            <a:off x="7478288" y="1437300"/>
+            <a:ext cx="674991" cy="369332"/>
+          </a:xfrm>
+          <a:prstGeom prst="rect">
+            <a:avLst/>
+          </a:prstGeom>
+          <a:noFill/>
+        </p:spPr>
+        <p:txBody>
+          <a:bodyPr wrap="square" rtlCol="0">
+            <a:spAutoFit/>
+          </a:bodyPr>
+          <a:lstStyle/>
+          <a:p>
+            <a:r>
+              <a:rPr lang="en-US" dirty="0"/>
+              <a:t>$10</a:t>
+            </a:r>
+          </a:p>
+        </p:txBody>
+      </p:sp>
+      <p:sp>
+        <p:nvSpPr>
+          <p:cNvPr id="63" name="TextBox 62">
+            <a:extLst>
+              <a:ext uri="{FF2B5EF4-FFF2-40B4-BE49-F238E27FC236}">
+                <a16:creationId xmlns:a16="http://schemas.microsoft.com/office/drawing/2014/main" id="{B54F4629-3600-9375-2BB6-50F9B1BDAA11}"/>
+              </a:ext>
+            </a:extLst>
+          </p:cNvPr>
+          <p:cNvSpPr txBox="1"/>
+          <p:nvPr/>
+        </p:nvSpPr>
+        <p:spPr>
+          <a:xfrm>
+            <a:off x="7477441" y="2119158"/>
+            <a:ext cx="674991" cy="369332"/>
+          </a:xfrm>
+          <a:prstGeom prst="rect">
+            <a:avLst/>
+          </a:prstGeom>
+          <a:noFill/>
+        </p:spPr>
+        <p:txBody>
+          <a:bodyPr wrap="square" rtlCol="0">
+            <a:spAutoFit/>
+          </a:bodyPr>
+          <a:lstStyle/>
+          <a:p>
+            <a:r>
+              <a:rPr lang="en-US" dirty="0"/>
+              <a:t>$20</a:t>
+            </a:r>
+          </a:p>
+        </p:txBody>
+      </p:sp>
+      <p:sp>
+        <p:nvSpPr>
+          <p:cNvPr id="64" name="TextBox 63">
+            <a:extLst>
+              <a:ext uri="{FF2B5EF4-FFF2-40B4-BE49-F238E27FC236}">
+                <a16:creationId xmlns:a16="http://schemas.microsoft.com/office/drawing/2014/main" id="{EF180F35-4ABC-BC14-36FB-D0307B8A13A4}"/>
+              </a:ext>
+            </a:extLst>
+          </p:cNvPr>
+          <p:cNvSpPr txBox="1"/>
+          <p:nvPr/>
+        </p:nvSpPr>
+        <p:spPr>
+          <a:xfrm>
+            <a:off x="7431771" y="2780613"/>
+            <a:ext cx="674991" cy="369332"/>
+          </a:xfrm>
+          <a:prstGeom prst="rect">
+            <a:avLst/>
+          </a:prstGeom>
+          <a:noFill/>
+        </p:spPr>
+        <p:txBody>
+          <a:bodyPr wrap="square" rtlCol="0">
+            <a:spAutoFit/>
+          </a:bodyPr>
+          <a:lstStyle/>
+          <a:p>
+            <a:r>
+              <a:rPr lang="en-US" dirty="0"/>
+              <a:t>$40</a:t>
+            </a:r>
+          </a:p>
+        </p:txBody>
+      </p:sp>
+      <p:sp>
+        <p:nvSpPr>
+          <p:cNvPr id="65" name="TextBox 64">
+            <a:extLst>
+              <a:ext uri="{FF2B5EF4-FFF2-40B4-BE49-F238E27FC236}">
+                <a16:creationId xmlns:a16="http://schemas.microsoft.com/office/drawing/2014/main" id="{25360C64-87B2-88F8-6BB2-38BC7C195430}"/>
+              </a:ext>
+            </a:extLst>
+          </p:cNvPr>
+          <p:cNvSpPr txBox="1"/>
+          <p:nvPr/>
+        </p:nvSpPr>
+        <p:spPr>
+          <a:xfrm>
+            <a:off x="6077907" y="3506529"/>
+            <a:ext cx="674991" cy="369332"/>
+          </a:xfrm>
+          <a:prstGeom prst="rect">
+            <a:avLst/>
+          </a:prstGeom>
+          <a:noFill/>
+        </p:spPr>
+        <p:txBody>
+          <a:bodyPr wrap="square" rtlCol="0">
+            <a:spAutoFit/>
+          </a:bodyPr>
+          <a:lstStyle/>
+          <a:p>
+            <a:r>
+              <a:rPr lang="en-US" dirty="0"/>
+              <a:t>$200</a:t>
+            </a:r>
+          </a:p>
+        </p:txBody>
+      </p:sp>
+      <p:sp>
+        <p:nvSpPr>
+          <p:cNvPr id="66" name="TextBox 65">
+            <a:extLst>
+              <a:ext uri="{FF2B5EF4-FFF2-40B4-BE49-F238E27FC236}">
+                <a16:creationId xmlns:a16="http://schemas.microsoft.com/office/drawing/2014/main" id="{39A2CA35-378A-ADDA-E70B-CFD4475BD2B1}"/>
+              </a:ext>
+            </a:extLst>
+          </p:cNvPr>
+          <p:cNvSpPr txBox="1"/>
+          <p:nvPr/>
+        </p:nvSpPr>
+        <p:spPr>
+          <a:xfrm>
+            <a:off x="5016586" y="4263563"/>
+            <a:ext cx="674991" cy="369332"/>
+          </a:xfrm>
+          <a:prstGeom prst="rect">
+            <a:avLst/>
+          </a:prstGeom>
+          <a:noFill/>
+        </p:spPr>
+        <p:txBody>
+          <a:bodyPr wrap="square" rtlCol="0">
+            <a:spAutoFit/>
+          </a:bodyPr>
+          <a:lstStyle/>
+          <a:p>
+            <a:r>
+              <a:rPr lang="en-US" dirty="0"/>
+              <a:t>$100</a:t>
+            </a:r>
+          </a:p>
+        </p:txBody>
+      </p:sp>
+      <p:sp>
+        <p:nvSpPr>
+          <p:cNvPr id="2" name="TextBox 1">
+            <a:extLst>
+              <a:ext uri="{FF2B5EF4-FFF2-40B4-BE49-F238E27FC236}">
+                <a16:creationId xmlns:a16="http://schemas.microsoft.com/office/drawing/2014/main" id="{0C84026C-5E0F-F7BC-3ABF-D4F0376A48D5}"/>
+              </a:ext>
+            </a:extLst>
+          </p:cNvPr>
+          <p:cNvSpPr txBox="1"/>
+          <p:nvPr/>
+        </p:nvSpPr>
+        <p:spPr>
+          <a:xfrm>
+            <a:off x="4826526" y="2416043"/>
+            <a:ext cx="849888" cy="307777"/>
+          </a:xfrm>
+          <a:prstGeom prst="rect">
+            <a:avLst/>
+          </a:prstGeom>
+          <a:noFill/>
+        </p:spPr>
+        <p:txBody>
+          <a:bodyPr wrap="square" rtlCol="0">
+            <a:spAutoFit/>
+          </a:bodyPr>
+          <a:lstStyle/>
+          <a:p>
+            <a:pPr algn="ctr"/>
+            <a:r>
+              <a:rPr lang="en-US" sz="1400" b="1" dirty="0">
+                <a:solidFill>
+                  <a:srgbClr val="FF0000"/>
+                </a:solidFill>
+              </a:rPr>
+              <a:t>E(C)=$20</a:t>
+            </a:r>
+          </a:p>
+        </p:txBody>
+      </p:sp>
+    </p:spTree>
+    <p:extLst>
+      <p:ext uri="{BB962C8B-B14F-4D97-AF65-F5344CB8AC3E}">
+        <p14:creationId xmlns:p14="http://schemas.microsoft.com/office/powerpoint/2010/main" val="4033933112"/>
+      </p:ext>
+    </p:extLst>
+  </p:cSld>
+  <p:clrMapOvr>
+    <a:masterClrMapping/>
+  </p:clrMapOvr>
+</p:sld>
+</file>
+
+<file path=ppt/slides/slide8.xml><?xml version="1.0" encoding="utf-8"?>
+<p:sld xmlns:a="http://schemas.openxmlformats.org/drawingml/2006/main" xmlns:r="http://schemas.openxmlformats.org/officeDocument/2006/relationships" xmlns:p="http://schemas.openxmlformats.org/presentationml/2006/main">
+  <p:cSld>
+    <p:spTree>
+      <p:nvGrpSpPr>
+        <p:cNvPr id="1" name=""/>
+        <p:cNvGrpSpPr/>
+        <p:nvPr/>
+      </p:nvGrpSpPr>
+      <p:grpSpPr>
+        <a:xfrm>
+          <a:off x="0" y="0"/>
+          <a:ext cx="0" cy="0"/>
+          <a:chOff x="0" y="0"/>
+          <a:chExt cx="0" cy="0"/>
+        </a:xfrm>
+      </p:grpSpPr>
+      <p:cxnSp>
+        <p:nvCxnSpPr>
+          <p:cNvPr id="5" name="Straight Connector 4">
+            <a:extLst>
+              <a:ext uri="{FF2B5EF4-FFF2-40B4-BE49-F238E27FC236}">
+                <a16:creationId xmlns:a16="http://schemas.microsoft.com/office/drawing/2014/main" id="{63B29709-3BE6-7116-C96E-88917BE17E5C}"/>
+              </a:ext>
+            </a:extLst>
+          </p:cNvPr>
+          <p:cNvCxnSpPr>
+            <a:cxnSpLocks/>
+          </p:cNvCxnSpPr>
+          <p:nvPr/>
+        </p:nvCxnSpPr>
+        <p:spPr>
+          <a:xfrm flipH="1">
+            <a:off x="5597761" y="1591189"/>
+            <a:ext cx="216000" cy="720000"/>
+          </a:xfrm>
+          <a:prstGeom prst="line">
+            <a:avLst/>
+          </a:prstGeom>
+          <a:ln w="57150">
+            <a:solidFill>
+              <a:schemeClr val="tx1"/>
+            </a:solidFill>
+          </a:ln>
+        </p:spPr>
+        <p:style>
+          <a:lnRef idx="1">
+            <a:schemeClr val="accent1"/>
+          </a:lnRef>
+          <a:fillRef idx="0">
+            <a:schemeClr val="accent1"/>
+          </a:fillRef>
+          <a:effectRef idx="0">
+            <a:schemeClr val="accent1"/>
+          </a:effectRef>
+          <a:fontRef idx="minor">
+            <a:schemeClr val="tx1"/>
+          </a:fontRef>
+        </p:style>
+      </p:cxnSp>
+      <p:cxnSp>
+        <p:nvCxnSpPr>
+          <p:cNvPr id="7" name="Straight Connector 6">
+            <a:extLst>
+              <a:ext uri="{FF2B5EF4-FFF2-40B4-BE49-F238E27FC236}">
+                <a16:creationId xmlns:a16="http://schemas.microsoft.com/office/drawing/2014/main" id="{993343DA-9D93-26CE-C64D-8EB21CC5B02E}"/>
+              </a:ext>
+            </a:extLst>
+          </p:cNvPr>
+          <p:cNvCxnSpPr>
+            <a:cxnSpLocks/>
+          </p:cNvCxnSpPr>
+          <p:nvPr/>
+        </p:nvCxnSpPr>
+        <p:spPr>
+          <a:xfrm>
+            <a:off x="5597761" y="2290225"/>
+            <a:ext cx="216000" cy="720000"/>
+          </a:xfrm>
+          <a:prstGeom prst="line">
+            <a:avLst/>
+          </a:prstGeom>
+          <a:ln w="57150">
+            <a:solidFill>
+              <a:schemeClr val="tx1"/>
+            </a:solidFill>
+          </a:ln>
+        </p:spPr>
+        <p:style>
+          <a:lnRef idx="1">
+            <a:schemeClr val="accent1"/>
+          </a:lnRef>
+          <a:fillRef idx="0">
+            <a:schemeClr val="accent1"/>
+          </a:fillRef>
+          <a:effectRef idx="0">
+            <a:schemeClr val="accent1"/>
+          </a:effectRef>
+          <a:fontRef idx="minor">
+            <a:schemeClr val="tx1"/>
+          </a:fontRef>
+        </p:style>
+      </p:cxnSp>
+      <p:cxnSp>
+        <p:nvCxnSpPr>
+          <p:cNvPr id="10" name="Straight Connector 9">
+            <a:extLst>
+              <a:ext uri="{FF2B5EF4-FFF2-40B4-BE49-F238E27FC236}">
+                <a16:creationId xmlns:a16="http://schemas.microsoft.com/office/drawing/2014/main" id="{DBB73E9E-F60B-46B1-2E44-3A776C09F9FA}"/>
+              </a:ext>
+            </a:extLst>
+          </p:cNvPr>
+          <p:cNvCxnSpPr>
+            <a:cxnSpLocks/>
+            <a:endCxn id="4" idx="6"/>
+          </p:cNvCxnSpPr>
+          <p:nvPr/>
+        </p:nvCxnSpPr>
+        <p:spPr>
+          <a:xfrm flipH="1">
+            <a:off x="5813761" y="2293706"/>
+            <a:ext cx="1448527" cy="0"/>
+          </a:xfrm>
+          <a:prstGeom prst="line">
+            <a:avLst/>
+          </a:prstGeom>
+          <a:ln w="57150">
+            <a:solidFill>
+              <a:schemeClr val="tx1"/>
+            </a:solidFill>
+          </a:ln>
+        </p:spPr>
+        <p:style>
+          <a:lnRef idx="1">
+            <a:schemeClr val="accent1"/>
+          </a:lnRef>
+          <a:fillRef idx="0">
+            <a:schemeClr val="accent1"/>
+          </a:fillRef>
+          <a:effectRef idx="0">
+            <a:schemeClr val="accent1"/>
+          </a:effectRef>
+          <a:fontRef idx="minor">
+            <a:schemeClr val="tx1"/>
+          </a:fontRef>
+        </p:style>
+      </p:cxnSp>
+      <p:cxnSp>
+        <p:nvCxnSpPr>
+          <p:cNvPr id="15" name="Straight Connector 14">
+            <a:extLst>
+              <a:ext uri="{FF2B5EF4-FFF2-40B4-BE49-F238E27FC236}">
+                <a16:creationId xmlns:a16="http://schemas.microsoft.com/office/drawing/2014/main" id="{550B41AE-3610-6DDF-D2E5-F0E8764D3332}"/>
+              </a:ext>
+            </a:extLst>
+          </p:cNvPr>
+          <p:cNvCxnSpPr>
+            <a:cxnSpLocks/>
+          </p:cNvCxnSpPr>
+          <p:nvPr/>
+        </p:nvCxnSpPr>
+        <p:spPr>
+          <a:xfrm flipH="1" flipV="1">
+            <a:off x="5813761" y="1613973"/>
+            <a:ext cx="1328589" cy="7512"/>
+          </a:xfrm>
+          <a:prstGeom prst="line">
+            <a:avLst/>
+          </a:prstGeom>
+          <a:ln w="57150">
+            <a:solidFill>
+              <a:schemeClr val="tx1"/>
+            </a:solidFill>
+          </a:ln>
+        </p:spPr>
+        <p:style>
+          <a:lnRef idx="1">
+            <a:schemeClr val="accent1"/>
+          </a:lnRef>
+          <a:fillRef idx="0">
+            <a:schemeClr val="accent1"/>
+          </a:fillRef>
+          <a:effectRef idx="0">
+            <a:schemeClr val="accent1"/>
+          </a:effectRef>
+          <a:fontRef idx="minor">
+            <a:schemeClr val="tx1"/>
+          </a:fontRef>
+        </p:style>
+      </p:cxnSp>
+      <p:cxnSp>
+        <p:nvCxnSpPr>
+          <p:cNvPr id="17" name="Straight Connector 16">
+            <a:extLst>
+              <a:ext uri="{FF2B5EF4-FFF2-40B4-BE49-F238E27FC236}">
+                <a16:creationId xmlns:a16="http://schemas.microsoft.com/office/drawing/2014/main" id="{393F6A59-1A0F-BC3A-7523-7C08582C158C}"/>
+              </a:ext>
+            </a:extLst>
+          </p:cNvPr>
+          <p:cNvCxnSpPr>
+            <a:cxnSpLocks/>
+          </p:cNvCxnSpPr>
+          <p:nvPr/>
+        </p:nvCxnSpPr>
+        <p:spPr>
+          <a:xfrm flipH="1">
+            <a:off x="5787639" y="2979929"/>
+            <a:ext cx="1354711" cy="418"/>
+          </a:xfrm>
+          <a:prstGeom prst="line">
+            <a:avLst/>
+          </a:prstGeom>
+          <a:ln w="57150">
+            <a:solidFill>
+              <a:schemeClr val="tx1"/>
+            </a:solidFill>
+          </a:ln>
+        </p:spPr>
+        <p:style>
+          <a:lnRef idx="1">
+            <a:schemeClr val="accent1"/>
+          </a:lnRef>
+          <a:fillRef idx="0">
+            <a:schemeClr val="accent1"/>
+          </a:fillRef>
+          <a:effectRef idx="0">
+            <a:schemeClr val="accent1"/>
+          </a:effectRef>
+          <a:fontRef idx="minor">
+            <a:schemeClr val="tx1"/>
+          </a:fontRef>
+        </p:style>
+      </p:cxnSp>
+      <p:sp>
+        <p:nvSpPr>
+          <p:cNvPr id="18" name="TextBox 17">
+            <a:extLst>
+              <a:ext uri="{FF2B5EF4-FFF2-40B4-BE49-F238E27FC236}">
+                <a16:creationId xmlns:a16="http://schemas.microsoft.com/office/drawing/2014/main" id="{96041ABA-C2CD-538E-EEF0-6C98DDC99B5B}"/>
+              </a:ext>
+            </a:extLst>
+          </p:cNvPr>
+          <p:cNvSpPr txBox="1"/>
+          <p:nvPr/>
+        </p:nvSpPr>
+        <p:spPr>
+          <a:xfrm>
+            <a:off x="5740730" y="1304413"/>
+            <a:ext cx="1448527" cy="307777"/>
+          </a:xfrm>
+          <a:prstGeom prst="rect">
+            <a:avLst/>
+          </a:prstGeom>
+          <a:noFill/>
+        </p:spPr>
+        <p:txBody>
+          <a:bodyPr wrap="square" rtlCol="0">
+            <a:spAutoFit/>
+          </a:bodyPr>
+          <a:lstStyle/>
+          <a:p>
+            <a:r>
+              <a:rPr lang="en-US" sz="1400" dirty="0"/>
+              <a:t>P(E|AC) = 0.2</a:t>
+            </a:r>
+          </a:p>
+        </p:txBody>
+      </p:sp>
+      <p:sp>
+        <p:nvSpPr>
+          <p:cNvPr id="23" name="TextBox 22">
+            <a:extLst>
+              <a:ext uri="{FF2B5EF4-FFF2-40B4-BE49-F238E27FC236}">
+                <a16:creationId xmlns:a16="http://schemas.microsoft.com/office/drawing/2014/main" id="{6A020D0D-A0D7-B0B1-CBDF-C7D17919B19D}"/>
+              </a:ext>
+            </a:extLst>
+          </p:cNvPr>
+          <p:cNvSpPr txBox="1"/>
+          <p:nvPr/>
+        </p:nvSpPr>
+        <p:spPr>
+          <a:xfrm>
+            <a:off x="5763903" y="1978426"/>
+            <a:ext cx="1184864" cy="307777"/>
+          </a:xfrm>
+          <a:prstGeom prst="rect">
+            <a:avLst/>
+          </a:prstGeom>
+          <a:noFill/>
+        </p:spPr>
+        <p:txBody>
+          <a:bodyPr wrap="square" rtlCol="0">
+            <a:spAutoFit/>
+          </a:bodyPr>
+          <a:lstStyle/>
+          <a:p>
+            <a:r>
+              <a:rPr lang="en-US" sz="1400" dirty="0"/>
+              <a:t>P(F|AC) = 0.7</a:t>
+            </a:r>
+          </a:p>
+        </p:txBody>
+      </p:sp>
+      <p:sp>
+        <p:nvSpPr>
+          <p:cNvPr id="24" name="TextBox 23">
+            <a:extLst>
+              <a:ext uri="{FF2B5EF4-FFF2-40B4-BE49-F238E27FC236}">
+                <a16:creationId xmlns:a16="http://schemas.microsoft.com/office/drawing/2014/main" id="{DC7D80D2-68F2-9E07-88E8-C97C4B56DCC6}"/>
+              </a:ext>
+            </a:extLst>
+          </p:cNvPr>
+          <p:cNvSpPr txBox="1"/>
+          <p:nvPr/>
+        </p:nvSpPr>
+        <p:spPr>
+          <a:xfrm>
+            <a:off x="5787639" y="2664648"/>
+            <a:ext cx="1184864" cy="307777"/>
+          </a:xfrm>
+          <a:prstGeom prst="rect">
+            <a:avLst/>
+          </a:prstGeom>
+          <a:noFill/>
+        </p:spPr>
+        <p:txBody>
+          <a:bodyPr wrap="square" rtlCol="0">
+            <a:spAutoFit/>
+          </a:bodyPr>
+          <a:lstStyle/>
+          <a:p>
+            <a:r>
+              <a:rPr lang="en-US" sz="1400" dirty="0"/>
+              <a:t>P(G|AC) = 0.1</a:t>
+            </a:r>
+          </a:p>
+        </p:txBody>
+      </p:sp>
+      <p:cxnSp>
+        <p:nvCxnSpPr>
+          <p:cNvPr id="25" name="Straight Connector 24">
+            <a:extLst>
+              <a:ext uri="{FF2B5EF4-FFF2-40B4-BE49-F238E27FC236}">
+                <a16:creationId xmlns:a16="http://schemas.microsoft.com/office/drawing/2014/main" id="{3C22B92C-9BB9-39FF-A55B-C5C3501FA2B8}"/>
+              </a:ext>
+            </a:extLst>
+          </p:cNvPr>
+          <p:cNvCxnSpPr>
+            <a:cxnSpLocks/>
+            <a:stCxn id="4" idx="2"/>
+          </p:cNvCxnSpPr>
+          <p:nvPr/>
+        </p:nvCxnSpPr>
+        <p:spPr>
+          <a:xfrm flipH="1" flipV="1">
+            <a:off x="4478989" y="2290224"/>
+            <a:ext cx="902772" cy="3482"/>
+          </a:xfrm>
+          <a:prstGeom prst="line">
+            <a:avLst/>
+          </a:prstGeom>
+          <a:ln w="57150">
+            <a:solidFill>
+              <a:schemeClr val="tx1"/>
+            </a:solidFill>
+          </a:ln>
+        </p:spPr>
+        <p:style>
+          <a:lnRef idx="1">
+            <a:schemeClr val="accent1"/>
+          </a:lnRef>
+          <a:fillRef idx="0">
+            <a:schemeClr val="accent1"/>
+          </a:fillRef>
+          <a:effectRef idx="0">
+            <a:schemeClr val="accent1"/>
+          </a:effectRef>
+          <a:fontRef idx="minor">
+            <a:schemeClr val="tx1"/>
+          </a:fontRef>
+        </p:style>
+      </p:cxnSp>
+      <p:sp>
+        <p:nvSpPr>
+          <p:cNvPr id="31" name="Triangle 30">
+            <a:extLst>
+              <a:ext uri="{FF2B5EF4-FFF2-40B4-BE49-F238E27FC236}">
+                <a16:creationId xmlns:a16="http://schemas.microsoft.com/office/drawing/2014/main" id="{D7FDF5FC-28B8-7D75-7DD9-E46D9EFFDCA7}"/>
+              </a:ext>
+            </a:extLst>
+          </p:cNvPr>
+          <p:cNvSpPr/>
+          <p:nvPr/>
+        </p:nvSpPr>
+        <p:spPr>
+          <a:xfrm rot="16200000">
+            <a:off x="7046288" y="1405485"/>
+            <a:ext cx="432000" cy="432000"/>
+          </a:xfrm>
+          <a:prstGeom prst="triangle">
+            <a:avLst/>
+          </a:prstGeom>
+          <a:solidFill>
+            <a:srgbClr val="C00000"/>
+          </a:solidFill>
+          <a:ln>
+            <a:noFill/>
+          </a:ln>
+        </p:spPr>
+        <p:style>
+          <a:lnRef idx="2">
+            <a:schemeClr val="accent1">
+              <a:shade val="50000"/>
+            </a:schemeClr>
+          </a:lnRef>
+          <a:fillRef idx="1">
+            <a:schemeClr val="accent1"/>
+          </a:fillRef>
+          <a:effectRef idx="0">
+            <a:schemeClr val="accent1"/>
+          </a:effectRef>
+          <a:fontRef idx="minor">
+            <a:schemeClr val="lt1"/>
+          </a:fontRef>
+        </p:style>
+        <p:txBody>
+          <a:bodyPr rtlCol="0" anchor="ctr"/>
+          <a:lstStyle/>
+          <a:p>
+            <a:pPr algn="ctr"/>
+            <a:endParaRPr lang="en-US"/>
+          </a:p>
+        </p:txBody>
+      </p:sp>
+      <p:sp>
+        <p:nvSpPr>
+          <p:cNvPr id="4" name="Oval 3">
+            <a:extLst>
+              <a:ext uri="{FF2B5EF4-FFF2-40B4-BE49-F238E27FC236}">
+                <a16:creationId xmlns:a16="http://schemas.microsoft.com/office/drawing/2014/main" id="{0AEFF8DC-6AA8-E2AF-559A-CF6DFEB8D823}"/>
+              </a:ext>
+            </a:extLst>
+          </p:cNvPr>
+          <p:cNvSpPr/>
+          <p:nvPr/>
+        </p:nvSpPr>
+        <p:spPr>
+          <a:xfrm>
+            <a:off x="5381761" y="2077706"/>
+            <a:ext cx="432000" cy="432000"/>
+          </a:xfrm>
+          <a:prstGeom prst="ellipse">
+            <a:avLst/>
+          </a:prstGeom>
+          <a:solidFill>
+            <a:srgbClr val="00730A"/>
+          </a:solidFill>
+          <a:ln>
+            <a:noFill/>
+          </a:ln>
+        </p:spPr>
+        <p:style>
+          <a:lnRef idx="2">
+            <a:schemeClr val="accent1">
+              <a:shade val="50000"/>
+            </a:schemeClr>
+          </a:lnRef>
+          <a:fillRef idx="1">
+            <a:schemeClr val="accent1"/>
+          </a:fillRef>
+          <a:effectRef idx="0">
+            <a:schemeClr val="accent1"/>
+          </a:effectRef>
+          <a:fontRef idx="minor">
+            <a:schemeClr val="lt1"/>
+          </a:fontRef>
+        </p:style>
+        <p:txBody>
+          <a:bodyPr rtlCol="0" anchor="ctr"/>
+          <a:lstStyle/>
+          <a:p>
+            <a:pPr algn="ctr"/>
+            <a:endParaRPr lang="en-US"/>
+          </a:p>
+        </p:txBody>
+      </p:sp>
+      <p:sp>
+        <p:nvSpPr>
+          <p:cNvPr id="38" name="Triangle 37">
+            <a:extLst>
+              <a:ext uri="{FF2B5EF4-FFF2-40B4-BE49-F238E27FC236}">
+                <a16:creationId xmlns:a16="http://schemas.microsoft.com/office/drawing/2014/main" id="{7A6E0CB4-D251-9E4F-B244-0BFD5A1ED493}"/>
+              </a:ext>
+            </a:extLst>
+          </p:cNvPr>
+          <p:cNvSpPr/>
+          <p:nvPr/>
+        </p:nvSpPr>
+        <p:spPr>
+          <a:xfrm rot="16200000">
+            <a:off x="7046288" y="2074225"/>
+            <a:ext cx="432000" cy="432000"/>
+          </a:xfrm>
+          <a:prstGeom prst="triangle">
+            <a:avLst/>
+          </a:prstGeom>
+          <a:solidFill>
+            <a:srgbClr val="C00000"/>
+          </a:solidFill>
+          <a:ln>
+            <a:noFill/>
+          </a:ln>
+        </p:spPr>
+        <p:style>
+          <a:lnRef idx="2">
+            <a:schemeClr val="accent1">
+              <a:shade val="50000"/>
+            </a:schemeClr>
+          </a:lnRef>
+          <a:fillRef idx="1">
+            <a:schemeClr val="accent1"/>
+          </a:fillRef>
+          <a:effectRef idx="0">
+            <a:schemeClr val="accent1"/>
+          </a:effectRef>
+          <a:fontRef idx="minor">
+            <a:schemeClr val="lt1"/>
+          </a:fontRef>
+        </p:style>
+        <p:txBody>
+          <a:bodyPr rtlCol="0" anchor="ctr"/>
+          <a:lstStyle/>
+          <a:p>
+            <a:pPr algn="ctr"/>
+            <a:endParaRPr lang="en-US"/>
+          </a:p>
+        </p:txBody>
+      </p:sp>
+      <p:sp>
+        <p:nvSpPr>
+          <p:cNvPr id="39" name="Triangle 38">
+            <a:extLst>
+              <a:ext uri="{FF2B5EF4-FFF2-40B4-BE49-F238E27FC236}">
+                <a16:creationId xmlns:a16="http://schemas.microsoft.com/office/drawing/2014/main" id="{449B3CB1-DD73-F26C-5A8F-5528EA1CBC5D}"/>
+              </a:ext>
+            </a:extLst>
+          </p:cNvPr>
+          <p:cNvSpPr/>
+          <p:nvPr/>
+        </p:nvSpPr>
+        <p:spPr>
+          <a:xfrm rot="16200000">
+            <a:off x="7046288" y="2772001"/>
+            <a:ext cx="432000" cy="432000"/>
+          </a:xfrm>
+          <a:prstGeom prst="triangle">
+            <a:avLst/>
+          </a:prstGeom>
+          <a:solidFill>
+            <a:srgbClr val="C00000"/>
+          </a:solidFill>
+          <a:ln>
+            <a:noFill/>
+          </a:ln>
+        </p:spPr>
+        <p:style>
+          <a:lnRef idx="2">
+            <a:schemeClr val="accent1">
+              <a:shade val="50000"/>
+            </a:schemeClr>
+          </a:lnRef>
+          <a:fillRef idx="1">
+            <a:schemeClr val="accent1"/>
+          </a:fillRef>
+          <a:effectRef idx="0">
+            <a:schemeClr val="accent1"/>
+          </a:effectRef>
+          <a:fontRef idx="minor">
+            <a:schemeClr val="lt1"/>
+          </a:fontRef>
+        </p:style>
+        <p:txBody>
+          <a:bodyPr rtlCol="0" anchor="ctr"/>
+          <a:lstStyle/>
+          <a:p>
+            <a:pPr algn="ctr"/>
+            <a:endParaRPr lang="en-US"/>
+          </a:p>
+        </p:txBody>
+      </p:sp>
+      <p:cxnSp>
+        <p:nvCxnSpPr>
+          <p:cNvPr id="41" name="Straight Connector 40">
+            <a:extLst>
+              <a:ext uri="{FF2B5EF4-FFF2-40B4-BE49-F238E27FC236}">
+                <a16:creationId xmlns:a16="http://schemas.microsoft.com/office/drawing/2014/main" id="{D15DAFD3-C9F7-6494-601C-7659ABBF1039}"/>
+              </a:ext>
+            </a:extLst>
+          </p:cNvPr>
+          <p:cNvCxnSpPr>
+            <a:cxnSpLocks/>
+          </p:cNvCxnSpPr>
+          <p:nvPr/>
+        </p:nvCxnSpPr>
+        <p:spPr>
+          <a:xfrm flipH="1">
+            <a:off x="4265502" y="2277412"/>
+            <a:ext cx="216000" cy="720000"/>
+          </a:xfrm>
+          <a:prstGeom prst="line">
+            <a:avLst/>
+          </a:prstGeom>
+          <a:ln w="57150">
+            <a:solidFill>
+              <a:schemeClr val="tx1"/>
+            </a:solidFill>
+          </a:ln>
+        </p:spPr>
+        <p:style>
+          <a:lnRef idx="1">
+            <a:schemeClr val="accent1"/>
+          </a:lnRef>
+          <a:fillRef idx="0">
+            <a:schemeClr val="accent1"/>
+          </a:fillRef>
+          <a:effectRef idx="0">
+            <a:schemeClr val="accent1"/>
+          </a:effectRef>
+          <a:fontRef idx="minor">
+            <a:schemeClr val="tx1"/>
+          </a:fontRef>
+        </p:style>
+      </p:cxnSp>
+      <p:cxnSp>
+        <p:nvCxnSpPr>
+          <p:cNvPr id="42" name="Straight Connector 41">
+            <a:extLst>
+              <a:ext uri="{FF2B5EF4-FFF2-40B4-BE49-F238E27FC236}">
+                <a16:creationId xmlns:a16="http://schemas.microsoft.com/office/drawing/2014/main" id="{E6B42C46-69ED-6C9C-C3C0-677DA8763518}"/>
+              </a:ext>
+            </a:extLst>
+          </p:cNvPr>
+          <p:cNvCxnSpPr>
+            <a:cxnSpLocks/>
+          </p:cNvCxnSpPr>
+          <p:nvPr/>
+        </p:nvCxnSpPr>
+        <p:spPr>
+          <a:xfrm>
+            <a:off x="4265502" y="2976448"/>
+            <a:ext cx="216000" cy="720000"/>
+          </a:xfrm>
+          <a:prstGeom prst="line">
+            <a:avLst/>
+          </a:prstGeom>
+          <a:ln w="57150">
+            <a:solidFill>
+              <a:schemeClr val="tx1"/>
+            </a:solidFill>
+          </a:ln>
+        </p:spPr>
+        <p:style>
+          <a:lnRef idx="1">
+            <a:schemeClr val="accent1"/>
+          </a:lnRef>
+          <a:fillRef idx="0">
+            <a:schemeClr val="accent1"/>
+          </a:fillRef>
+          <a:effectRef idx="0">
+            <a:schemeClr val="accent1"/>
+          </a:effectRef>
+          <a:fontRef idx="minor">
+            <a:schemeClr val="tx1"/>
+          </a:fontRef>
+        </p:style>
+      </p:cxnSp>
+      <p:sp>
+        <p:nvSpPr>
+          <p:cNvPr id="43" name="Oval 42">
+            <a:extLst>
+              <a:ext uri="{FF2B5EF4-FFF2-40B4-BE49-F238E27FC236}">
+                <a16:creationId xmlns:a16="http://schemas.microsoft.com/office/drawing/2014/main" id="{11B6612D-8547-708B-3B4D-85FA82633D78}"/>
+              </a:ext>
+            </a:extLst>
+          </p:cNvPr>
+          <p:cNvSpPr/>
+          <p:nvPr/>
+        </p:nvSpPr>
+        <p:spPr>
+          <a:xfrm>
+            <a:off x="4049502" y="2763929"/>
+            <a:ext cx="432000" cy="432000"/>
+          </a:xfrm>
+          <a:prstGeom prst="ellipse">
+            <a:avLst/>
+          </a:prstGeom>
+          <a:solidFill>
+            <a:srgbClr val="00730A"/>
+          </a:solidFill>
+          <a:ln>
+            <a:noFill/>
+          </a:ln>
+        </p:spPr>
+        <p:style>
+          <a:lnRef idx="2">
+            <a:schemeClr val="accent1">
+              <a:shade val="50000"/>
+            </a:schemeClr>
+          </a:lnRef>
+          <a:fillRef idx="1">
+            <a:schemeClr val="accent1"/>
+          </a:fillRef>
+          <a:effectRef idx="0">
+            <a:schemeClr val="accent1"/>
+          </a:effectRef>
+          <a:fontRef idx="minor">
+            <a:schemeClr val="lt1"/>
+          </a:fontRef>
+        </p:style>
+        <p:txBody>
+          <a:bodyPr rtlCol="0" anchor="ctr"/>
+          <a:lstStyle/>
+          <a:p>
+            <a:pPr algn="ctr"/>
+            <a:endParaRPr lang="en-US"/>
+          </a:p>
+        </p:txBody>
+      </p:sp>
+      <p:cxnSp>
+        <p:nvCxnSpPr>
+          <p:cNvPr id="44" name="Straight Connector 43">
+            <a:extLst>
+              <a:ext uri="{FF2B5EF4-FFF2-40B4-BE49-F238E27FC236}">
+                <a16:creationId xmlns:a16="http://schemas.microsoft.com/office/drawing/2014/main" id="{A7CEC066-70E1-8242-D15D-9D994FC218CE}"/>
+              </a:ext>
+            </a:extLst>
+          </p:cNvPr>
+          <p:cNvCxnSpPr>
+            <a:cxnSpLocks/>
+          </p:cNvCxnSpPr>
+          <p:nvPr/>
+        </p:nvCxnSpPr>
+        <p:spPr>
+          <a:xfrm flipH="1">
+            <a:off x="3365243" y="2991482"/>
+            <a:ext cx="689846" cy="0"/>
+          </a:xfrm>
+          <a:prstGeom prst="line">
+            <a:avLst/>
+          </a:prstGeom>
+          <a:ln w="57150">
+            <a:solidFill>
+              <a:schemeClr val="tx1"/>
+            </a:solidFill>
+          </a:ln>
+        </p:spPr>
+        <p:style>
+          <a:lnRef idx="1">
+            <a:schemeClr val="accent1"/>
+          </a:lnRef>
+          <a:fillRef idx="0">
+            <a:schemeClr val="accent1"/>
+          </a:fillRef>
+          <a:effectRef idx="0">
+            <a:schemeClr val="accent1"/>
+          </a:effectRef>
+          <a:fontRef idx="minor">
+            <a:schemeClr val="tx1"/>
+          </a:fontRef>
+        </p:style>
+      </p:cxnSp>
+      <p:cxnSp>
+        <p:nvCxnSpPr>
+          <p:cNvPr id="47" name="Straight Connector 46">
+            <a:extLst>
+              <a:ext uri="{FF2B5EF4-FFF2-40B4-BE49-F238E27FC236}">
+                <a16:creationId xmlns:a16="http://schemas.microsoft.com/office/drawing/2014/main" id="{68AFC96B-9D5C-3513-ED81-CC26CE64F7E0}"/>
+              </a:ext>
+            </a:extLst>
+          </p:cNvPr>
+          <p:cNvCxnSpPr>
+            <a:cxnSpLocks/>
+          </p:cNvCxnSpPr>
+          <p:nvPr/>
+        </p:nvCxnSpPr>
+        <p:spPr>
+          <a:xfrm flipH="1">
+            <a:off x="3167373" y="2990635"/>
+            <a:ext cx="216000" cy="720000"/>
+          </a:xfrm>
+          <a:prstGeom prst="line">
+            <a:avLst/>
+          </a:prstGeom>
+          <a:ln w="57150">
+            <a:solidFill>
+              <a:schemeClr val="tx1"/>
+            </a:solidFill>
+          </a:ln>
+        </p:spPr>
+        <p:style>
+          <a:lnRef idx="1">
+            <a:schemeClr val="accent1"/>
+          </a:lnRef>
+          <a:fillRef idx="0">
+            <a:schemeClr val="accent1"/>
+          </a:fillRef>
+          <a:effectRef idx="0">
+            <a:schemeClr val="accent1"/>
+          </a:effectRef>
+          <a:fontRef idx="minor">
+            <a:schemeClr val="tx1"/>
+          </a:fontRef>
+        </p:style>
+      </p:cxnSp>
+      <p:cxnSp>
+        <p:nvCxnSpPr>
+          <p:cNvPr id="48" name="Straight Connector 47">
+            <a:extLst>
+              <a:ext uri="{FF2B5EF4-FFF2-40B4-BE49-F238E27FC236}">
+                <a16:creationId xmlns:a16="http://schemas.microsoft.com/office/drawing/2014/main" id="{74ED4BB5-16B2-1A09-2FB2-23DC2EE21EAE}"/>
+              </a:ext>
+            </a:extLst>
+          </p:cNvPr>
+          <p:cNvCxnSpPr>
+            <a:cxnSpLocks/>
+          </p:cNvCxnSpPr>
+          <p:nvPr/>
+        </p:nvCxnSpPr>
+        <p:spPr>
+          <a:xfrm>
+            <a:off x="3167373" y="3689671"/>
+            <a:ext cx="216000" cy="720000"/>
+          </a:xfrm>
+          <a:prstGeom prst="line">
+            <a:avLst/>
+          </a:prstGeom>
+          <a:ln w="57150">
+            <a:solidFill>
+              <a:schemeClr val="tx1"/>
+            </a:solidFill>
+          </a:ln>
+        </p:spPr>
+        <p:style>
+          <a:lnRef idx="1">
+            <a:schemeClr val="accent1"/>
+          </a:lnRef>
+          <a:fillRef idx="0">
+            <a:schemeClr val="accent1"/>
+          </a:fillRef>
+          <a:effectRef idx="0">
+            <a:schemeClr val="accent1"/>
+          </a:effectRef>
+          <a:fontRef idx="minor">
+            <a:schemeClr val="tx1"/>
+          </a:fontRef>
+        </p:style>
+      </p:cxnSp>
+      <p:sp>
+        <p:nvSpPr>
+          <p:cNvPr id="46" name="Rectangle 45">
+            <a:extLst>
+              <a:ext uri="{FF2B5EF4-FFF2-40B4-BE49-F238E27FC236}">
+                <a16:creationId xmlns:a16="http://schemas.microsoft.com/office/drawing/2014/main" id="{E23698C7-6B6D-FE49-BE47-23279347B6BA}"/>
+              </a:ext>
+            </a:extLst>
+          </p:cNvPr>
+          <p:cNvSpPr/>
+          <p:nvPr/>
+        </p:nvSpPr>
+        <p:spPr>
+          <a:xfrm>
+            <a:off x="2719264" y="3494635"/>
+            <a:ext cx="432000" cy="432000"/>
+          </a:xfrm>
+          <a:prstGeom prst="rect">
+            <a:avLst/>
+          </a:prstGeom>
+          <a:solidFill>
+            <a:srgbClr val="002060"/>
+          </a:solidFill>
+          <a:ln>
+            <a:noFill/>
+          </a:ln>
+        </p:spPr>
+        <p:style>
+          <a:lnRef idx="2">
+            <a:schemeClr val="accent1">
+              <a:shade val="50000"/>
+            </a:schemeClr>
+          </a:lnRef>
+          <a:fillRef idx="1">
+            <a:schemeClr val="accent1"/>
+          </a:fillRef>
+          <a:effectRef idx="0">
+            <a:schemeClr val="accent1"/>
+          </a:effectRef>
+          <a:fontRef idx="minor">
+            <a:schemeClr val="lt1"/>
+          </a:fontRef>
+        </p:style>
+        <p:txBody>
+          <a:bodyPr rtlCol="0" anchor="ctr"/>
+          <a:lstStyle/>
+          <a:p>
+            <a:pPr algn="ctr"/>
+            <a:endParaRPr lang="en-US"/>
+          </a:p>
+        </p:txBody>
+      </p:sp>
+      <p:cxnSp>
+        <p:nvCxnSpPr>
+          <p:cNvPr id="50" name="Straight Connector 49">
+            <a:extLst>
+              <a:ext uri="{FF2B5EF4-FFF2-40B4-BE49-F238E27FC236}">
+                <a16:creationId xmlns:a16="http://schemas.microsoft.com/office/drawing/2014/main" id="{64A4F003-36DA-3A94-D72A-7D8298319399}"/>
+              </a:ext>
+            </a:extLst>
+          </p:cNvPr>
+          <p:cNvCxnSpPr>
+            <a:cxnSpLocks/>
+          </p:cNvCxnSpPr>
+          <p:nvPr/>
+        </p:nvCxnSpPr>
+        <p:spPr>
+          <a:xfrm flipH="1" flipV="1">
+            <a:off x="4459050" y="3684425"/>
+            <a:ext cx="1328589" cy="7512"/>
+          </a:xfrm>
+          <a:prstGeom prst="line">
+            <a:avLst/>
+          </a:prstGeom>
+          <a:ln w="57150">
+            <a:solidFill>
+              <a:schemeClr val="tx1"/>
+            </a:solidFill>
+          </a:ln>
+        </p:spPr>
+        <p:style>
+          <a:lnRef idx="1">
+            <a:schemeClr val="accent1"/>
+          </a:lnRef>
+          <a:fillRef idx="0">
+            <a:schemeClr val="accent1"/>
+          </a:fillRef>
+          <a:effectRef idx="0">
+            <a:schemeClr val="accent1"/>
+          </a:effectRef>
+          <a:fontRef idx="minor">
+            <a:schemeClr val="tx1"/>
+          </a:fontRef>
+        </p:style>
+      </p:cxnSp>
+      <p:sp>
+        <p:nvSpPr>
+          <p:cNvPr id="51" name="Triangle 50">
+            <a:extLst>
+              <a:ext uri="{FF2B5EF4-FFF2-40B4-BE49-F238E27FC236}">
+                <a16:creationId xmlns:a16="http://schemas.microsoft.com/office/drawing/2014/main" id="{2193AE10-9DFC-6CEE-54A8-9714953D1988}"/>
+              </a:ext>
+            </a:extLst>
+          </p:cNvPr>
+          <p:cNvSpPr/>
+          <p:nvPr/>
+        </p:nvSpPr>
+        <p:spPr>
+          <a:xfrm rot="16200000">
+            <a:off x="5691577" y="3475937"/>
+            <a:ext cx="432000" cy="432000"/>
+          </a:xfrm>
+          <a:prstGeom prst="triangle">
+            <a:avLst/>
+          </a:prstGeom>
+          <a:solidFill>
+            <a:srgbClr val="C00000"/>
+          </a:solidFill>
+          <a:ln>
+            <a:noFill/>
+          </a:ln>
+        </p:spPr>
+        <p:style>
+          <a:lnRef idx="2">
+            <a:schemeClr val="accent1">
+              <a:shade val="50000"/>
+            </a:schemeClr>
+          </a:lnRef>
+          <a:fillRef idx="1">
+            <a:schemeClr val="accent1"/>
+          </a:fillRef>
+          <a:effectRef idx="0">
+            <a:schemeClr val="accent1"/>
+          </a:effectRef>
+          <a:fontRef idx="minor">
+            <a:schemeClr val="lt1"/>
+          </a:fontRef>
+        </p:style>
+        <p:txBody>
+          <a:bodyPr rtlCol="0" anchor="ctr"/>
+          <a:lstStyle/>
+          <a:p>
+            <a:pPr algn="ctr"/>
+            <a:endParaRPr lang="en-US"/>
+          </a:p>
+        </p:txBody>
+      </p:sp>
+      <p:sp>
+        <p:nvSpPr>
+          <p:cNvPr id="52" name="TextBox 51">
+            <a:extLst>
+              <a:ext uri="{FF2B5EF4-FFF2-40B4-BE49-F238E27FC236}">
+                <a16:creationId xmlns:a16="http://schemas.microsoft.com/office/drawing/2014/main" id="{7F215F97-709F-AE63-E99E-46717305904A}"/>
+              </a:ext>
+            </a:extLst>
+          </p:cNvPr>
+          <p:cNvSpPr txBox="1"/>
+          <p:nvPr/>
+        </p:nvSpPr>
+        <p:spPr>
+          <a:xfrm>
+            <a:off x="4425959" y="3383418"/>
+            <a:ext cx="1328588" cy="307777"/>
+          </a:xfrm>
+          <a:prstGeom prst="rect">
+            <a:avLst/>
+          </a:prstGeom>
+          <a:noFill/>
+        </p:spPr>
+        <p:txBody>
+          <a:bodyPr wrap="square" rtlCol="0">
+            <a:spAutoFit/>
+          </a:bodyPr>
+          <a:lstStyle/>
+          <a:p>
+            <a:r>
+              <a:rPr lang="en-US" sz="1400" dirty="0"/>
+              <a:t>P(D|A) = 0.6</a:t>
+            </a:r>
+          </a:p>
+        </p:txBody>
+      </p:sp>
+      <p:sp>
+        <p:nvSpPr>
+          <p:cNvPr id="53" name="TextBox 52">
+            <a:extLst>
+              <a:ext uri="{FF2B5EF4-FFF2-40B4-BE49-F238E27FC236}">
+                <a16:creationId xmlns:a16="http://schemas.microsoft.com/office/drawing/2014/main" id="{CC938636-BD1C-96B2-1C35-E0A99E5C7E04}"/>
+              </a:ext>
+            </a:extLst>
+          </p:cNvPr>
+          <p:cNvSpPr txBox="1"/>
+          <p:nvPr/>
+        </p:nvSpPr>
+        <p:spPr>
+          <a:xfrm>
+            <a:off x="3333133" y="2618668"/>
+            <a:ext cx="427610" cy="369332"/>
+          </a:xfrm>
+          <a:prstGeom prst="rect">
+            <a:avLst/>
+          </a:prstGeom>
+          <a:noFill/>
+        </p:spPr>
+        <p:txBody>
+          <a:bodyPr wrap="square" rtlCol="0">
+            <a:spAutoFit/>
+          </a:bodyPr>
+          <a:lstStyle/>
+          <a:p>
+            <a:r>
+              <a:rPr lang="en-US" dirty="0"/>
+              <a:t>A</a:t>
+            </a:r>
+          </a:p>
+        </p:txBody>
+      </p:sp>
+      <p:cxnSp>
+        <p:nvCxnSpPr>
+          <p:cNvPr id="54" name="Straight Connector 53">
+            <a:extLst>
+              <a:ext uri="{FF2B5EF4-FFF2-40B4-BE49-F238E27FC236}">
+                <a16:creationId xmlns:a16="http://schemas.microsoft.com/office/drawing/2014/main" id="{C8B5FF0C-A1F6-9BF9-2ECC-C178A33F12D1}"/>
+              </a:ext>
+            </a:extLst>
+          </p:cNvPr>
+          <p:cNvCxnSpPr>
+            <a:cxnSpLocks/>
+          </p:cNvCxnSpPr>
+          <p:nvPr/>
+        </p:nvCxnSpPr>
+        <p:spPr>
+          <a:xfrm flipH="1">
+            <a:off x="3365243" y="4408823"/>
+            <a:ext cx="1354711" cy="418"/>
+          </a:xfrm>
+          <a:prstGeom prst="line">
+            <a:avLst/>
+          </a:prstGeom>
+          <a:ln w="57150">
+            <a:solidFill>
+              <a:schemeClr val="tx1"/>
+            </a:solidFill>
+          </a:ln>
+        </p:spPr>
+        <p:style>
+          <a:lnRef idx="1">
+            <a:schemeClr val="accent1"/>
+          </a:lnRef>
+          <a:fillRef idx="0">
+            <a:schemeClr val="accent1"/>
+          </a:fillRef>
+          <a:effectRef idx="0">
+            <a:schemeClr val="accent1"/>
+          </a:effectRef>
+          <a:fontRef idx="minor">
+            <a:schemeClr val="tx1"/>
+          </a:fontRef>
+        </p:style>
+      </p:cxnSp>
+      <p:sp>
+        <p:nvSpPr>
+          <p:cNvPr id="55" name="Triangle 54">
+            <a:extLst>
+              <a:ext uri="{FF2B5EF4-FFF2-40B4-BE49-F238E27FC236}">
+                <a16:creationId xmlns:a16="http://schemas.microsoft.com/office/drawing/2014/main" id="{54EF0CD9-751C-040E-2628-2A1FFCA75351}"/>
+              </a:ext>
+            </a:extLst>
+          </p:cNvPr>
+          <p:cNvSpPr/>
+          <p:nvPr/>
+        </p:nvSpPr>
+        <p:spPr>
+          <a:xfrm rot="16200000">
+            <a:off x="4623892" y="4200895"/>
+            <a:ext cx="432000" cy="432000"/>
+          </a:xfrm>
+          <a:prstGeom prst="triangle">
+            <a:avLst/>
+          </a:prstGeom>
+          <a:solidFill>
+            <a:srgbClr val="C00000"/>
+          </a:solidFill>
+          <a:ln>
+            <a:noFill/>
+          </a:ln>
+        </p:spPr>
+        <p:style>
+          <a:lnRef idx="2">
+            <a:schemeClr val="accent1">
+              <a:shade val="50000"/>
+            </a:schemeClr>
+          </a:lnRef>
+          <a:fillRef idx="1">
+            <a:schemeClr val="accent1"/>
+          </a:fillRef>
+          <a:effectRef idx="0">
+            <a:schemeClr val="accent1"/>
+          </a:effectRef>
+          <a:fontRef idx="minor">
+            <a:schemeClr val="lt1"/>
+          </a:fontRef>
+        </p:style>
+        <p:txBody>
+          <a:bodyPr rtlCol="0" anchor="ctr"/>
+          <a:lstStyle/>
+          <a:p>
+            <a:pPr algn="ctr"/>
+            <a:endParaRPr lang="en-US"/>
+          </a:p>
+        </p:txBody>
+      </p:sp>
+      <p:sp>
+        <p:nvSpPr>
+          <p:cNvPr id="58" name="TextBox 57">
+            <a:extLst>
+              <a:ext uri="{FF2B5EF4-FFF2-40B4-BE49-F238E27FC236}">
+                <a16:creationId xmlns:a16="http://schemas.microsoft.com/office/drawing/2014/main" id="{497B7727-6FAA-0CDF-B4AA-34FD674401C6}"/>
+              </a:ext>
+            </a:extLst>
+          </p:cNvPr>
+          <p:cNvSpPr txBox="1"/>
+          <p:nvPr/>
+        </p:nvSpPr>
+        <p:spPr>
+          <a:xfrm>
+            <a:off x="3367438" y="4049973"/>
+            <a:ext cx="427610" cy="369332"/>
+          </a:xfrm>
+          <a:prstGeom prst="rect">
+            <a:avLst/>
+          </a:prstGeom>
+          <a:noFill/>
+        </p:spPr>
+        <p:txBody>
+          <a:bodyPr wrap="square" rtlCol="0">
+            <a:spAutoFit/>
+          </a:bodyPr>
+          <a:lstStyle/>
+          <a:p>
+            <a:r>
+              <a:rPr lang="en-US" dirty="0"/>
+              <a:t>B</a:t>
+            </a:r>
+          </a:p>
+        </p:txBody>
+      </p:sp>
+      <p:sp>
+        <p:nvSpPr>
+          <p:cNvPr id="59" name="TextBox 58">
+            <a:extLst>
+              <a:ext uri="{FF2B5EF4-FFF2-40B4-BE49-F238E27FC236}">
+                <a16:creationId xmlns:a16="http://schemas.microsoft.com/office/drawing/2014/main" id="{AEB6B0DA-1939-B987-F71A-D9C0A50DD327}"/>
+              </a:ext>
+            </a:extLst>
+          </p:cNvPr>
+          <p:cNvSpPr txBox="1"/>
+          <p:nvPr/>
+        </p:nvSpPr>
+        <p:spPr>
+          <a:xfrm>
+            <a:off x="4309422" y="1991981"/>
+            <a:ext cx="1370134" cy="307777"/>
+          </a:xfrm>
+          <a:prstGeom prst="rect">
+            <a:avLst/>
+          </a:prstGeom>
+          <a:noFill/>
+        </p:spPr>
+        <p:txBody>
+          <a:bodyPr wrap="square" rtlCol="0">
+            <a:spAutoFit/>
+          </a:bodyPr>
+          <a:lstStyle/>
+          <a:p>
+            <a:r>
+              <a:rPr lang="en-US" sz="1400" dirty="0"/>
+              <a:t>P(C|A) = 0.4</a:t>
+            </a:r>
+          </a:p>
+        </p:txBody>
+      </p:sp>
+      <p:sp>
+        <p:nvSpPr>
+          <p:cNvPr id="62" name="TextBox 61">
+            <a:extLst>
+              <a:ext uri="{FF2B5EF4-FFF2-40B4-BE49-F238E27FC236}">
+                <a16:creationId xmlns:a16="http://schemas.microsoft.com/office/drawing/2014/main" id="{9296A84B-161F-6378-9125-9112DE593C45}"/>
+              </a:ext>
+            </a:extLst>
+          </p:cNvPr>
+          <p:cNvSpPr txBox="1"/>
+          <p:nvPr/>
+        </p:nvSpPr>
+        <p:spPr>
+          <a:xfrm>
+            <a:off x="7478288" y="1437300"/>
+            <a:ext cx="674991" cy="369332"/>
+          </a:xfrm>
+          <a:prstGeom prst="rect">
+            <a:avLst/>
+          </a:prstGeom>
+          <a:noFill/>
+        </p:spPr>
+        <p:txBody>
+          <a:bodyPr wrap="square" rtlCol="0">
+            <a:spAutoFit/>
+          </a:bodyPr>
+          <a:lstStyle/>
+          <a:p>
+            <a:r>
+              <a:rPr lang="en-US" dirty="0"/>
+              <a:t>$10</a:t>
+            </a:r>
+          </a:p>
+        </p:txBody>
+      </p:sp>
+      <p:sp>
+        <p:nvSpPr>
+          <p:cNvPr id="63" name="TextBox 62">
+            <a:extLst>
+              <a:ext uri="{FF2B5EF4-FFF2-40B4-BE49-F238E27FC236}">
+                <a16:creationId xmlns:a16="http://schemas.microsoft.com/office/drawing/2014/main" id="{B54F4629-3600-9375-2BB6-50F9B1BDAA11}"/>
+              </a:ext>
+            </a:extLst>
+          </p:cNvPr>
+          <p:cNvSpPr txBox="1"/>
+          <p:nvPr/>
+        </p:nvSpPr>
+        <p:spPr>
+          <a:xfrm>
+            <a:off x="7477441" y="2119158"/>
+            <a:ext cx="674991" cy="369332"/>
+          </a:xfrm>
+          <a:prstGeom prst="rect">
+            <a:avLst/>
+          </a:prstGeom>
+          <a:noFill/>
+        </p:spPr>
+        <p:txBody>
+          <a:bodyPr wrap="square" rtlCol="0">
+            <a:spAutoFit/>
+          </a:bodyPr>
+          <a:lstStyle/>
+          <a:p>
+            <a:r>
+              <a:rPr lang="en-US" dirty="0"/>
+              <a:t>$20</a:t>
+            </a:r>
+          </a:p>
+        </p:txBody>
+      </p:sp>
+      <p:sp>
+        <p:nvSpPr>
+          <p:cNvPr id="64" name="TextBox 63">
+            <a:extLst>
+              <a:ext uri="{FF2B5EF4-FFF2-40B4-BE49-F238E27FC236}">
+                <a16:creationId xmlns:a16="http://schemas.microsoft.com/office/drawing/2014/main" id="{EF180F35-4ABC-BC14-36FB-D0307B8A13A4}"/>
+              </a:ext>
+            </a:extLst>
+          </p:cNvPr>
+          <p:cNvSpPr txBox="1"/>
+          <p:nvPr/>
+        </p:nvSpPr>
+        <p:spPr>
+          <a:xfrm>
+            <a:off x="7431771" y="2780613"/>
+            <a:ext cx="674991" cy="369332"/>
+          </a:xfrm>
+          <a:prstGeom prst="rect">
+            <a:avLst/>
+          </a:prstGeom>
+          <a:noFill/>
+        </p:spPr>
+        <p:txBody>
+          <a:bodyPr wrap="square" rtlCol="0">
+            <a:spAutoFit/>
+          </a:bodyPr>
+          <a:lstStyle/>
+          <a:p>
+            <a:r>
+              <a:rPr lang="en-US" dirty="0"/>
+              <a:t>$40</a:t>
+            </a:r>
+          </a:p>
+        </p:txBody>
+      </p:sp>
+      <p:sp>
+        <p:nvSpPr>
+          <p:cNvPr id="65" name="TextBox 64">
+            <a:extLst>
+              <a:ext uri="{FF2B5EF4-FFF2-40B4-BE49-F238E27FC236}">
+                <a16:creationId xmlns:a16="http://schemas.microsoft.com/office/drawing/2014/main" id="{25360C64-87B2-88F8-6BB2-38BC7C195430}"/>
+              </a:ext>
+            </a:extLst>
+          </p:cNvPr>
+          <p:cNvSpPr txBox="1"/>
+          <p:nvPr/>
+        </p:nvSpPr>
+        <p:spPr>
+          <a:xfrm>
+            <a:off x="6077907" y="3506529"/>
+            <a:ext cx="674991" cy="369332"/>
+          </a:xfrm>
+          <a:prstGeom prst="rect">
+            <a:avLst/>
+          </a:prstGeom>
+          <a:noFill/>
+        </p:spPr>
+        <p:txBody>
+          <a:bodyPr wrap="square" rtlCol="0">
+            <a:spAutoFit/>
+          </a:bodyPr>
+          <a:lstStyle/>
+          <a:p>
+            <a:r>
+              <a:rPr lang="en-US" dirty="0"/>
+              <a:t>$200</a:t>
+            </a:r>
+          </a:p>
+        </p:txBody>
+      </p:sp>
+      <p:sp>
+        <p:nvSpPr>
+          <p:cNvPr id="66" name="TextBox 65">
+            <a:extLst>
+              <a:ext uri="{FF2B5EF4-FFF2-40B4-BE49-F238E27FC236}">
+                <a16:creationId xmlns:a16="http://schemas.microsoft.com/office/drawing/2014/main" id="{39A2CA35-378A-ADDA-E70B-CFD4475BD2B1}"/>
+              </a:ext>
+            </a:extLst>
+          </p:cNvPr>
+          <p:cNvSpPr txBox="1"/>
+          <p:nvPr/>
+        </p:nvSpPr>
+        <p:spPr>
+          <a:xfrm>
+            <a:off x="5016586" y="4263563"/>
+            <a:ext cx="674991" cy="369332"/>
+          </a:xfrm>
+          <a:prstGeom prst="rect">
+            <a:avLst/>
+          </a:prstGeom>
+          <a:noFill/>
+        </p:spPr>
+        <p:txBody>
+          <a:bodyPr wrap="square" rtlCol="0">
+            <a:spAutoFit/>
+          </a:bodyPr>
+          <a:lstStyle/>
+          <a:p>
+            <a:r>
+              <a:rPr lang="en-US" dirty="0"/>
+              <a:t>$100</a:t>
+            </a:r>
+          </a:p>
+        </p:txBody>
+      </p:sp>
+      <p:sp>
+        <p:nvSpPr>
+          <p:cNvPr id="2" name="TextBox 1">
+            <a:extLst>
+              <a:ext uri="{FF2B5EF4-FFF2-40B4-BE49-F238E27FC236}">
+                <a16:creationId xmlns:a16="http://schemas.microsoft.com/office/drawing/2014/main" id="{0C84026C-5E0F-F7BC-3ABF-D4F0376A48D5}"/>
+              </a:ext>
+            </a:extLst>
+          </p:cNvPr>
+          <p:cNvSpPr txBox="1"/>
+          <p:nvPr/>
+        </p:nvSpPr>
+        <p:spPr>
+          <a:xfrm>
+            <a:off x="4824437" y="2425630"/>
+            <a:ext cx="849888" cy="307777"/>
+          </a:xfrm>
+          <a:prstGeom prst="rect">
+            <a:avLst/>
+          </a:prstGeom>
+          <a:noFill/>
+        </p:spPr>
+        <p:txBody>
+          <a:bodyPr wrap="square" rtlCol="0">
+            <a:spAutoFit/>
+          </a:bodyPr>
+          <a:lstStyle/>
+          <a:p>
+            <a:pPr algn="ctr"/>
+            <a:r>
+              <a:rPr lang="en-US" sz="1400" b="1" dirty="0">
+                <a:solidFill>
+                  <a:srgbClr val="FF0000"/>
+                </a:solidFill>
+              </a:rPr>
+              <a:t>E(C)=$20</a:t>
+            </a:r>
+          </a:p>
+        </p:txBody>
+      </p:sp>
+      <p:sp>
+        <p:nvSpPr>
+          <p:cNvPr id="3" name="TextBox 2">
+            <a:extLst>
+              <a:ext uri="{FF2B5EF4-FFF2-40B4-BE49-F238E27FC236}">
+                <a16:creationId xmlns:a16="http://schemas.microsoft.com/office/drawing/2014/main" id="{8DEBAEC7-94AC-7515-CCB1-5DA26F3DFA1E}"/>
+              </a:ext>
+            </a:extLst>
+          </p:cNvPr>
+          <p:cNvSpPr txBox="1"/>
+          <p:nvPr/>
+        </p:nvSpPr>
+        <p:spPr>
+          <a:xfrm>
+            <a:off x="3370214" y="3096389"/>
+            <a:ext cx="947745" cy="307777"/>
+          </a:xfrm>
+          <a:prstGeom prst="rect">
+            <a:avLst/>
+          </a:prstGeom>
+          <a:noFill/>
+        </p:spPr>
+        <p:txBody>
+          <a:bodyPr wrap="square" rtlCol="0">
+            <a:spAutoFit/>
+          </a:bodyPr>
+          <a:lstStyle/>
+          <a:p>
+            <a:pPr algn="ctr"/>
+            <a:r>
+              <a:rPr lang="en-US" sz="1400" b="1" dirty="0">
+                <a:solidFill>
+                  <a:srgbClr val="FF0000"/>
+                </a:solidFill>
+              </a:rPr>
+              <a:t>E(C)=$128</a:t>
+            </a:r>
+          </a:p>
+        </p:txBody>
+      </p:sp>
+    </p:spTree>
+    <p:extLst>
+      <p:ext uri="{BB962C8B-B14F-4D97-AF65-F5344CB8AC3E}">
+        <p14:creationId xmlns:p14="http://schemas.microsoft.com/office/powerpoint/2010/main" val="3271641632"/>
       </p:ext>
     </p:extLst>
   </p:cSld>
